--- a/卒業論文/2013/小野寺航己/卒業論文中間発表ポスター.pptx
+++ b/卒業論文/2013/小野寺航己/卒業論文中間発表ポスター.pptx
@@ -2,7 +2,7 @@
 <file path=ppt/presentation.xml><?xml version="1.0" encoding="utf-8"?>
 <p:presentation xmlns:a="http://schemas.openxmlformats.org/drawingml/2006/main" xmlns:r="http://schemas.openxmlformats.org/officeDocument/2006/relationships" xmlns:p="http://schemas.openxmlformats.org/presentationml/2006/main" saveSubsetFonts="1">
   <p:sldMasterIdLst>
-    <p:sldMasterId id="2147483660" r:id="rId1"/>
+    <p:sldMasterId id="2147483744" r:id="rId1"/>
   </p:sldMasterIdLst>
   <p:sldIdLst>
     <p:sldId id="257" r:id="rId2"/>
@@ -108,7 +108,7 @@
 </file>
 
 <file path=ppt/slideLayouts/slideLayout1.xml><?xml version="1.0" encoding="utf-8"?>
-<p:sldLayout xmlns:a="http://schemas.openxmlformats.org/drawingml/2006/main" xmlns:r="http://schemas.openxmlformats.org/officeDocument/2006/relationships" xmlns:p="http://schemas.openxmlformats.org/presentationml/2006/main" showMasterSp="0" type="title" preserve="1">
+<p:sldLayout xmlns:a="http://schemas.openxmlformats.org/drawingml/2006/main" xmlns:r="http://schemas.openxmlformats.org/officeDocument/2006/relationships" xmlns:p="http://schemas.openxmlformats.org/presentationml/2006/main" type="title" preserve="1">
   <p:cSld name="タイトル スライド">
     <p:spTree>
       <p:nvGrpSpPr>
@@ -126,292 +126,35 @@
       </p:grpSpPr>
       <p:sp>
         <p:nvSpPr>
-          <p:cNvPr id="11" name="Rectangle 10"/>
-          <p:cNvSpPr/>
-          <p:nvPr/>
+          <p:cNvPr id="2" name="タイトル 1"/>
+          <p:cNvSpPr>
+            <a:spLocks noGrp="1"/>
+          </p:cNvSpPr>
+          <p:nvPr>
+            <p:ph type="ctrTitle"/>
+          </p:nvPr>
         </p:nvSpPr>
         <p:spPr>
           <a:xfrm>
-            <a:off x="0" y="17073526"/>
-            <a:ext cx="21386800" cy="13206449"/>
+            <a:off x="1604010" y="9406451"/>
+            <a:ext cx="18178780" cy="6490569"/>
           </a:xfrm>
-          <a:prstGeom prst="rect">
-            <a:avLst/>
-          </a:prstGeom>
-          <a:gradFill>
-            <a:gsLst>
-              <a:gs pos="0">
-                <a:schemeClr val="bg1">
-                  <a:alpha val="91000"/>
-                </a:schemeClr>
-              </a:gs>
-              <a:gs pos="37000">
-                <a:schemeClr val="bg1">
-                  <a:alpha val="76000"/>
-                </a:schemeClr>
-              </a:gs>
-              <a:gs pos="100000">
-                <a:schemeClr val="bg2">
-                  <a:alpha val="79000"/>
-                </a:schemeClr>
-              </a:gs>
-            </a:gsLst>
-            <a:path path="circle">
-              <a:fillToRect l="50000" t="50000" r="50000" b="50000"/>
-            </a:path>
-          </a:gradFill>
-          <a:ln>
-            <a:noFill/>
-          </a:ln>
         </p:spPr>
-        <p:style>
-          <a:lnRef idx="2">
-            <a:schemeClr val="accent1">
-              <a:shade val="50000"/>
-            </a:schemeClr>
-          </a:lnRef>
-          <a:fillRef idx="1">
-            <a:schemeClr val="accent1"/>
-          </a:fillRef>
-          <a:effectRef idx="0">
-            <a:schemeClr val="accent1"/>
-          </a:effectRef>
-          <a:fontRef idx="minor">
-            <a:schemeClr val="lt1"/>
-          </a:fontRef>
-        </p:style>
         <p:txBody>
-          <a:bodyPr lIns="295232" tIns="147616" rIns="295232" bIns="147616" rtlCol="0" anchor="ctr"/>
+          <a:bodyPr/>
           <a:lstStyle/>
           <a:p>
-            <a:pPr algn="ctr" defTabSz="2951897"/>
-            <a:endParaRPr lang="en-US">
-              <a:solidFill>
-                <a:prstClr val="white"/>
-              </a:solidFill>
-            </a:endParaRPr>
+            <a:r>
+              <a:rPr kumimoji="1" lang="ja-JP" altLang="en-US" smtClean="0"/>
+              <a:t>マスター タイトルの書式設定</a:t>
+            </a:r>
+            <a:endParaRPr kumimoji="1" lang="ja-JP" altLang="en-US"/>
           </a:p>
         </p:txBody>
       </p:sp>
       <p:sp>
         <p:nvSpPr>
-          <p:cNvPr id="12" name="Rectangle 11"/>
-          <p:cNvSpPr/>
-          <p:nvPr/>
-        </p:nvSpPr>
-        <p:spPr>
-          <a:xfrm>
-            <a:off x="0" y="0"/>
-            <a:ext cx="21386800" cy="17073526"/>
-          </a:xfrm>
-          <a:prstGeom prst="rect">
-            <a:avLst/>
-          </a:prstGeom>
-          <a:gradFill flip="none" rotWithShape="1">
-            <a:gsLst>
-              <a:gs pos="0">
-                <a:schemeClr val="bg1">
-                  <a:alpha val="89000"/>
-                </a:schemeClr>
-              </a:gs>
-              <a:gs pos="48000">
-                <a:schemeClr val="bg1">
-                  <a:alpha val="62000"/>
-                </a:schemeClr>
-              </a:gs>
-              <a:gs pos="100000">
-                <a:schemeClr val="bg2">
-                  <a:alpha val="79000"/>
-                </a:schemeClr>
-              </a:gs>
-            </a:gsLst>
-            <a:path path="circle">
-              <a:fillToRect l="50000" t="50000" r="50000" b="50000"/>
-            </a:path>
-            <a:tileRect/>
-          </a:gradFill>
-          <a:ln>
-            <a:noFill/>
-          </a:ln>
-        </p:spPr>
-        <p:style>
-          <a:lnRef idx="2">
-            <a:schemeClr val="accent1">
-              <a:shade val="50000"/>
-            </a:schemeClr>
-          </a:lnRef>
-          <a:fillRef idx="1">
-            <a:schemeClr val="accent1"/>
-          </a:fillRef>
-          <a:effectRef idx="0">
-            <a:schemeClr val="accent1"/>
-          </a:effectRef>
-          <a:fontRef idx="minor">
-            <a:schemeClr val="lt1"/>
-          </a:fontRef>
-        </p:style>
-        <p:txBody>
-          <a:bodyPr lIns="295232" tIns="147616" rIns="295232" bIns="147616" rtlCol="0" anchor="ctr"/>
-          <a:lstStyle/>
-          <a:p>
-            <a:pPr algn="ctr" defTabSz="2951897"/>
-            <a:endParaRPr lang="en-US" dirty="0">
-              <a:solidFill>
-                <a:prstClr val="white"/>
-              </a:solidFill>
-            </a:endParaRPr>
-          </a:p>
-        </p:txBody>
-      </p:sp>
-      <p:sp>
-        <p:nvSpPr>
-          <p:cNvPr id="13" name="Rectangle 12"/>
-          <p:cNvSpPr/>
-          <p:nvPr/>
-        </p:nvSpPr>
-        <p:spPr>
-          <a:xfrm>
-            <a:off x="0" y="11710690"/>
-            <a:ext cx="21386800" cy="10093325"/>
-          </a:xfrm>
-          <a:prstGeom prst="rect">
-            <a:avLst/>
-          </a:prstGeom>
-          <a:gradFill flip="none" rotWithShape="1">
-            <a:gsLst>
-              <a:gs pos="0">
-                <a:schemeClr val="bg1">
-                  <a:alpha val="0"/>
-                </a:schemeClr>
-              </a:gs>
-              <a:gs pos="29000">
-                <a:schemeClr val="bg1">
-                  <a:alpha val="30000"/>
-                </a:schemeClr>
-              </a:gs>
-              <a:gs pos="45000">
-                <a:schemeClr val="bg2">
-                  <a:alpha val="40000"/>
-                </a:schemeClr>
-              </a:gs>
-              <a:gs pos="55000">
-                <a:schemeClr val="bg1">
-                  <a:alpha val="26000"/>
-                </a:schemeClr>
-              </a:gs>
-              <a:gs pos="65000">
-                <a:schemeClr val="bg2">
-                  <a:alpha val="60000"/>
-                </a:schemeClr>
-              </a:gs>
-              <a:gs pos="100000">
-                <a:schemeClr val="bg1">
-                  <a:alpha val="0"/>
-                </a:schemeClr>
-              </a:gs>
-            </a:gsLst>
-            <a:lin ang="5400000" scaled="0"/>
-            <a:tileRect/>
-          </a:gradFill>
-          <a:ln>
-            <a:noFill/>
-          </a:ln>
-        </p:spPr>
-        <p:style>
-          <a:lnRef idx="2">
-            <a:schemeClr val="accent1">
-              <a:shade val="50000"/>
-            </a:schemeClr>
-          </a:lnRef>
-          <a:fillRef idx="1">
-            <a:schemeClr val="accent1"/>
-          </a:fillRef>
-          <a:effectRef idx="0">
-            <a:schemeClr val="accent1"/>
-          </a:effectRef>
-          <a:fontRef idx="minor">
-            <a:schemeClr val="lt1"/>
-          </a:fontRef>
-        </p:style>
-        <p:txBody>
-          <a:bodyPr lIns="295232" tIns="147616" rIns="295232" bIns="147616" rtlCol="0" anchor="ctr"/>
-          <a:lstStyle/>
-          <a:p>
-            <a:pPr algn="ctr" defTabSz="2951897"/>
-            <a:endParaRPr lang="en-US">
-              <a:solidFill>
-                <a:prstClr val="white"/>
-              </a:solidFill>
-            </a:endParaRPr>
-          </a:p>
-        </p:txBody>
-      </p:sp>
-      <p:sp>
-        <p:nvSpPr>
-          <p:cNvPr id="14" name="Oval 13"/>
-          <p:cNvSpPr/>
-          <p:nvPr/>
-        </p:nvSpPr>
-        <p:spPr>
-          <a:xfrm>
-            <a:off x="0" y="7065328"/>
-            <a:ext cx="21386800" cy="22541759"/>
-          </a:xfrm>
-          <a:prstGeom prst="ellipse">
-            <a:avLst/>
-          </a:prstGeom>
-          <a:gradFill flip="none" rotWithShape="1">
-            <a:gsLst>
-              <a:gs pos="0">
-                <a:schemeClr val="bg1"/>
-              </a:gs>
-              <a:gs pos="54000">
-                <a:schemeClr val="bg1">
-                  <a:alpha val="0"/>
-                </a:schemeClr>
-              </a:gs>
-            </a:gsLst>
-            <a:path path="circle">
-              <a:fillToRect l="50000" t="50000" r="50000" b="50000"/>
-            </a:path>
-            <a:tileRect/>
-          </a:gradFill>
-          <a:ln>
-            <a:noFill/>
-          </a:ln>
-        </p:spPr>
-        <p:style>
-          <a:lnRef idx="2">
-            <a:schemeClr val="accent1">
-              <a:shade val="50000"/>
-            </a:schemeClr>
-          </a:lnRef>
-          <a:fillRef idx="1">
-            <a:schemeClr val="accent1"/>
-          </a:fillRef>
-          <a:effectRef idx="0">
-            <a:schemeClr val="accent1"/>
-          </a:effectRef>
-          <a:fontRef idx="minor">
-            <a:schemeClr val="lt1"/>
-          </a:fontRef>
-        </p:style>
-        <p:txBody>
-          <a:bodyPr lIns="295232" tIns="147616" rIns="295232" bIns="147616" rtlCol="0" anchor="ctr"/>
-          <a:lstStyle/>
-          <a:p>
-            <a:pPr algn="ctr" defTabSz="2951897"/>
-            <a:endParaRPr lang="en-US">
-              <a:solidFill>
-                <a:prstClr val="white"/>
-              </a:solidFill>
-            </a:endParaRPr>
-          </a:p>
-        </p:txBody>
-      </p:sp>
-      <p:sp>
-        <p:nvSpPr>
-          <p:cNvPr id="3" name="Subtitle 2"/>
+          <p:cNvPr id="3" name="サブタイトル 2"/>
           <p:cNvSpPr>
             <a:spLocks noGrp="1"/>
           </p:cNvSpPr>
@@ -421,24 +164,14 @@
         </p:nvSpPr>
         <p:spPr>
           <a:xfrm>
-            <a:off x="3447043" y="22308392"/>
-            <a:ext cx="13184340" cy="3894800"/>
+            <a:off x="3208020" y="17158652"/>
+            <a:ext cx="14970760" cy="7738216"/>
           </a:xfrm>
         </p:spPr>
         <p:txBody>
-          <a:bodyPr>
-            <a:normAutofit/>
-          </a:bodyPr>
+          <a:bodyPr/>
           <a:lstStyle>
-            <a:lvl1pPr marL="0" indent="0" algn="l">
-              <a:buNone/>
-              <a:defRPr sz="7100">
-                <a:solidFill>
-                  <a:schemeClr val="tx2"/>
-                </a:solidFill>
-              </a:defRPr>
-            </a:lvl1pPr>
-            <a:lvl2pPr marL="1476162" indent="0" algn="ctr">
+            <a:lvl1pPr marL="0" indent="0" algn="ctr">
               <a:buNone/>
               <a:defRPr>
                 <a:solidFill>
@@ -447,8 +180,8 @@
                   </a:schemeClr>
                 </a:solidFill>
               </a:defRPr>
-            </a:lvl2pPr>
-            <a:lvl3pPr marL="2952323" indent="0" algn="ctr">
+            </a:lvl1pPr>
+            <a:lvl2pPr marL="1475416" indent="0" algn="ctr">
               <a:buNone/>
               <a:defRPr>
                 <a:solidFill>
@@ -457,8 +190,8 @@
                   </a:schemeClr>
                 </a:solidFill>
               </a:defRPr>
-            </a:lvl3pPr>
-            <a:lvl4pPr marL="4428485" indent="0" algn="ctr">
+            </a:lvl2pPr>
+            <a:lvl3pPr marL="2950838" indent="0" algn="ctr">
               <a:buNone/>
               <a:defRPr>
                 <a:solidFill>
@@ -467,8 +200,8 @@
                   </a:schemeClr>
                 </a:solidFill>
               </a:defRPr>
-            </a:lvl4pPr>
-            <a:lvl5pPr marL="5904647" indent="0" algn="ctr">
+            </a:lvl3pPr>
+            <a:lvl4pPr marL="4426270" indent="0" algn="ctr">
               <a:buNone/>
               <a:defRPr>
                 <a:solidFill>
@@ -477,8 +210,8 @@
                   </a:schemeClr>
                 </a:solidFill>
               </a:defRPr>
-            </a:lvl5pPr>
-            <a:lvl6pPr marL="7380808" indent="0" algn="ctr">
+            </a:lvl4pPr>
+            <a:lvl5pPr marL="5901686" indent="0" algn="ctr">
               <a:buNone/>
               <a:defRPr>
                 <a:solidFill>
@@ -487,8 +220,8 @@
                   </a:schemeClr>
                 </a:solidFill>
               </a:defRPr>
-            </a:lvl6pPr>
-            <a:lvl7pPr marL="8856970" indent="0" algn="ctr">
+            </a:lvl5pPr>
+            <a:lvl6pPr marL="7377102" indent="0" algn="ctr">
               <a:buNone/>
               <a:defRPr>
                 <a:solidFill>
@@ -497,8 +230,8 @@
                   </a:schemeClr>
                 </a:solidFill>
               </a:defRPr>
-            </a:lvl7pPr>
-            <a:lvl8pPr marL="10333131" indent="0" algn="ctr">
+            </a:lvl6pPr>
+            <a:lvl7pPr marL="8852534" indent="0" algn="ctr">
               <a:buNone/>
               <a:defRPr>
                 <a:solidFill>
@@ -507,8 +240,8 @@
                   </a:schemeClr>
                 </a:solidFill>
               </a:defRPr>
-            </a:lvl8pPr>
-            <a:lvl9pPr marL="11809293" indent="0" algn="ctr">
+            </a:lvl7pPr>
+            <a:lvl8pPr marL="10327956" indent="0" algn="ctr">
               <a:buNone/>
               <a:defRPr>
                 <a:solidFill>
@@ -517,20 +250,30 @@
                   </a:schemeClr>
                 </a:solidFill>
               </a:defRPr>
+            </a:lvl8pPr>
+            <a:lvl9pPr marL="11803372" indent="0" algn="ctr">
+              <a:buNone/>
+              <a:defRPr>
+                <a:solidFill>
+                  <a:schemeClr val="tx1">
+                    <a:tint val="75000"/>
+                  </a:schemeClr>
+                </a:solidFill>
+              </a:defRPr>
             </a:lvl9pPr>
           </a:lstStyle>
           <a:p>
             <a:r>
-              <a:rPr lang="ja-JP" altLang="en-US" smtClean="0"/>
+              <a:rPr kumimoji="1" lang="ja-JP" altLang="en-US" smtClean="0"/>
               <a:t>マスター サブタイトルの書式設定</a:t>
             </a:r>
-            <a:endParaRPr lang="en-US" dirty="0"/>
+            <a:endParaRPr kumimoji="1" lang="ja-JP" altLang="en-US"/>
           </a:p>
         </p:txBody>
       </p:sp>
       <p:sp>
         <p:nvSpPr>
-          <p:cNvPr id="4" name="Date Placeholder 3"/>
+          <p:cNvPr id="4" name="日付プレースホルダー 3"/>
           <p:cNvSpPr>
             <a:spLocks noGrp="1"/>
           </p:cNvSpPr>
@@ -553,7 +296,7 @@
                 </a:solidFill>
               </a:rPr>
               <a:pPr/>
-              <a:t>2014/10/7</a:t>
+              <a:t>2014/10/14</a:t>
             </a:fld>
             <a:endParaRPr lang="ja-JP" altLang="en-US">
               <a:solidFill>
@@ -568,7 +311,7 @@
       </p:sp>
       <p:sp>
         <p:nvSpPr>
-          <p:cNvPr id="5" name="Footer Placeholder 4"/>
+          <p:cNvPr id="5" name="フッター プレースホルダー 4"/>
           <p:cNvSpPr>
             <a:spLocks noGrp="1"/>
           </p:cNvSpPr>
@@ -594,7 +337,7 @@
       </p:sp>
       <p:sp>
         <p:nvSpPr>
-          <p:cNvPr id="6" name="Slide Number Placeholder 5"/>
+          <p:cNvPr id="6" name="スライド番号プレースホルダー 5"/>
           <p:cNvSpPr>
             <a:spLocks noGrp="1"/>
           </p:cNvSpPr>
@@ -630,58 +373,16 @@
           </a:p>
         </p:txBody>
       </p:sp>
-      <p:sp>
-        <p:nvSpPr>
-          <p:cNvPr id="2" name="Title 1"/>
-          <p:cNvSpPr>
-            <a:spLocks noGrp="1"/>
-          </p:cNvSpPr>
-          <p:nvPr>
-            <p:ph type="ctrTitle"/>
-          </p:nvPr>
-        </p:nvSpPr>
-        <p:spPr>
-          <a:xfrm>
-            <a:off x="1912232" y="13829933"/>
-            <a:ext cx="16782349" cy="7917330"/>
-          </a:xfrm>
-          <a:effectLst/>
-        </p:spPr>
-        <p:txBody>
-          <a:bodyPr>
-            <a:noAutofit/>
-          </a:bodyPr>
-          <a:lstStyle>
-            <a:lvl1pPr marL="2066626" indent="-1476162" algn="l">
-              <a:defRPr sz="17400"/>
-            </a:lvl1pPr>
-          </a:lstStyle>
-          <a:p>
-            <a:r>
-              <a:rPr lang="ja-JP" altLang="en-US" smtClean="0"/>
-              <a:t>マスター タイトルの書式設定</a:t>
-            </a:r>
-            <a:endParaRPr lang="en-US" dirty="0"/>
-          </a:p>
-        </p:txBody>
-      </p:sp>
     </p:spTree>
     <p:extLst>
       <p:ext uri="{BB962C8B-B14F-4D97-AF65-F5344CB8AC3E}">
-        <p14:creationId xmlns:p14="http://schemas.microsoft.com/office/powerpoint/2010/main" val="1122471807"/>
+        <p14:creationId xmlns:p14="http://schemas.microsoft.com/office/powerpoint/2010/main" val="3913117333"/>
       </p:ext>
     </p:extLst>
   </p:cSld>
   <p:clrMapOvr>
     <a:masterClrMapping/>
   </p:clrMapOvr>
-  <p:timing>
-    <p:tnLst>
-      <p:par>
-        <p:cTn id="1" dur="indefinite" restart="never" nodeType="tmRoot"/>
-      </p:par>
-    </p:tnLst>
-  </p:timing>
 </p:sldLayout>
 </file>
 
@@ -704,7 +405,7 @@
       </p:grpSpPr>
       <p:sp>
         <p:nvSpPr>
-          <p:cNvPr id="2" name="Title 1"/>
+          <p:cNvPr id="2" name="タイトル 1"/>
           <p:cNvSpPr>
             <a:spLocks noGrp="1"/>
           </p:cNvSpPr>
@@ -718,16 +419,16 @@
           <a:lstStyle/>
           <a:p>
             <a:r>
-              <a:rPr lang="ja-JP" altLang="en-US" smtClean="0"/>
+              <a:rPr kumimoji="1" lang="ja-JP" altLang="en-US" smtClean="0"/>
               <a:t>マスター タイトルの書式設定</a:t>
             </a:r>
-            <a:endParaRPr lang="en-US"/>
+            <a:endParaRPr kumimoji="1" lang="ja-JP" altLang="en-US"/>
           </a:p>
         </p:txBody>
       </p:sp>
       <p:sp>
         <p:nvSpPr>
-          <p:cNvPr id="3" name="Vertical Text Placeholder 2"/>
+          <p:cNvPr id="3" name="縦書きテキスト プレースホルダー 2"/>
           <p:cNvSpPr>
             <a:spLocks noGrp="1"/>
           </p:cNvSpPr>
@@ -735,88 +436,83 @@
             <p:ph type="body" orient="vert" idx="1"/>
           </p:nvPr>
         </p:nvSpPr>
-        <p:spPr>
-          <a:xfrm>
-            <a:off x="4455583" y="3229860"/>
-            <a:ext cx="14970760" cy="15341854"/>
-          </a:xfrm>
-        </p:spPr>
+        <p:spPr/>
         <p:txBody>
           <a:bodyPr vert="eaVert"/>
           <a:lstStyle/>
           <a:p>
             <a:pPr lvl="0"/>
             <a:r>
-              <a:rPr lang="ja-JP" altLang="en-US" smtClean="0"/>
+              <a:rPr kumimoji="1" lang="ja-JP" altLang="en-US" smtClean="0"/>
               <a:t>マスター テキストの書式設定</a:t>
             </a:r>
           </a:p>
           <a:p>
             <a:pPr lvl="1"/>
             <a:r>
-              <a:rPr lang="ja-JP" altLang="en-US" smtClean="0"/>
+              <a:rPr kumimoji="1" lang="ja-JP" altLang="en-US" smtClean="0"/>
               <a:t>第 </a:t>
             </a:r>
             <a:r>
-              <a:rPr lang="en-US" altLang="ja-JP" smtClean="0"/>
+              <a:rPr kumimoji="1" lang="en-US" altLang="ja-JP" smtClean="0"/>
               <a:t>2 </a:t>
             </a:r>
             <a:r>
-              <a:rPr lang="ja-JP" altLang="en-US" smtClean="0"/>
+              <a:rPr kumimoji="1" lang="ja-JP" altLang="en-US" smtClean="0"/>
               <a:t>レベル</a:t>
             </a:r>
           </a:p>
           <a:p>
             <a:pPr lvl="2"/>
             <a:r>
-              <a:rPr lang="ja-JP" altLang="en-US" smtClean="0"/>
+              <a:rPr kumimoji="1" lang="ja-JP" altLang="en-US" smtClean="0"/>
               <a:t>第 </a:t>
             </a:r>
             <a:r>
-              <a:rPr lang="en-US" altLang="ja-JP" smtClean="0"/>
+              <a:rPr kumimoji="1" lang="en-US" altLang="ja-JP" smtClean="0"/>
               <a:t>3 </a:t>
             </a:r>
             <a:r>
-              <a:rPr lang="ja-JP" altLang="en-US" smtClean="0"/>
+              <a:rPr kumimoji="1" lang="ja-JP" altLang="en-US" smtClean="0"/>
               <a:t>レベル</a:t>
             </a:r>
           </a:p>
           <a:p>
             <a:pPr lvl="3"/>
             <a:r>
-              <a:rPr lang="ja-JP" altLang="en-US" smtClean="0"/>
+              <a:rPr kumimoji="1" lang="ja-JP" altLang="en-US" smtClean="0"/>
               <a:t>第 </a:t>
             </a:r>
             <a:r>
-              <a:rPr lang="en-US" altLang="ja-JP" smtClean="0"/>
+              <a:rPr kumimoji="1" lang="en-US" altLang="ja-JP" smtClean="0"/>
               <a:t>4 </a:t>
             </a:r>
             <a:r>
-              <a:rPr lang="ja-JP" altLang="en-US" smtClean="0"/>
+              <a:rPr kumimoji="1" lang="ja-JP" altLang="en-US" smtClean="0"/>
               <a:t>レベル</a:t>
             </a:r>
           </a:p>
           <a:p>
             <a:pPr lvl="4"/>
             <a:r>
-              <a:rPr lang="ja-JP" altLang="en-US" smtClean="0"/>
+              <a:rPr kumimoji="1" lang="ja-JP" altLang="en-US" smtClean="0"/>
               <a:t>第 </a:t>
             </a:r>
             <a:r>
-              <a:rPr lang="en-US" altLang="ja-JP" smtClean="0"/>
+              <a:rPr kumimoji="1" lang="en-US" altLang="ja-JP" smtClean="0"/>
               <a:t>5 </a:t>
             </a:r>
             <a:r>
-              <a:rPr lang="ja-JP" altLang="en-US" smtClean="0"/>
+              <a:rPr kumimoji="1" lang="ja-JP" altLang="en-US" smtClean="0"/>
               <a:t>レベル</a:t>
             </a:r>
-            <a:endParaRPr lang="en-US"/>
+            <a:endParaRPr kumimoji="1" lang="ja-JP" altLang="en-US"/>
           </a:p>
         </p:txBody>
       </p:sp>
       <p:sp>
         <p:nvSpPr>
-          <p:cNvPr id="4" name="Date Placeholder 3"/>
+          <p:cNvPr id="4" name="日付プレースホルダー 3"/>
           <p:cNvSpPr>
             <a:spLocks noGrp="1"/>
           </p:cNvSpPr>
@@ -839,7 +535,7 @@
                 </a:solidFill>
               </a:rPr>
               <a:pPr/>
-              <a:t>2014/10/7</a:t>
+              <a:t>2014/10/14</a:t>
             </a:fld>
             <a:endParaRPr lang="ja-JP" altLang="en-US">
               <a:solidFill>
@@ -854,7 +550,7 @@
       </p:sp>
       <p:sp>
         <p:nvSpPr>
-          <p:cNvPr id="5" name="Footer Placeholder 4"/>
+          <p:cNvPr id="5" name="フッター プレースホルダー 4"/>
           <p:cNvSpPr>
             <a:spLocks noGrp="1"/>
           </p:cNvSpPr>
@@ -880,7 +576,7 @@
       </p:sp>
       <p:sp>
         <p:nvSpPr>
-          <p:cNvPr id="6" name="Slide Number Placeholder 5"/>
+          <p:cNvPr id="6" name="スライド番号プレースホルダー 5"/>
           <p:cNvSpPr>
             <a:spLocks noGrp="1"/>
           </p:cNvSpPr>
@@ -919,20 +615,13 @@
     </p:spTree>
     <p:extLst>
       <p:ext uri="{BB962C8B-B14F-4D97-AF65-F5344CB8AC3E}">
-        <p14:creationId xmlns:p14="http://schemas.microsoft.com/office/powerpoint/2010/main" val="4041044558"/>
+        <p14:creationId xmlns:p14="http://schemas.microsoft.com/office/powerpoint/2010/main" val="2193537037"/>
       </p:ext>
     </p:extLst>
   </p:cSld>
   <p:clrMapOvr>
     <a:masterClrMapping/>
   </p:clrMapOvr>
-  <p:timing>
-    <p:tnLst>
-      <p:par>
-        <p:cTn id="1" dur="indefinite" restart="never" nodeType="tmRoot"/>
-      </p:par>
-    </p:tnLst>
-  </p:timing>
 </p:sldLayout>
 </file>
 
@@ -955,7 +644,7 @@
       </p:grpSpPr>
       <p:sp>
         <p:nvSpPr>
-          <p:cNvPr id="2" name="Vertical Title 1"/>
+          <p:cNvPr id="2" name="縦書きタイトル 1"/>
           <p:cNvSpPr>
             <a:spLocks noGrp="1"/>
           </p:cNvSpPr>
@@ -965,30 +654,25 @@
         </p:nvSpPr>
         <p:spPr>
           <a:xfrm>
-            <a:off x="2698512" y="1662429"/>
-            <a:ext cx="4812030" cy="23128722"/>
+            <a:off x="36264736" y="5355072"/>
+            <a:ext cx="11254060" cy="114075602"/>
           </a:xfrm>
-          <a:effectLst/>
         </p:spPr>
         <p:txBody>
           <a:bodyPr vert="eaVert"/>
-          <a:lstStyle>
-            <a:lvl1pPr algn="l">
-              <a:defRPr/>
-            </a:lvl1pPr>
-          </a:lstStyle>
-          <a:p>
-            <a:r>
-              <a:rPr lang="ja-JP" altLang="en-US" smtClean="0"/>
+          <a:lstStyle/>
+          <a:p>
+            <a:r>
+              <a:rPr kumimoji="1" lang="ja-JP" altLang="en-US" smtClean="0"/>
               <a:t>マスター タイトルの書式設定</a:t>
             </a:r>
-            <a:endParaRPr lang="en-US"/>
+            <a:endParaRPr kumimoji="1" lang="ja-JP" altLang="en-US"/>
           </a:p>
         </p:txBody>
       </p:sp>
       <p:sp>
         <p:nvSpPr>
-          <p:cNvPr id="3" name="Vertical Text Placeholder 2"/>
+          <p:cNvPr id="3" name="縦書きテキスト プレースホルダー 2"/>
           <p:cNvSpPr>
             <a:spLocks noGrp="1"/>
           </p:cNvSpPr>
@@ -998,8 +682,8 @@
         </p:nvSpPr>
         <p:spPr>
           <a:xfrm>
-            <a:off x="7774732" y="3229862"/>
-            <a:ext cx="11295166" cy="21611588"/>
+            <a:off x="2502553" y="5355072"/>
+            <a:ext cx="33405737" cy="114075602"/>
           </a:xfrm>
         </p:spPr>
         <p:txBody>
@@ -1008,76 +692,76 @@
           <a:p>
             <a:pPr lvl="0"/>
             <a:r>
-              <a:rPr lang="ja-JP" altLang="en-US" smtClean="0"/>
+              <a:rPr kumimoji="1" lang="ja-JP" altLang="en-US" smtClean="0"/>
               <a:t>マスター テキストの書式設定</a:t>
             </a:r>
           </a:p>
           <a:p>
             <a:pPr lvl="1"/>
             <a:r>
-              <a:rPr lang="ja-JP" altLang="en-US" smtClean="0"/>
+              <a:rPr kumimoji="1" lang="ja-JP" altLang="en-US" smtClean="0"/>
               <a:t>第 </a:t>
             </a:r>
             <a:r>
-              <a:rPr lang="en-US" altLang="ja-JP" smtClean="0"/>
+              <a:rPr kumimoji="1" lang="en-US" altLang="ja-JP" smtClean="0"/>
               <a:t>2 </a:t>
             </a:r>
             <a:r>
-              <a:rPr lang="ja-JP" altLang="en-US" smtClean="0"/>
+              <a:rPr kumimoji="1" lang="ja-JP" altLang="en-US" smtClean="0"/>
               <a:t>レベル</a:t>
             </a:r>
           </a:p>
           <a:p>
             <a:pPr lvl="2"/>
             <a:r>
-              <a:rPr lang="ja-JP" altLang="en-US" smtClean="0"/>
+              <a:rPr kumimoji="1" lang="ja-JP" altLang="en-US" smtClean="0"/>
               <a:t>第 </a:t>
             </a:r>
             <a:r>
-              <a:rPr lang="en-US" altLang="ja-JP" smtClean="0"/>
+              <a:rPr kumimoji="1" lang="en-US" altLang="ja-JP" smtClean="0"/>
               <a:t>3 </a:t>
             </a:r>
             <a:r>
-              <a:rPr lang="ja-JP" altLang="en-US" smtClean="0"/>
+              <a:rPr kumimoji="1" lang="ja-JP" altLang="en-US" smtClean="0"/>
               <a:t>レベル</a:t>
             </a:r>
           </a:p>
           <a:p>
             <a:pPr lvl="3"/>
             <a:r>
-              <a:rPr lang="ja-JP" altLang="en-US" smtClean="0"/>
+              <a:rPr kumimoji="1" lang="ja-JP" altLang="en-US" smtClean="0"/>
               <a:t>第 </a:t>
             </a:r>
             <a:r>
-              <a:rPr lang="en-US" altLang="ja-JP" smtClean="0"/>
+              <a:rPr kumimoji="1" lang="en-US" altLang="ja-JP" smtClean="0"/>
               <a:t>4 </a:t>
             </a:r>
             <a:r>
-              <a:rPr lang="ja-JP" altLang="en-US" smtClean="0"/>
+              <a:rPr kumimoji="1" lang="ja-JP" altLang="en-US" smtClean="0"/>
               <a:t>レベル</a:t>
             </a:r>
           </a:p>
           <a:p>
             <a:pPr lvl="4"/>
             <a:r>
-              <a:rPr lang="ja-JP" altLang="en-US" smtClean="0"/>
+              <a:rPr kumimoji="1" lang="ja-JP" altLang="en-US" smtClean="0"/>
               <a:t>第 </a:t>
             </a:r>
             <a:r>
-              <a:rPr lang="en-US" altLang="ja-JP" smtClean="0"/>
+              <a:rPr kumimoji="1" lang="en-US" altLang="ja-JP" smtClean="0"/>
               <a:t>5 </a:t>
             </a:r>
             <a:r>
-              <a:rPr lang="ja-JP" altLang="en-US" smtClean="0"/>
+              <a:rPr kumimoji="1" lang="ja-JP" altLang="en-US" smtClean="0"/>
               <a:t>レベル</a:t>
             </a:r>
-            <a:endParaRPr lang="en-US" dirty="0"/>
+            <a:endParaRPr kumimoji="1" lang="ja-JP" altLang="en-US"/>
           </a:p>
         </p:txBody>
       </p:sp>
       <p:sp>
         <p:nvSpPr>
-          <p:cNvPr id="4" name="Date Placeholder 3"/>
+          <p:cNvPr id="4" name="日付プレースホルダー 3"/>
           <p:cNvSpPr>
             <a:spLocks noGrp="1"/>
           </p:cNvSpPr>
@@ -1100,7 +784,7 @@
                 </a:solidFill>
               </a:rPr>
               <a:pPr/>
-              <a:t>2014/10/7</a:t>
+              <a:t>2014/10/14</a:t>
             </a:fld>
             <a:endParaRPr lang="ja-JP" altLang="en-US">
               <a:solidFill>
@@ -1115,7 +799,7 @@
       </p:sp>
       <p:sp>
         <p:nvSpPr>
-          <p:cNvPr id="5" name="Footer Placeholder 4"/>
+          <p:cNvPr id="5" name="フッター プレースホルダー 4"/>
           <p:cNvSpPr>
             <a:spLocks noGrp="1"/>
           </p:cNvSpPr>
@@ -1141,7 +825,7 @@
       </p:sp>
       <p:sp>
         <p:nvSpPr>
-          <p:cNvPr id="6" name="Slide Number Placeholder 5"/>
+          <p:cNvPr id="6" name="スライド番号プレースホルダー 5"/>
           <p:cNvSpPr>
             <a:spLocks noGrp="1"/>
           </p:cNvSpPr>
@@ -1180,20 +864,13 @@
     </p:spTree>
     <p:extLst>
       <p:ext uri="{BB962C8B-B14F-4D97-AF65-F5344CB8AC3E}">
-        <p14:creationId xmlns:p14="http://schemas.microsoft.com/office/powerpoint/2010/main" val="571864538"/>
+        <p14:creationId xmlns:p14="http://schemas.microsoft.com/office/powerpoint/2010/main" val="1108550446"/>
       </p:ext>
     </p:extLst>
   </p:cSld>
   <p:clrMapOvr>
     <a:masterClrMapping/>
   </p:clrMapOvr>
-  <p:timing>
-    <p:tnLst>
-      <p:par>
-        <p:cTn id="1" dur="indefinite" restart="never" nodeType="tmRoot"/>
-      </p:par>
-    </p:tnLst>
-  </p:timing>
 </p:sldLayout>
 </file>
 
@@ -1216,7 +893,114 @@
       </p:grpSpPr>
       <p:sp>
         <p:nvSpPr>
-          <p:cNvPr id="4" name="Date Placeholder 3"/>
+          <p:cNvPr id="2" name="タイトル 1"/>
+          <p:cNvSpPr>
+            <a:spLocks noGrp="1"/>
+          </p:cNvSpPr>
+          <p:nvPr>
+            <p:ph type="title"/>
+          </p:nvPr>
+        </p:nvSpPr>
+        <p:spPr/>
+        <p:txBody>
+          <a:bodyPr/>
+          <a:lstStyle/>
+          <a:p>
+            <a:r>
+              <a:rPr kumimoji="1" lang="ja-JP" altLang="en-US" smtClean="0"/>
+              <a:t>マスター タイトルの書式設定</a:t>
+            </a:r>
+            <a:endParaRPr kumimoji="1" lang="ja-JP" altLang="en-US"/>
+          </a:p>
+        </p:txBody>
+      </p:sp>
+      <p:sp>
+        <p:nvSpPr>
+          <p:cNvPr id="3" name="コンテンツ プレースホルダー 2"/>
+          <p:cNvSpPr>
+            <a:spLocks noGrp="1"/>
+          </p:cNvSpPr>
+          <p:nvPr>
+            <p:ph idx="1"/>
+          </p:nvPr>
+        </p:nvSpPr>
+        <p:spPr/>
+        <p:txBody>
+          <a:bodyPr/>
+          <a:lstStyle/>
+          <a:p>
+            <a:pPr lvl="0"/>
+            <a:r>
+              <a:rPr kumimoji="1" lang="ja-JP" altLang="en-US" smtClean="0"/>
+              <a:t>マスター テキストの書式設定</a:t>
+            </a:r>
+          </a:p>
+          <a:p>
+            <a:pPr lvl="1"/>
+            <a:r>
+              <a:rPr kumimoji="1" lang="ja-JP" altLang="en-US" smtClean="0"/>
+              <a:t>第 </a:t>
+            </a:r>
+            <a:r>
+              <a:rPr kumimoji="1" lang="en-US" altLang="ja-JP" smtClean="0"/>
+              <a:t>2 </a:t>
+            </a:r>
+            <a:r>
+              <a:rPr kumimoji="1" lang="ja-JP" altLang="en-US" smtClean="0"/>
+              <a:t>レベル</a:t>
+            </a:r>
+          </a:p>
+          <a:p>
+            <a:pPr lvl="2"/>
+            <a:r>
+              <a:rPr kumimoji="1" lang="ja-JP" altLang="en-US" smtClean="0"/>
+              <a:t>第 </a:t>
+            </a:r>
+            <a:r>
+              <a:rPr kumimoji="1" lang="en-US" altLang="ja-JP" smtClean="0"/>
+              <a:t>3 </a:t>
+            </a:r>
+            <a:r>
+              <a:rPr kumimoji="1" lang="ja-JP" altLang="en-US" smtClean="0"/>
+              <a:t>レベル</a:t>
+            </a:r>
+          </a:p>
+          <a:p>
+            <a:pPr lvl="3"/>
+            <a:r>
+              <a:rPr kumimoji="1" lang="ja-JP" altLang="en-US" smtClean="0"/>
+              <a:t>第 </a:t>
+            </a:r>
+            <a:r>
+              <a:rPr kumimoji="1" lang="en-US" altLang="ja-JP" smtClean="0"/>
+              <a:t>4 </a:t>
+            </a:r>
+            <a:r>
+              <a:rPr kumimoji="1" lang="ja-JP" altLang="en-US" smtClean="0"/>
+              <a:t>レベル</a:t>
+            </a:r>
+          </a:p>
+          <a:p>
+            <a:pPr lvl="4"/>
+            <a:r>
+              <a:rPr kumimoji="1" lang="ja-JP" altLang="en-US" smtClean="0"/>
+              <a:t>第 </a:t>
+            </a:r>
+            <a:r>
+              <a:rPr kumimoji="1" lang="en-US" altLang="ja-JP" smtClean="0"/>
+              <a:t>5 </a:t>
+            </a:r>
+            <a:r>
+              <a:rPr kumimoji="1" lang="ja-JP" altLang="en-US" smtClean="0"/>
+              <a:t>レベル</a:t>
+            </a:r>
+            <a:endParaRPr kumimoji="1" lang="ja-JP" altLang="en-US"/>
+          </a:p>
+        </p:txBody>
+      </p:sp>
+      <p:sp>
+        <p:nvSpPr>
+          <p:cNvPr id="4" name="日付プレースホルダー 3"/>
           <p:cNvSpPr>
             <a:spLocks noGrp="1"/>
           </p:cNvSpPr>
@@ -1239,7 +1023,7 @@
                 </a:solidFill>
               </a:rPr>
               <a:pPr/>
-              <a:t>2014/10/7</a:t>
+              <a:t>2014/10/14</a:t>
             </a:fld>
             <a:endParaRPr lang="ja-JP" altLang="en-US">
               <a:solidFill>
@@ -1254,7 +1038,7 @@
       </p:sp>
       <p:sp>
         <p:nvSpPr>
-          <p:cNvPr id="5" name="Footer Placeholder 4"/>
+          <p:cNvPr id="5" name="フッター プレースホルダー 4"/>
           <p:cNvSpPr>
             <a:spLocks noGrp="1"/>
           </p:cNvSpPr>
@@ -1280,7 +1064,7 @@
       </p:sp>
       <p:sp>
         <p:nvSpPr>
-          <p:cNvPr id="6" name="Slide Number Placeholder 5"/>
+          <p:cNvPr id="6" name="スライド番号プレースホルダー 5"/>
           <p:cNvSpPr>
             <a:spLocks noGrp="1"/>
           </p:cNvSpPr>
@@ -1316,135 +1100,16 @@
           </a:p>
         </p:txBody>
       </p:sp>
-      <p:sp>
-        <p:nvSpPr>
-          <p:cNvPr id="8" name="Title 7"/>
-          <p:cNvSpPr>
-            <a:spLocks noGrp="1"/>
-          </p:cNvSpPr>
-          <p:nvPr>
-            <p:ph type="title"/>
-          </p:nvPr>
-        </p:nvSpPr>
-        <p:spPr/>
-        <p:txBody>
-          <a:bodyPr/>
-          <a:lstStyle/>
-          <a:p>
-            <a:r>
-              <a:rPr lang="ja-JP" altLang="en-US" smtClean="0"/>
-              <a:t>マスター タイトルの書式設定</a:t>
-            </a:r>
-            <a:endParaRPr lang="en-US"/>
-          </a:p>
-        </p:txBody>
-      </p:sp>
-      <p:sp>
-        <p:nvSpPr>
-          <p:cNvPr id="10" name="Content Placeholder 9"/>
-          <p:cNvSpPr>
-            <a:spLocks noGrp="1"/>
-          </p:cNvSpPr>
-          <p:nvPr>
-            <p:ph sz="quarter" idx="13"/>
-          </p:nvPr>
-        </p:nvSpPr>
-        <p:spPr>
-          <a:xfrm>
-            <a:off x="2673350" y="3229864"/>
-            <a:ext cx="14970760" cy="15341854"/>
-          </a:xfrm>
-        </p:spPr>
-        <p:txBody>
-          <a:bodyPr/>
-          <a:lstStyle/>
-          <a:p>
-            <a:pPr lvl="0"/>
-            <a:r>
-              <a:rPr lang="ja-JP" altLang="en-US" smtClean="0"/>
-              <a:t>マスター テキストの書式設定</a:t>
-            </a:r>
-          </a:p>
-          <a:p>
-            <a:pPr lvl="1"/>
-            <a:r>
-              <a:rPr lang="ja-JP" altLang="en-US" smtClean="0"/>
-              <a:t>第 </a:t>
-            </a:r>
-            <a:r>
-              <a:rPr lang="en-US" altLang="ja-JP" smtClean="0"/>
-              <a:t>2 </a:t>
-            </a:r>
-            <a:r>
-              <a:rPr lang="ja-JP" altLang="en-US" smtClean="0"/>
-              <a:t>レベル</a:t>
-            </a:r>
-          </a:p>
-          <a:p>
-            <a:pPr lvl="2"/>
-            <a:r>
-              <a:rPr lang="ja-JP" altLang="en-US" smtClean="0"/>
-              <a:t>第 </a:t>
-            </a:r>
-            <a:r>
-              <a:rPr lang="en-US" altLang="ja-JP" smtClean="0"/>
-              <a:t>3 </a:t>
-            </a:r>
-            <a:r>
-              <a:rPr lang="ja-JP" altLang="en-US" smtClean="0"/>
-              <a:t>レベル</a:t>
-            </a:r>
-          </a:p>
-          <a:p>
-            <a:pPr lvl="3"/>
-            <a:r>
-              <a:rPr lang="ja-JP" altLang="en-US" smtClean="0"/>
-              <a:t>第 </a:t>
-            </a:r>
-            <a:r>
-              <a:rPr lang="en-US" altLang="ja-JP" smtClean="0"/>
-              <a:t>4 </a:t>
-            </a:r>
-            <a:r>
-              <a:rPr lang="ja-JP" altLang="en-US" smtClean="0"/>
-              <a:t>レベル</a:t>
-            </a:r>
-          </a:p>
-          <a:p>
-            <a:pPr lvl="4"/>
-            <a:r>
-              <a:rPr lang="ja-JP" altLang="en-US" smtClean="0"/>
-              <a:t>第 </a:t>
-            </a:r>
-            <a:r>
-              <a:rPr lang="en-US" altLang="ja-JP" smtClean="0"/>
-              <a:t>5 </a:t>
-            </a:r>
-            <a:r>
-              <a:rPr lang="ja-JP" altLang="en-US" smtClean="0"/>
-              <a:t>レベル</a:t>
-            </a:r>
-            <a:endParaRPr lang="en-US" dirty="0"/>
-          </a:p>
-        </p:txBody>
-      </p:sp>
     </p:spTree>
     <p:extLst>
       <p:ext uri="{BB962C8B-B14F-4D97-AF65-F5344CB8AC3E}">
-        <p14:creationId xmlns:p14="http://schemas.microsoft.com/office/powerpoint/2010/main" val="2034196788"/>
+        <p14:creationId xmlns:p14="http://schemas.microsoft.com/office/powerpoint/2010/main" val="3604773662"/>
       </p:ext>
     </p:extLst>
   </p:cSld>
   <p:clrMapOvr>
     <a:masterClrMapping/>
   </p:clrMapOvr>
-  <p:timing>
-    <p:tnLst>
-      <p:par>
-        <p:cTn id="1" dur="indefinite" restart="never" nodeType="tmRoot"/>
-      </p:par>
-    </p:tnLst>
-  </p:timing>
 </p:sldLayout>
 </file>
 
@@ -1467,292 +1132,7 @@
       </p:grpSpPr>
       <p:sp>
         <p:nvSpPr>
-          <p:cNvPr id="7" name="Rectangle 6"/>
-          <p:cNvSpPr/>
-          <p:nvPr/>
-        </p:nvSpPr>
-        <p:spPr>
-          <a:xfrm>
-            <a:off x="0" y="17073526"/>
-            <a:ext cx="21386800" cy="13206449"/>
-          </a:xfrm>
-          <a:prstGeom prst="rect">
-            <a:avLst/>
-          </a:prstGeom>
-          <a:gradFill>
-            <a:gsLst>
-              <a:gs pos="0">
-                <a:schemeClr val="bg1">
-                  <a:alpha val="92000"/>
-                </a:schemeClr>
-              </a:gs>
-              <a:gs pos="37000">
-                <a:schemeClr val="bg1">
-                  <a:alpha val="77000"/>
-                </a:schemeClr>
-              </a:gs>
-              <a:gs pos="100000">
-                <a:schemeClr val="bg2">
-                  <a:alpha val="80000"/>
-                </a:schemeClr>
-              </a:gs>
-            </a:gsLst>
-            <a:path path="circle">
-              <a:fillToRect l="50000" t="50000" r="50000" b="50000"/>
-            </a:path>
-          </a:gradFill>
-          <a:ln>
-            <a:noFill/>
-          </a:ln>
-        </p:spPr>
-        <p:style>
-          <a:lnRef idx="2">
-            <a:schemeClr val="accent1">
-              <a:shade val="50000"/>
-            </a:schemeClr>
-          </a:lnRef>
-          <a:fillRef idx="1">
-            <a:schemeClr val="accent1"/>
-          </a:fillRef>
-          <a:effectRef idx="0">
-            <a:schemeClr val="accent1"/>
-          </a:effectRef>
-          <a:fontRef idx="minor">
-            <a:schemeClr val="lt1"/>
-          </a:fontRef>
-        </p:style>
-        <p:txBody>
-          <a:bodyPr lIns="295232" tIns="147616" rIns="295232" bIns="147616" rtlCol="0" anchor="ctr"/>
-          <a:lstStyle/>
-          <a:p>
-            <a:pPr algn="ctr" defTabSz="2951897"/>
-            <a:endParaRPr lang="en-US">
-              <a:solidFill>
-                <a:prstClr val="white"/>
-              </a:solidFill>
-            </a:endParaRPr>
-          </a:p>
-        </p:txBody>
-      </p:sp>
-      <p:sp>
-        <p:nvSpPr>
-          <p:cNvPr id="8" name="Rectangle 7"/>
-          <p:cNvSpPr/>
-          <p:nvPr/>
-        </p:nvSpPr>
-        <p:spPr>
-          <a:xfrm>
-            <a:off x="0" y="0"/>
-            <a:ext cx="21386800" cy="17073526"/>
-          </a:xfrm>
-          <a:prstGeom prst="rect">
-            <a:avLst/>
-          </a:prstGeom>
-          <a:gradFill flip="none" rotWithShape="1">
-            <a:gsLst>
-              <a:gs pos="0">
-                <a:schemeClr val="bg1">
-                  <a:alpha val="90000"/>
-                </a:schemeClr>
-              </a:gs>
-              <a:gs pos="48000">
-                <a:schemeClr val="bg1">
-                  <a:alpha val="63000"/>
-                </a:schemeClr>
-              </a:gs>
-              <a:gs pos="100000">
-                <a:schemeClr val="bg2">
-                  <a:alpha val="80000"/>
-                </a:schemeClr>
-              </a:gs>
-            </a:gsLst>
-            <a:path path="circle">
-              <a:fillToRect l="50000" t="50000" r="50000" b="50000"/>
-            </a:path>
-            <a:tileRect/>
-          </a:gradFill>
-          <a:ln>
-            <a:noFill/>
-          </a:ln>
-        </p:spPr>
-        <p:style>
-          <a:lnRef idx="2">
-            <a:schemeClr val="accent1">
-              <a:shade val="50000"/>
-            </a:schemeClr>
-          </a:lnRef>
-          <a:fillRef idx="1">
-            <a:schemeClr val="accent1"/>
-          </a:fillRef>
-          <a:effectRef idx="0">
-            <a:schemeClr val="accent1"/>
-          </a:effectRef>
-          <a:fontRef idx="minor">
-            <a:schemeClr val="lt1"/>
-          </a:fontRef>
-        </p:style>
-        <p:txBody>
-          <a:bodyPr lIns="295232" tIns="147616" rIns="295232" bIns="147616" rtlCol="0" anchor="ctr"/>
-          <a:lstStyle/>
-          <a:p>
-            <a:pPr algn="ctr" defTabSz="2951897"/>
-            <a:endParaRPr lang="en-US" dirty="0">
-              <a:solidFill>
-                <a:prstClr val="white"/>
-              </a:solidFill>
-            </a:endParaRPr>
-          </a:p>
-        </p:txBody>
-      </p:sp>
-      <p:sp>
-        <p:nvSpPr>
-          <p:cNvPr id="9" name="Rectangle 8"/>
-          <p:cNvSpPr/>
-          <p:nvPr/>
-        </p:nvSpPr>
-        <p:spPr>
-          <a:xfrm>
-            <a:off x="0" y="11710690"/>
-            <a:ext cx="21386800" cy="10093325"/>
-          </a:xfrm>
-          <a:prstGeom prst="rect">
-            <a:avLst/>
-          </a:prstGeom>
-          <a:gradFill flip="none" rotWithShape="1">
-            <a:gsLst>
-              <a:gs pos="0">
-                <a:schemeClr val="bg1">
-                  <a:alpha val="0"/>
-                </a:schemeClr>
-              </a:gs>
-              <a:gs pos="29000">
-                <a:schemeClr val="bg1">
-                  <a:alpha val="30000"/>
-                </a:schemeClr>
-              </a:gs>
-              <a:gs pos="45000">
-                <a:schemeClr val="bg2">
-                  <a:alpha val="40000"/>
-                </a:schemeClr>
-              </a:gs>
-              <a:gs pos="55000">
-                <a:schemeClr val="bg1">
-                  <a:alpha val="26000"/>
-                </a:schemeClr>
-              </a:gs>
-              <a:gs pos="65000">
-                <a:schemeClr val="bg2">
-                  <a:alpha val="60000"/>
-                </a:schemeClr>
-              </a:gs>
-              <a:gs pos="100000">
-                <a:schemeClr val="bg1">
-                  <a:alpha val="0"/>
-                </a:schemeClr>
-              </a:gs>
-            </a:gsLst>
-            <a:lin ang="5400000" scaled="0"/>
-            <a:tileRect/>
-          </a:gradFill>
-          <a:ln>
-            <a:noFill/>
-          </a:ln>
-        </p:spPr>
-        <p:style>
-          <a:lnRef idx="2">
-            <a:schemeClr val="accent1">
-              <a:shade val="50000"/>
-            </a:schemeClr>
-          </a:lnRef>
-          <a:fillRef idx="1">
-            <a:schemeClr val="accent1"/>
-          </a:fillRef>
-          <a:effectRef idx="0">
-            <a:schemeClr val="accent1"/>
-          </a:effectRef>
-          <a:fontRef idx="minor">
-            <a:schemeClr val="lt1"/>
-          </a:fontRef>
-        </p:style>
-        <p:txBody>
-          <a:bodyPr lIns="295232" tIns="147616" rIns="295232" bIns="147616" rtlCol="0" anchor="ctr"/>
-          <a:lstStyle/>
-          <a:p>
-            <a:pPr algn="ctr" defTabSz="2951897"/>
-            <a:endParaRPr lang="en-US">
-              <a:solidFill>
-                <a:prstClr val="white"/>
-              </a:solidFill>
-            </a:endParaRPr>
-          </a:p>
-        </p:txBody>
-      </p:sp>
-      <p:sp>
-        <p:nvSpPr>
-          <p:cNvPr id="10" name="Oval 9"/>
-          <p:cNvSpPr/>
-          <p:nvPr/>
-        </p:nvSpPr>
-        <p:spPr>
-          <a:xfrm>
-            <a:off x="0" y="7065328"/>
-            <a:ext cx="21386800" cy="22541759"/>
-          </a:xfrm>
-          <a:prstGeom prst="ellipse">
-            <a:avLst/>
-          </a:prstGeom>
-          <a:gradFill flip="none" rotWithShape="1">
-            <a:gsLst>
-              <a:gs pos="0">
-                <a:schemeClr val="bg1"/>
-              </a:gs>
-              <a:gs pos="54000">
-                <a:schemeClr val="bg1">
-                  <a:alpha val="0"/>
-                </a:schemeClr>
-              </a:gs>
-            </a:gsLst>
-            <a:path path="circle">
-              <a:fillToRect l="50000" t="50000" r="50000" b="50000"/>
-            </a:path>
-            <a:tileRect/>
-          </a:gradFill>
-          <a:ln>
-            <a:noFill/>
-          </a:ln>
-        </p:spPr>
-        <p:style>
-          <a:lnRef idx="2">
-            <a:schemeClr val="accent1">
-              <a:shade val="50000"/>
-            </a:schemeClr>
-          </a:lnRef>
-          <a:fillRef idx="1">
-            <a:schemeClr val="accent1"/>
-          </a:fillRef>
-          <a:effectRef idx="0">
-            <a:schemeClr val="accent1"/>
-          </a:effectRef>
-          <a:fontRef idx="minor">
-            <a:schemeClr val="lt1"/>
-          </a:fontRef>
-        </p:style>
-        <p:txBody>
-          <a:bodyPr lIns="295232" tIns="147616" rIns="295232" bIns="147616" rtlCol="0" anchor="ctr"/>
-          <a:lstStyle/>
-          <a:p>
-            <a:pPr algn="ctr" defTabSz="2951897"/>
-            <a:endParaRPr lang="en-US">
-              <a:solidFill>
-                <a:prstClr val="white"/>
-              </a:solidFill>
-            </a:endParaRPr>
-          </a:p>
-        </p:txBody>
-      </p:sp>
-      <p:sp>
-        <p:nvSpPr>
-          <p:cNvPr id="2" name="Title 1"/>
+          <p:cNvPr id="2" name="タイトル 1"/>
           <p:cNvSpPr>
             <a:spLocks noGrp="1"/>
           </p:cNvSpPr>
@@ -1762,30 +1142,29 @@
         </p:nvSpPr>
         <p:spPr>
           <a:xfrm>
-            <a:off x="4755417" y="9592844"/>
-            <a:ext cx="13955369" cy="10699746"/>
+            <a:off x="1689410" y="19457721"/>
+            <a:ext cx="18178780" cy="6013939"/>
           </a:xfrm>
-          <a:effectLst/>
         </p:spPr>
         <p:txBody>
-          <a:bodyPr anchor="b"/>
+          <a:bodyPr anchor="t"/>
           <a:lstStyle>
-            <a:lvl1pPr algn="r">
-              <a:defRPr sz="14900" b="1" cap="none" baseline="0"/>
+            <a:lvl1pPr algn="l">
+              <a:defRPr sz="12900" b="1" cap="all"/>
             </a:lvl1pPr>
           </a:lstStyle>
           <a:p>
             <a:r>
-              <a:rPr lang="ja-JP" altLang="en-US" smtClean="0"/>
+              <a:rPr kumimoji="1" lang="ja-JP" altLang="en-US" smtClean="0"/>
               <a:t>マスター タイトルの書式設定</a:t>
             </a:r>
-            <a:endParaRPr lang="en-US" dirty="0"/>
+            <a:endParaRPr kumimoji="1" lang="ja-JP" altLang="en-US"/>
           </a:p>
         </p:txBody>
       </p:sp>
       <p:sp>
         <p:nvSpPr>
-          <p:cNvPr id="3" name="Text Placeholder 2"/>
+          <p:cNvPr id="3" name="テキスト プレースホルダー 2"/>
           <p:cNvSpPr>
             <a:spLocks noGrp="1"/>
           </p:cNvSpPr>
@@ -1795,52 +1174,44 @@
         </p:nvSpPr>
         <p:spPr>
           <a:xfrm>
-            <a:off x="4730258" y="20343441"/>
-            <a:ext cx="13964322" cy="3688788"/>
+            <a:off x="1689410" y="12833952"/>
+            <a:ext cx="18178780" cy="6623742"/>
           </a:xfrm>
         </p:spPr>
         <p:txBody>
-          <a:bodyPr anchor="t"/>
+          <a:bodyPr anchor="b"/>
           <a:lstStyle>
-            <a:lvl1pPr marL="0" indent="0" algn="r">
+            <a:lvl1pPr marL="0" indent="0">
               <a:buNone/>
               <a:defRPr sz="6500">
-                <a:solidFill>
-                  <a:schemeClr val="tx2"/>
-                </a:solidFill>
-              </a:defRPr>
-            </a:lvl1pPr>
-            <a:lvl2pPr marL="1476162" indent="0">
-              <a:buNone/>
-              <a:defRPr sz="5800">
                 <a:solidFill>
                   <a:schemeClr val="tx1">
                     <a:tint val="75000"/>
                   </a:schemeClr>
                 </a:solidFill>
               </a:defRPr>
-            </a:lvl2pPr>
-            <a:lvl3pPr marL="2952323" indent="0">
+            </a:lvl1pPr>
+            <a:lvl2pPr marL="1475416" indent="0">
               <a:buNone/>
-              <a:defRPr sz="5200">
+              <a:defRPr sz="5800">
                 <a:solidFill>
                   <a:schemeClr val="tx1">
                     <a:tint val="75000"/>
                   </a:schemeClr>
                 </a:solidFill>
               </a:defRPr>
-            </a:lvl3pPr>
-            <a:lvl4pPr marL="4428485" indent="0">
+            </a:lvl2pPr>
+            <a:lvl3pPr marL="2950838" indent="0">
               <a:buNone/>
-              <a:defRPr sz="4500">
+              <a:defRPr sz="5200">
                 <a:solidFill>
                   <a:schemeClr val="tx1">
                     <a:tint val="75000"/>
                   </a:schemeClr>
                 </a:solidFill>
               </a:defRPr>
-            </a:lvl4pPr>
-            <a:lvl5pPr marL="5904647" indent="0">
+            </a:lvl3pPr>
+            <a:lvl4pPr marL="4426270" indent="0">
               <a:buNone/>
               <a:defRPr sz="4500">
                 <a:solidFill>
@@ -1849,8 +1220,8 @@
                   </a:schemeClr>
                 </a:solidFill>
               </a:defRPr>
-            </a:lvl5pPr>
-            <a:lvl6pPr marL="7380808" indent="0">
+            </a:lvl4pPr>
+            <a:lvl5pPr marL="5901686" indent="0">
               <a:buNone/>
               <a:defRPr sz="4500">
                 <a:solidFill>
@@ -1859,8 +1230,8 @@
                   </a:schemeClr>
                 </a:solidFill>
               </a:defRPr>
-            </a:lvl6pPr>
-            <a:lvl7pPr marL="8856970" indent="0">
+            </a:lvl5pPr>
+            <a:lvl6pPr marL="7377102" indent="0">
               <a:buNone/>
               <a:defRPr sz="4500">
                 <a:solidFill>
@@ -1869,8 +1240,8 @@
                   </a:schemeClr>
                 </a:solidFill>
               </a:defRPr>
-            </a:lvl7pPr>
-            <a:lvl8pPr marL="10333131" indent="0">
+            </a:lvl6pPr>
+            <a:lvl7pPr marL="8852534" indent="0">
               <a:buNone/>
               <a:defRPr sz="4500">
                 <a:solidFill>
@@ -1879,8 +1250,8 @@
                   </a:schemeClr>
                 </a:solidFill>
               </a:defRPr>
-            </a:lvl8pPr>
-            <a:lvl9pPr marL="11809293" indent="0">
+            </a:lvl7pPr>
+            <a:lvl8pPr marL="10327956" indent="0">
               <a:buNone/>
               <a:defRPr sz="4500">
                 <a:solidFill>
@@ -1889,12 +1260,22 @@
                   </a:schemeClr>
                 </a:solidFill>
               </a:defRPr>
+            </a:lvl8pPr>
+            <a:lvl9pPr marL="11803372" indent="0">
+              <a:buNone/>
+              <a:defRPr sz="4500">
+                <a:solidFill>
+                  <a:schemeClr val="tx1">
+                    <a:tint val="75000"/>
+                  </a:schemeClr>
+                </a:solidFill>
+              </a:defRPr>
             </a:lvl9pPr>
           </a:lstStyle>
           <a:p>
             <a:pPr lvl="0"/>
             <a:r>
-              <a:rPr lang="ja-JP" altLang="en-US" smtClean="0"/>
+              <a:rPr kumimoji="1" lang="ja-JP" altLang="en-US" smtClean="0"/>
               <a:t>マスター テキストの書式設定</a:t>
             </a:r>
           </a:p>
@@ -1902,7 +1283,7 @@
       </p:sp>
       <p:sp>
         <p:nvSpPr>
-          <p:cNvPr id="4" name="Date Placeholder 3"/>
+          <p:cNvPr id="4" name="日付プレースホルダー 3"/>
           <p:cNvSpPr>
             <a:spLocks noGrp="1"/>
           </p:cNvSpPr>
@@ -1925,7 +1306,7 @@
                 </a:solidFill>
               </a:rPr>
               <a:pPr/>
-              <a:t>2014/10/7</a:t>
+              <a:t>2014/10/14</a:t>
             </a:fld>
             <a:endParaRPr lang="ja-JP" altLang="en-US">
               <a:solidFill>
@@ -1940,7 +1321,7 @@
       </p:sp>
       <p:sp>
         <p:nvSpPr>
-          <p:cNvPr id="5" name="Footer Placeholder 4"/>
+          <p:cNvPr id="5" name="フッター プレースホルダー 4"/>
           <p:cNvSpPr>
             <a:spLocks noGrp="1"/>
           </p:cNvSpPr>
@@ -1966,7 +1347,7 @@
       </p:sp>
       <p:sp>
         <p:nvSpPr>
-          <p:cNvPr id="6" name="Slide Number Placeholder 5"/>
+          <p:cNvPr id="6" name="スライド番号プレースホルダー 5"/>
           <p:cNvSpPr>
             <a:spLocks noGrp="1"/>
           </p:cNvSpPr>
@@ -2005,20 +1386,13 @@
     </p:spTree>
     <p:extLst>
       <p:ext uri="{BB962C8B-B14F-4D97-AF65-F5344CB8AC3E}">
-        <p14:creationId xmlns:p14="http://schemas.microsoft.com/office/powerpoint/2010/main" val="3356735571"/>
+        <p14:creationId xmlns:p14="http://schemas.microsoft.com/office/powerpoint/2010/main" val="1318084011"/>
       </p:ext>
     </p:extLst>
   </p:cSld>
   <p:clrMapOvr>
     <a:masterClrMapping/>
   </p:clrMapOvr>
-  <p:timing>
-    <p:tnLst>
-      <p:par>
-        <p:cTn id="1" dur="indefinite" restart="never" nodeType="tmRoot"/>
-      </p:par>
-    </p:tnLst>
-  </p:timing>
 </p:sldLayout>
 </file>
 
@@ -2041,7 +1415,264 @@
       </p:grpSpPr>
       <p:sp>
         <p:nvSpPr>
-          <p:cNvPr id="5" name="Date Placeholder 4"/>
+          <p:cNvPr id="2" name="タイトル 1"/>
+          <p:cNvSpPr>
+            <a:spLocks noGrp="1"/>
+          </p:cNvSpPr>
+          <p:nvPr>
+            <p:ph type="title"/>
+          </p:nvPr>
+        </p:nvSpPr>
+        <p:spPr/>
+        <p:txBody>
+          <a:bodyPr/>
+          <a:lstStyle/>
+          <a:p>
+            <a:r>
+              <a:rPr kumimoji="1" lang="ja-JP" altLang="en-US" smtClean="0"/>
+              <a:t>マスター タイトルの書式設定</a:t>
+            </a:r>
+            <a:endParaRPr kumimoji="1" lang="ja-JP" altLang="en-US"/>
+          </a:p>
+        </p:txBody>
+      </p:sp>
+      <p:sp>
+        <p:nvSpPr>
+          <p:cNvPr id="3" name="コンテンツ プレースホルダー 2"/>
+          <p:cNvSpPr>
+            <a:spLocks noGrp="1"/>
+          </p:cNvSpPr>
+          <p:nvPr>
+            <p:ph sz="half" idx="1"/>
+          </p:nvPr>
+        </p:nvSpPr>
+        <p:spPr>
+          <a:xfrm>
+            <a:off x="2502554" y="31198189"/>
+            <a:ext cx="22329898" cy="88232483"/>
+          </a:xfrm>
+        </p:spPr>
+        <p:txBody>
+          <a:bodyPr/>
+          <a:lstStyle>
+            <a:lvl1pPr>
+              <a:defRPr sz="9000"/>
+            </a:lvl1pPr>
+            <a:lvl2pPr>
+              <a:defRPr sz="7700"/>
+            </a:lvl2pPr>
+            <a:lvl3pPr>
+              <a:defRPr sz="6500"/>
+            </a:lvl3pPr>
+            <a:lvl4pPr>
+              <a:defRPr sz="5800"/>
+            </a:lvl4pPr>
+            <a:lvl5pPr>
+              <a:defRPr sz="5800"/>
+            </a:lvl5pPr>
+            <a:lvl6pPr>
+              <a:defRPr sz="5800"/>
+            </a:lvl6pPr>
+            <a:lvl7pPr>
+              <a:defRPr sz="5800"/>
+            </a:lvl7pPr>
+            <a:lvl8pPr>
+              <a:defRPr sz="5800"/>
+            </a:lvl8pPr>
+            <a:lvl9pPr>
+              <a:defRPr sz="5800"/>
+            </a:lvl9pPr>
+          </a:lstStyle>
+          <a:p>
+            <a:pPr lvl="0"/>
+            <a:r>
+              <a:rPr kumimoji="1" lang="ja-JP" altLang="en-US" smtClean="0"/>
+              <a:t>マスター テキストの書式設定</a:t>
+            </a:r>
+          </a:p>
+          <a:p>
+            <a:pPr lvl="1"/>
+            <a:r>
+              <a:rPr kumimoji="1" lang="ja-JP" altLang="en-US" smtClean="0"/>
+              <a:t>第 </a:t>
+            </a:r>
+            <a:r>
+              <a:rPr kumimoji="1" lang="en-US" altLang="ja-JP" smtClean="0"/>
+              <a:t>2 </a:t>
+            </a:r>
+            <a:r>
+              <a:rPr kumimoji="1" lang="ja-JP" altLang="en-US" smtClean="0"/>
+              <a:t>レベル</a:t>
+            </a:r>
+          </a:p>
+          <a:p>
+            <a:pPr lvl="2"/>
+            <a:r>
+              <a:rPr kumimoji="1" lang="ja-JP" altLang="en-US" smtClean="0"/>
+              <a:t>第 </a:t>
+            </a:r>
+            <a:r>
+              <a:rPr kumimoji="1" lang="en-US" altLang="ja-JP" smtClean="0"/>
+              <a:t>3 </a:t>
+            </a:r>
+            <a:r>
+              <a:rPr kumimoji="1" lang="ja-JP" altLang="en-US" smtClean="0"/>
+              <a:t>レベル</a:t>
+            </a:r>
+          </a:p>
+          <a:p>
+            <a:pPr lvl="3"/>
+            <a:r>
+              <a:rPr kumimoji="1" lang="ja-JP" altLang="en-US" smtClean="0"/>
+              <a:t>第 </a:t>
+            </a:r>
+            <a:r>
+              <a:rPr kumimoji="1" lang="en-US" altLang="ja-JP" smtClean="0"/>
+              <a:t>4 </a:t>
+            </a:r>
+            <a:r>
+              <a:rPr kumimoji="1" lang="ja-JP" altLang="en-US" smtClean="0"/>
+              <a:t>レベル</a:t>
+            </a:r>
+          </a:p>
+          <a:p>
+            <a:pPr lvl="4"/>
+            <a:r>
+              <a:rPr kumimoji="1" lang="ja-JP" altLang="en-US" smtClean="0"/>
+              <a:t>第 </a:t>
+            </a:r>
+            <a:r>
+              <a:rPr kumimoji="1" lang="en-US" altLang="ja-JP" smtClean="0"/>
+              <a:t>5 </a:t>
+            </a:r>
+            <a:r>
+              <a:rPr kumimoji="1" lang="ja-JP" altLang="en-US" smtClean="0"/>
+              <a:t>レベル</a:t>
+            </a:r>
+            <a:endParaRPr kumimoji="1" lang="ja-JP" altLang="en-US"/>
+          </a:p>
+        </p:txBody>
+      </p:sp>
+      <p:sp>
+        <p:nvSpPr>
+          <p:cNvPr id="4" name="コンテンツ プレースホルダー 3"/>
+          <p:cNvSpPr>
+            <a:spLocks noGrp="1"/>
+          </p:cNvSpPr>
+          <p:nvPr>
+            <p:ph sz="half" idx="2"/>
+          </p:nvPr>
+        </p:nvSpPr>
+        <p:spPr>
+          <a:xfrm>
+            <a:off x="25188899" y="31198189"/>
+            <a:ext cx="22329898" cy="88232483"/>
+          </a:xfrm>
+        </p:spPr>
+        <p:txBody>
+          <a:bodyPr/>
+          <a:lstStyle>
+            <a:lvl1pPr>
+              <a:defRPr sz="9000"/>
+            </a:lvl1pPr>
+            <a:lvl2pPr>
+              <a:defRPr sz="7700"/>
+            </a:lvl2pPr>
+            <a:lvl3pPr>
+              <a:defRPr sz="6500"/>
+            </a:lvl3pPr>
+            <a:lvl4pPr>
+              <a:defRPr sz="5800"/>
+            </a:lvl4pPr>
+            <a:lvl5pPr>
+              <a:defRPr sz="5800"/>
+            </a:lvl5pPr>
+            <a:lvl6pPr>
+              <a:defRPr sz="5800"/>
+            </a:lvl6pPr>
+            <a:lvl7pPr>
+              <a:defRPr sz="5800"/>
+            </a:lvl7pPr>
+            <a:lvl8pPr>
+              <a:defRPr sz="5800"/>
+            </a:lvl8pPr>
+            <a:lvl9pPr>
+              <a:defRPr sz="5800"/>
+            </a:lvl9pPr>
+          </a:lstStyle>
+          <a:p>
+            <a:pPr lvl="0"/>
+            <a:r>
+              <a:rPr kumimoji="1" lang="ja-JP" altLang="en-US" smtClean="0"/>
+              <a:t>マスター テキストの書式設定</a:t>
+            </a:r>
+          </a:p>
+          <a:p>
+            <a:pPr lvl="1"/>
+            <a:r>
+              <a:rPr kumimoji="1" lang="ja-JP" altLang="en-US" smtClean="0"/>
+              <a:t>第 </a:t>
+            </a:r>
+            <a:r>
+              <a:rPr kumimoji="1" lang="en-US" altLang="ja-JP" smtClean="0"/>
+              <a:t>2 </a:t>
+            </a:r>
+            <a:r>
+              <a:rPr kumimoji="1" lang="ja-JP" altLang="en-US" smtClean="0"/>
+              <a:t>レベル</a:t>
+            </a:r>
+          </a:p>
+          <a:p>
+            <a:pPr lvl="2"/>
+            <a:r>
+              <a:rPr kumimoji="1" lang="ja-JP" altLang="en-US" smtClean="0"/>
+              <a:t>第 </a:t>
+            </a:r>
+            <a:r>
+              <a:rPr kumimoji="1" lang="en-US" altLang="ja-JP" smtClean="0"/>
+              <a:t>3 </a:t>
+            </a:r>
+            <a:r>
+              <a:rPr kumimoji="1" lang="ja-JP" altLang="en-US" smtClean="0"/>
+              <a:t>レベル</a:t>
+            </a:r>
+          </a:p>
+          <a:p>
+            <a:pPr lvl="3"/>
+            <a:r>
+              <a:rPr kumimoji="1" lang="ja-JP" altLang="en-US" smtClean="0"/>
+              <a:t>第 </a:t>
+            </a:r>
+            <a:r>
+              <a:rPr kumimoji="1" lang="en-US" altLang="ja-JP" smtClean="0"/>
+              <a:t>4 </a:t>
+            </a:r>
+            <a:r>
+              <a:rPr kumimoji="1" lang="ja-JP" altLang="en-US" smtClean="0"/>
+              <a:t>レベル</a:t>
+            </a:r>
+          </a:p>
+          <a:p>
+            <a:pPr lvl="4"/>
+            <a:r>
+              <a:rPr kumimoji="1" lang="ja-JP" altLang="en-US" smtClean="0"/>
+              <a:t>第 </a:t>
+            </a:r>
+            <a:r>
+              <a:rPr kumimoji="1" lang="en-US" altLang="ja-JP" smtClean="0"/>
+              <a:t>5 </a:t>
+            </a:r>
+            <a:r>
+              <a:rPr kumimoji="1" lang="ja-JP" altLang="en-US" smtClean="0"/>
+              <a:t>レベル</a:t>
+            </a:r>
+            <a:endParaRPr kumimoji="1" lang="ja-JP" altLang="en-US"/>
+          </a:p>
+        </p:txBody>
+      </p:sp>
+      <p:sp>
+        <p:nvSpPr>
+          <p:cNvPr id="5" name="日付プレースホルダー 4"/>
           <p:cNvSpPr>
             <a:spLocks noGrp="1"/>
           </p:cNvSpPr>
@@ -2064,7 +1695,7 @@
                 </a:solidFill>
               </a:rPr>
               <a:pPr/>
-              <a:t>2014/10/7</a:t>
+              <a:t>2014/10/14</a:t>
             </a:fld>
             <a:endParaRPr lang="ja-JP" altLang="en-US">
               <a:solidFill>
@@ -2079,7 +1710,7 @@
       </p:sp>
       <p:sp>
         <p:nvSpPr>
-          <p:cNvPr id="6" name="Footer Placeholder 5"/>
+          <p:cNvPr id="6" name="フッター プレースホルダー 5"/>
           <p:cNvSpPr>
             <a:spLocks noGrp="1"/>
           </p:cNvSpPr>
@@ -2105,7 +1736,7 @@
       </p:sp>
       <p:sp>
         <p:nvSpPr>
-          <p:cNvPr id="7" name="Slide Number Placeholder 6"/>
+          <p:cNvPr id="7" name="スライド番号プレースホルダー 6"/>
           <p:cNvSpPr>
             <a:spLocks noGrp="1"/>
           </p:cNvSpPr>
@@ -2141,224 +1772,16 @@
           </a:p>
         </p:txBody>
       </p:sp>
-      <p:sp>
-        <p:nvSpPr>
-          <p:cNvPr id="8" name="Title 7"/>
-          <p:cNvSpPr>
-            <a:spLocks noGrp="1"/>
-          </p:cNvSpPr>
-          <p:nvPr>
-            <p:ph type="title"/>
-          </p:nvPr>
-        </p:nvSpPr>
-        <p:spPr/>
-        <p:txBody>
-          <a:bodyPr/>
-          <a:lstStyle/>
-          <a:p>
-            <a:r>
-              <a:rPr lang="ja-JP" altLang="en-US" smtClean="0"/>
-              <a:t>マスター タイトルの書式設定</a:t>
-            </a:r>
-            <a:endParaRPr lang="en-US"/>
-          </a:p>
-        </p:txBody>
-      </p:sp>
-      <p:sp>
-        <p:nvSpPr>
-          <p:cNvPr id="9" name="Content Placeholder 8"/>
-          <p:cNvSpPr>
-            <a:spLocks noGrp="1"/>
-          </p:cNvSpPr>
-          <p:nvPr>
-            <p:ph sz="quarter" idx="13"/>
-          </p:nvPr>
-        </p:nvSpPr>
-        <p:spPr>
-          <a:xfrm>
-            <a:off x="2673348" y="3229860"/>
-            <a:ext cx="7827569" cy="15341854"/>
-          </a:xfrm>
-        </p:spPr>
-        <p:txBody>
-          <a:bodyPr/>
-          <a:lstStyle/>
-          <a:p>
-            <a:pPr lvl="0"/>
-            <a:r>
-              <a:rPr lang="ja-JP" altLang="en-US" smtClean="0"/>
-              <a:t>マスター テキストの書式設定</a:t>
-            </a:r>
-          </a:p>
-          <a:p>
-            <a:pPr lvl="1"/>
-            <a:r>
-              <a:rPr lang="ja-JP" altLang="en-US" smtClean="0"/>
-              <a:t>第 </a:t>
-            </a:r>
-            <a:r>
-              <a:rPr lang="en-US" altLang="ja-JP" smtClean="0"/>
-              <a:t>2 </a:t>
-            </a:r>
-            <a:r>
-              <a:rPr lang="ja-JP" altLang="en-US" smtClean="0"/>
-              <a:t>レベル</a:t>
-            </a:r>
-          </a:p>
-          <a:p>
-            <a:pPr lvl="2"/>
-            <a:r>
-              <a:rPr lang="ja-JP" altLang="en-US" smtClean="0"/>
-              <a:t>第 </a:t>
-            </a:r>
-            <a:r>
-              <a:rPr lang="en-US" altLang="ja-JP" smtClean="0"/>
-              <a:t>3 </a:t>
-            </a:r>
-            <a:r>
-              <a:rPr lang="ja-JP" altLang="en-US" smtClean="0"/>
-              <a:t>レベル</a:t>
-            </a:r>
-          </a:p>
-          <a:p>
-            <a:pPr lvl="3"/>
-            <a:r>
-              <a:rPr lang="ja-JP" altLang="en-US" smtClean="0"/>
-              <a:t>第 </a:t>
-            </a:r>
-            <a:r>
-              <a:rPr lang="en-US" altLang="ja-JP" smtClean="0"/>
-              <a:t>4 </a:t>
-            </a:r>
-            <a:r>
-              <a:rPr lang="ja-JP" altLang="en-US" smtClean="0"/>
-              <a:t>レベル</a:t>
-            </a:r>
-          </a:p>
-          <a:p>
-            <a:pPr lvl="4"/>
-            <a:r>
-              <a:rPr lang="ja-JP" altLang="en-US" smtClean="0"/>
-              <a:t>第 </a:t>
-            </a:r>
-            <a:r>
-              <a:rPr lang="en-US" altLang="ja-JP" smtClean="0"/>
-              <a:t>5 </a:t>
-            </a:r>
-            <a:r>
-              <a:rPr lang="ja-JP" altLang="en-US" smtClean="0"/>
-              <a:t>レベル</a:t>
-            </a:r>
-            <a:endParaRPr lang="en-US"/>
-          </a:p>
-        </p:txBody>
-      </p:sp>
-      <p:sp>
-        <p:nvSpPr>
-          <p:cNvPr id="11" name="Content Placeholder 10"/>
-          <p:cNvSpPr>
-            <a:spLocks noGrp="1"/>
-          </p:cNvSpPr>
-          <p:nvPr>
-            <p:ph sz="quarter" idx="14"/>
-          </p:nvPr>
-        </p:nvSpPr>
-        <p:spPr>
-          <a:xfrm>
-            <a:off x="10864494" y="3229864"/>
-            <a:ext cx="7827569" cy="15341854"/>
-          </a:xfrm>
-        </p:spPr>
-        <p:txBody>
-          <a:bodyPr/>
-          <a:lstStyle/>
-          <a:p>
-            <a:pPr lvl="0"/>
-            <a:r>
-              <a:rPr lang="ja-JP" altLang="en-US" smtClean="0"/>
-              <a:t>マスター テキストの書式設定</a:t>
-            </a:r>
-          </a:p>
-          <a:p>
-            <a:pPr lvl="1"/>
-            <a:r>
-              <a:rPr lang="ja-JP" altLang="en-US" smtClean="0"/>
-              <a:t>第 </a:t>
-            </a:r>
-            <a:r>
-              <a:rPr lang="en-US" altLang="ja-JP" smtClean="0"/>
-              <a:t>2 </a:t>
-            </a:r>
-            <a:r>
-              <a:rPr lang="ja-JP" altLang="en-US" smtClean="0"/>
-              <a:t>レベル</a:t>
-            </a:r>
-          </a:p>
-          <a:p>
-            <a:pPr lvl="2"/>
-            <a:r>
-              <a:rPr lang="ja-JP" altLang="en-US" smtClean="0"/>
-              <a:t>第 </a:t>
-            </a:r>
-            <a:r>
-              <a:rPr lang="en-US" altLang="ja-JP" smtClean="0"/>
-              <a:t>3 </a:t>
-            </a:r>
-            <a:r>
-              <a:rPr lang="ja-JP" altLang="en-US" smtClean="0"/>
-              <a:t>レベル</a:t>
-            </a:r>
-          </a:p>
-          <a:p>
-            <a:pPr lvl="3"/>
-            <a:r>
-              <a:rPr lang="ja-JP" altLang="en-US" smtClean="0"/>
-              <a:t>第 </a:t>
-            </a:r>
-            <a:r>
-              <a:rPr lang="en-US" altLang="ja-JP" smtClean="0"/>
-              <a:t>4 </a:t>
-            </a:r>
-            <a:r>
-              <a:rPr lang="ja-JP" altLang="en-US" smtClean="0"/>
-              <a:t>レベル</a:t>
-            </a:r>
-          </a:p>
-          <a:p>
-            <a:pPr lvl="4"/>
-            <a:r>
-              <a:rPr lang="ja-JP" altLang="en-US" smtClean="0"/>
-              <a:t>第 </a:t>
-            </a:r>
-            <a:r>
-              <a:rPr lang="en-US" altLang="ja-JP" smtClean="0"/>
-              <a:t>5 </a:t>
-            </a:r>
-            <a:r>
-              <a:rPr lang="ja-JP" altLang="en-US" smtClean="0"/>
-              <a:t>レベル</a:t>
-            </a:r>
-            <a:endParaRPr lang="en-US"/>
-          </a:p>
-        </p:txBody>
-      </p:sp>
     </p:spTree>
     <p:extLst>
       <p:ext uri="{BB962C8B-B14F-4D97-AF65-F5344CB8AC3E}">
-        <p14:creationId xmlns:p14="http://schemas.microsoft.com/office/powerpoint/2010/main" val="1128026736"/>
+        <p14:creationId xmlns:p14="http://schemas.microsoft.com/office/powerpoint/2010/main" val="2573245241"/>
       </p:ext>
     </p:extLst>
   </p:cSld>
   <p:clrMapOvr>
     <a:masterClrMapping/>
   </p:clrMapOvr>
-  <p:timing>
-    <p:tnLst>
-      <p:par>
-        <p:cTn id="1" dur="indefinite" restart="never" nodeType="tmRoot"/>
-      </p:par>
-    </p:tnLst>
-  </p:timing>
 </p:sldLayout>
 </file>
 
@@ -2381,7 +1804,39 @@
       </p:grpSpPr>
       <p:sp>
         <p:nvSpPr>
-          <p:cNvPr id="3" name="Text Placeholder 2"/>
+          <p:cNvPr id="2" name="タイトル 1"/>
+          <p:cNvSpPr>
+            <a:spLocks noGrp="1"/>
+          </p:cNvSpPr>
+          <p:nvPr>
+            <p:ph type="title"/>
+          </p:nvPr>
+        </p:nvSpPr>
+        <p:spPr>
+          <a:xfrm>
+            <a:off x="1069340" y="1212603"/>
+            <a:ext cx="19248120" cy="5046663"/>
+          </a:xfrm>
+        </p:spPr>
+        <p:txBody>
+          <a:bodyPr/>
+          <a:lstStyle>
+            <a:lvl1pPr>
+              <a:defRPr/>
+            </a:lvl1pPr>
+          </a:lstStyle>
+          <a:p>
+            <a:r>
+              <a:rPr kumimoji="1" lang="ja-JP" altLang="en-US" smtClean="0"/>
+              <a:t>マスター タイトルの書式設定</a:t>
+            </a:r>
+            <a:endParaRPr kumimoji="1" lang="ja-JP" altLang="en-US"/>
+          </a:p>
+        </p:txBody>
+      </p:sp>
+      <p:sp>
+        <p:nvSpPr>
+          <p:cNvPr id="3" name="テキスト プレースホルダー 2"/>
           <p:cNvSpPr>
             <a:spLocks noGrp="1"/>
           </p:cNvSpPr>
@@ -2391,72 +1846,46 @@
         </p:nvSpPr>
         <p:spPr>
           <a:xfrm>
-            <a:off x="2673350" y="3229864"/>
-            <a:ext cx="7827569" cy="2824727"/>
+            <a:off x="1069340" y="6777950"/>
+            <a:ext cx="9449551" cy="2824727"/>
           </a:xfrm>
         </p:spPr>
         <p:txBody>
-          <a:bodyPr anchor="b">
-            <a:noAutofit/>
-          </a:bodyPr>
+          <a:bodyPr anchor="b"/>
           <a:lstStyle>
-            <a:lvl1pPr marL="0" indent="0" algn="ctr">
+            <a:lvl1pPr marL="0" indent="0">
               <a:buNone/>
-              <a:defRPr lang="en-US" sz="7700" b="1" i="0" kern="1200" dirty="0" smtClean="0">
-                <a:gradFill>
-                  <a:gsLst>
-                    <a:gs pos="0">
-                      <a:schemeClr val="tx1"/>
-                    </a:gs>
-                    <a:gs pos="40000">
-                      <a:schemeClr val="tx1">
-                        <a:lumMod val="75000"/>
-                        <a:lumOff val="25000"/>
-                      </a:schemeClr>
-                    </a:gs>
-                    <a:gs pos="100000">
-                      <a:schemeClr val="tx2">
-                        <a:alpha val="65000"/>
-                      </a:schemeClr>
-                    </a:gs>
-                  </a:gsLst>
-                  <a:lin ang="5400000" scaled="0"/>
-                </a:gradFill>
-                <a:effectLst/>
-                <a:latin typeface="+mj-lt"/>
-                <a:ea typeface="+mj-ea"/>
-                <a:cs typeface="+mj-cs"/>
-              </a:defRPr>
+              <a:defRPr sz="7700" b="1"/>
             </a:lvl1pPr>
-            <a:lvl2pPr marL="1476162" indent="0">
+            <a:lvl2pPr marL="1475416" indent="0">
               <a:buNone/>
               <a:defRPr sz="6500" b="1"/>
             </a:lvl2pPr>
-            <a:lvl3pPr marL="2952323" indent="0">
+            <a:lvl3pPr marL="2950838" indent="0">
               <a:buNone/>
               <a:defRPr sz="5800" b="1"/>
             </a:lvl3pPr>
-            <a:lvl4pPr marL="4428485" indent="0">
+            <a:lvl4pPr marL="4426270" indent="0">
               <a:buNone/>
               <a:defRPr sz="5200" b="1"/>
             </a:lvl4pPr>
-            <a:lvl5pPr marL="5904647" indent="0">
+            <a:lvl5pPr marL="5901686" indent="0">
               <a:buNone/>
               <a:defRPr sz="5200" b="1"/>
             </a:lvl5pPr>
-            <a:lvl6pPr marL="7380808" indent="0">
+            <a:lvl6pPr marL="7377102" indent="0">
               <a:buNone/>
               <a:defRPr sz="5200" b="1"/>
             </a:lvl6pPr>
-            <a:lvl7pPr marL="8856970" indent="0">
+            <a:lvl7pPr marL="8852534" indent="0">
               <a:buNone/>
               <a:defRPr sz="5200" b="1"/>
             </a:lvl7pPr>
-            <a:lvl8pPr marL="10333131" indent="0">
+            <a:lvl8pPr marL="10327956" indent="0">
               <a:buNone/>
               <a:defRPr sz="5200" b="1"/>
             </a:lvl8pPr>
-            <a:lvl9pPr marL="11809293" indent="0">
+            <a:lvl9pPr marL="11803372" indent="0">
               <a:buNone/>
               <a:defRPr sz="5200" b="1"/>
             </a:lvl9pPr>
@@ -2464,7 +1893,7 @@
           <a:p>
             <a:pPr lvl="0"/>
             <a:r>
-              <a:rPr lang="ja-JP" altLang="en-US" smtClean="0"/>
+              <a:rPr kumimoji="1" lang="ja-JP" altLang="en-US" smtClean="0"/>
               <a:t>マスター テキストの書式設定</a:t>
             </a:r>
           </a:p>
@@ -2472,7 +1901,7 @@
       </p:sp>
       <p:sp>
         <p:nvSpPr>
-          <p:cNvPr id="4" name="Content Placeholder 3"/>
+          <p:cNvPr id="4" name="コンテンツ プレースホルダー 3"/>
           <p:cNvSpPr>
             <a:spLocks noGrp="1"/>
           </p:cNvSpPr>
@@ -2482,23 +1911,21 @@
         </p:nvSpPr>
         <p:spPr>
           <a:xfrm>
-            <a:off x="2704801" y="6182833"/>
-            <a:ext cx="7827569" cy="12111990"/>
+            <a:off x="1069340" y="9602677"/>
+            <a:ext cx="9449551" cy="17446034"/>
           </a:xfrm>
         </p:spPr>
         <p:txBody>
-          <a:bodyPr>
-            <a:normAutofit/>
-          </a:bodyPr>
+          <a:bodyPr/>
           <a:lstStyle>
             <a:lvl1pPr>
-              <a:defRPr sz="5800"/>
+              <a:defRPr sz="7700"/>
             </a:lvl1pPr>
             <a:lvl2pPr>
-              <a:defRPr sz="5800"/>
+              <a:defRPr sz="6500"/>
             </a:lvl2pPr>
             <a:lvl3pPr>
-              <a:defRPr sz="5200"/>
+              <a:defRPr sz="5800"/>
             </a:lvl3pPr>
             <a:lvl4pPr>
               <a:defRPr sz="5200"/>
@@ -2522,76 +1949,76 @@
           <a:p>
             <a:pPr lvl="0"/>
             <a:r>
-              <a:rPr lang="ja-JP" altLang="en-US" smtClean="0"/>
+              <a:rPr kumimoji="1" lang="ja-JP" altLang="en-US" smtClean="0"/>
               <a:t>マスター テキストの書式設定</a:t>
             </a:r>
           </a:p>
           <a:p>
             <a:pPr lvl="1"/>
             <a:r>
-              <a:rPr lang="ja-JP" altLang="en-US" smtClean="0"/>
+              <a:rPr kumimoji="1" lang="ja-JP" altLang="en-US" smtClean="0"/>
               <a:t>第 </a:t>
             </a:r>
             <a:r>
-              <a:rPr lang="en-US" altLang="ja-JP" smtClean="0"/>
+              <a:rPr kumimoji="1" lang="en-US" altLang="ja-JP" smtClean="0"/>
               <a:t>2 </a:t>
             </a:r>
             <a:r>
-              <a:rPr lang="ja-JP" altLang="en-US" smtClean="0"/>
+              <a:rPr kumimoji="1" lang="ja-JP" altLang="en-US" smtClean="0"/>
               <a:t>レベル</a:t>
             </a:r>
           </a:p>
           <a:p>
             <a:pPr lvl="2"/>
             <a:r>
-              <a:rPr lang="ja-JP" altLang="en-US" smtClean="0"/>
+              <a:rPr kumimoji="1" lang="ja-JP" altLang="en-US" smtClean="0"/>
               <a:t>第 </a:t>
             </a:r>
             <a:r>
-              <a:rPr lang="en-US" altLang="ja-JP" smtClean="0"/>
+              <a:rPr kumimoji="1" lang="en-US" altLang="ja-JP" smtClean="0"/>
               <a:t>3 </a:t>
             </a:r>
             <a:r>
-              <a:rPr lang="ja-JP" altLang="en-US" smtClean="0"/>
+              <a:rPr kumimoji="1" lang="ja-JP" altLang="en-US" smtClean="0"/>
               <a:t>レベル</a:t>
             </a:r>
           </a:p>
           <a:p>
             <a:pPr lvl="3"/>
             <a:r>
-              <a:rPr lang="ja-JP" altLang="en-US" smtClean="0"/>
+              <a:rPr kumimoji="1" lang="ja-JP" altLang="en-US" smtClean="0"/>
               <a:t>第 </a:t>
             </a:r>
             <a:r>
-              <a:rPr lang="en-US" altLang="ja-JP" smtClean="0"/>
+              <a:rPr kumimoji="1" lang="en-US" altLang="ja-JP" smtClean="0"/>
               <a:t>4 </a:t>
             </a:r>
             <a:r>
-              <a:rPr lang="ja-JP" altLang="en-US" smtClean="0"/>
+              <a:rPr kumimoji="1" lang="ja-JP" altLang="en-US" smtClean="0"/>
               <a:t>レベル</a:t>
             </a:r>
           </a:p>
           <a:p>
             <a:pPr lvl="4"/>
             <a:r>
-              <a:rPr lang="ja-JP" altLang="en-US" smtClean="0"/>
+              <a:rPr kumimoji="1" lang="ja-JP" altLang="en-US" smtClean="0"/>
               <a:t>第 </a:t>
             </a:r>
             <a:r>
-              <a:rPr lang="en-US" altLang="ja-JP" smtClean="0"/>
+              <a:rPr kumimoji="1" lang="en-US" altLang="ja-JP" smtClean="0"/>
               <a:t>5 </a:t>
             </a:r>
             <a:r>
-              <a:rPr lang="ja-JP" altLang="en-US" smtClean="0"/>
+              <a:rPr kumimoji="1" lang="ja-JP" altLang="en-US" smtClean="0"/>
               <a:t>レベル</a:t>
             </a:r>
-            <a:endParaRPr lang="en-US" dirty="0"/>
+            <a:endParaRPr kumimoji="1" lang="ja-JP" altLang="en-US"/>
           </a:p>
         </p:txBody>
       </p:sp>
       <p:sp>
         <p:nvSpPr>
-          <p:cNvPr id="5" name="Text Placeholder 4"/>
+          <p:cNvPr id="5" name="テキスト プレースホルダー 4"/>
           <p:cNvSpPr>
             <a:spLocks noGrp="1"/>
           </p:cNvSpPr>
@@ -2601,95 +2028,54 @@
         </p:nvSpPr>
         <p:spPr>
           <a:xfrm>
-            <a:off x="10869523" y="3229864"/>
-            <a:ext cx="7827569" cy="2824727"/>
+            <a:off x="10864215" y="6777950"/>
+            <a:ext cx="9453263" cy="2824727"/>
           </a:xfrm>
         </p:spPr>
         <p:txBody>
-          <a:bodyPr anchor="b">
-            <a:noAutofit/>
-          </a:bodyPr>
+          <a:bodyPr anchor="b"/>
           <a:lstStyle>
-            <a:lvl1pPr marL="0" indent="0" algn="ctr">
+            <a:lvl1pPr marL="0" indent="0">
               <a:buNone/>
-              <a:defRPr lang="en-US" sz="7700" b="1" i="0" kern="1200" dirty="0" smtClean="0">
-                <a:gradFill>
-                  <a:gsLst>
-                    <a:gs pos="0">
-                      <a:schemeClr val="tx1"/>
-                    </a:gs>
-                    <a:gs pos="40000">
-                      <a:schemeClr val="tx1">
-                        <a:lumMod val="75000"/>
-                        <a:lumOff val="25000"/>
-                      </a:schemeClr>
-                    </a:gs>
-                    <a:gs pos="100000">
-                      <a:schemeClr val="tx2">
-                        <a:alpha val="65000"/>
-                      </a:schemeClr>
-                    </a:gs>
-                  </a:gsLst>
-                  <a:lin ang="5400000" scaled="0"/>
-                </a:gradFill>
-                <a:effectLst/>
-                <a:latin typeface="+mj-lt"/>
-                <a:ea typeface="+mj-ea"/>
-                <a:cs typeface="+mj-cs"/>
-              </a:defRPr>
+              <a:defRPr sz="7700" b="1"/>
             </a:lvl1pPr>
-            <a:lvl2pPr marL="1476162" indent="0">
+            <a:lvl2pPr marL="1475416" indent="0">
               <a:buNone/>
               <a:defRPr sz="6500" b="1"/>
             </a:lvl2pPr>
-            <a:lvl3pPr marL="2952323" indent="0">
+            <a:lvl3pPr marL="2950838" indent="0">
               <a:buNone/>
               <a:defRPr sz="5800" b="1"/>
             </a:lvl3pPr>
-            <a:lvl4pPr marL="4428485" indent="0">
+            <a:lvl4pPr marL="4426270" indent="0">
               <a:buNone/>
               <a:defRPr sz="5200" b="1"/>
             </a:lvl4pPr>
-            <a:lvl5pPr marL="5904647" indent="0">
+            <a:lvl5pPr marL="5901686" indent="0">
               <a:buNone/>
               <a:defRPr sz="5200" b="1"/>
             </a:lvl5pPr>
-            <a:lvl6pPr marL="7380808" indent="0">
+            <a:lvl6pPr marL="7377102" indent="0">
               <a:buNone/>
               <a:defRPr sz="5200" b="1"/>
             </a:lvl6pPr>
-            <a:lvl7pPr marL="8856970" indent="0">
+            <a:lvl7pPr marL="8852534" indent="0">
               <a:buNone/>
               <a:defRPr sz="5200" b="1"/>
             </a:lvl7pPr>
-            <a:lvl8pPr marL="10333131" indent="0">
+            <a:lvl8pPr marL="10327956" indent="0">
               <a:buNone/>
               <a:defRPr sz="5200" b="1"/>
             </a:lvl8pPr>
-            <a:lvl9pPr marL="11809293" indent="0">
+            <a:lvl9pPr marL="11803372" indent="0">
               <a:buNone/>
               <a:defRPr sz="5200" b="1"/>
             </a:lvl9pPr>
           </a:lstStyle>
           <a:p>
-            <a:pPr marL="0" lvl="0" indent="0" algn="ctr" defTabSz="2952323" rtl="0" eaLnBrk="1" latinLnBrk="0" hangingPunct="1">
-              <a:spcBef>
-                <a:spcPct val="20000"/>
-              </a:spcBef>
-              <a:spcAft>
-                <a:spcPts val="969"/>
-              </a:spcAft>
-              <a:buClr>
-                <a:schemeClr val="accent6">
-                  <a:lumMod val="75000"/>
-                </a:schemeClr>
-              </a:buClr>
-              <a:buSzPct val="130000"/>
-              <a:buFont typeface="Georgia" pitchFamily="18" charset="0"/>
-              <a:buNone/>
-            </a:pPr>
-            <a:r>
-              <a:rPr lang="ja-JP" altLang="en-US" smtClean="0"/>
+            <a:pPr lvl="0"/>
+            <a:r>
+              <a:rPr kumimoji="1" lang="ja-JP" altLang="en-US" smtClean="0"/>
               <a:t>マスター テキストの書式設定</a:t>
             </a:r>
           </a:p>
@@ -2697,7 +2083,7 @@
       </p:sp>
       <p:sp>
         <p:nvSpPr>
-          <p:cNvPr id="6" name="Content Placeholder 5"/>
+          <p:cNvPr id="6" name="コンテンツ プレースホルダー 5"/>
           <p:cNvSpPr>
             <a:spLocks noGrp="1"/>
           </p:cNvSpPr>
@@ -2707,23 +2093,21 @@
         </p:nvSpPr>
         <p:spPr>
           <a:xfrm>
-            <a:off x="10864197" y="6177115"/>
-            <a:ext cx="7827569" cy="12111990"/>
+            <a:off x="10864215" y="9602677"/>
+            <a:ext cx="9453263" cy="17446034"/>
           </a:xfrm>
         </p:spPr>
         <p:txBody>
-          <a:bodyPr>
-            <a:normAutofit/>
-          </a:bodyPr>
+          <a:bodyPr/>
           <a:lstStyle>
             <a:lvl1pPr>
-              <a:defRPr sz="5800"/>
+              <a:defRPr sz="7700"/>
             </a:lvl1pPr>
             <a:lvl2pPr>
-              <a:defRPr sz="5800"/>
+              <a:defRPr sz="6500"/>
             </a:lvl2pPr>
             <a:lvl3pPr>
-              <a:defRPr sz="5200"/>
+              <a:defRPr sz="5800"/>
             </a:lvl3pPr>
             <a:lvl4pPr>
               <a:defRPr sz="5200"/>
@@ -2747,76 +2131,76 @@
           <a:p>
             <a:pPr lvl="0"/>
             <a:r>
-              <a:rPr lang="ja-JP" altLang="en-US" smtClean="0"/>
+              <a:rPr kumimoji="1" lang="ja-JP" altLang="en-US" smtClean="0"/>
               <a:t>マスター テキストの書式設定</a:t>
             </a:r>
           </a:p>
           <a:p>
             <a:pPr lvl="1"/>
             <a:r>
-              <a:rPr lang="ja-JP" altLang="en-US" smtClean="0"/>
+              <a:rPr kumimoji="1" lang="ja-JP" altLang="en-US" smtClean="0"/>
               <a:t>第 </a:t>
             </a:r>
             <a:r>
-              <a:rPr lang="en-US" altLang="ja-JP" smtClean="0"/>
+              <a:rPr kumimoji="1" lang="en-US" altLang="ja-JP" smtClean="0"/>
               <a:t>2 </a:t>
             </a:r>
             <a:r>
-              <a:rPr lang="ja-JP" altLang="en-US" smtClean="0"/>
+              <a:rPr kumimoji="1" lang="ja-JP" altLang="en-US" smtClean="0"/>
               <a:t>レベル</a:t>
             </a:r>
           </a:p>
           <a:p>
             <a:pPr lvl="2"/>
             <a:r>
-              <a:rPr lang="ja-JP" altLang="en-US" smtClean="0"/>
+              <a:rPr kumimoji="1" lang="ja-JP" altLang="en-US" smtClean="0"/>
               <a:t>第 </a:t>
             </a:r>
             <a:r>
-              <a:rPr lang="en-US" altLang="ja-JP" smtClean="0"/>
+              <a:rPr kumimoji="1" lang="en-US" altLang="ja-JP" smtClean="0"/>
               <a:t>3 </a:t>
             </a:r>
             <a:r>
-              <a:rPr lang="ja-JP" altLang="en-US" smtClean="0"/>
+              <a:rPr kumimoji="1" lang="ja-JP" altLang="en-US" smtClean="0"/>
               <a:t>レベル</a:t>
             </a:r>
           </a:p>
           <a:p>
             <a:pPr lvl="3"/>
             <a:r>
-              <a:rPr lang="ja-JP" altLang="en-US" smtClean="0"/>
+              <a:rPr kumimoji="1" lang="ja-JP" altLang="en-US" smtClean="0"/>
               <a:t>第 </a:t>
             </a:r>
             <a:r>
-              <a:rPr lang="en-US" altLang="ja-JP" smtClean="0"/>
+              <a:rPr kumimoji="1" lang="en-US" altLang="ja-JP" smtClean="0"/>
               <a:t>4 </a:t>
             </a:r>
             <a:r>
-              <a:rPr lang="ja-JP" altLang="en-US" smtClean="0"/>
+              <a:rPr kumimoji="1" lang="ja-JP" altLang="en-US" smtClean="0"/>
               <a:t>レベル</a:t>
             </a:r>
           </a:p>
           <a:p>
             <a:pPr lvl="4"/>
             <a:r>
-              <a:rPr lang="ja-JP" altLang="en-US" smtClean="0"/>
+              <a:rPr kumimoji="1" lang="ja-JP" altLang="en-US" smtClean="0"/>
               <a:t>第 </a:t>
             </a:r>
             <a:r>
-              <a:rPr lang="en-US" altLang="ja-JP" smtClean="0"/>
+              <a:rPr kumimoji="1" lang="en-US" altLang="ja-JP" smtClean="0"/>
               <a:t>5 </a:t>
             </a:r>
             <a:r>
-              <a:rPr lang="ja-JP" altLang="en-US" smtClean="0"/>
+              <a:rPr kumimoji="1" lang="ja-JP" altLang="en-US" smtClean="0"/>
               <a:t>レベル</a:t>
             </a:r>
-            <a:endParaRPr lang="en-US" dirty="0"/>
+            <a:endParaRPr kumimoji="1" lang="ja-JP" altLang="en-US"/>
           </a:p>
         </p:txBody>
       </p:sp>
       <p:sp>
         <p:nvSpPr>
-          <p:cNvPr id="7" name="Date Placeholder 6"/>
+          <p:cNvPr id="7" name="日付プレースホルダー 6"/>
           <p:cNvSpPr>
             <a:spLocks noGrp="1"/>
           </p:cNvSpPr>
@@ -2839,7 +2223,7 @@
                 </a:solidFill>
               </a:rPr>
               <a:pPr/>
-              <a:t>2014/10/7</a:t>
+              <a:t>2014/10/14</a:t>
             </a:fld>
             <a:endParaRPr lang="ja-JP" altLang="en-US">
               <a:solidFill>
@@ -2854,7 +2238,7 @@
       </p:sp>
       <p:sp>
         <p:nvSpPr>
-          <p:cNvPr id="8" name="Footer Placeholder 7"/>
+          <p:cNvPr id="8" name="フッター プレースホルダー 7"/>
           <p:cNvSpPr>
             <a:spLocks noGrp="1"/>
           </p:cNvSpPr>
@@ -2880,7 +2264,7 @@
       </p:sp>
       <p:sp>
         <p:nvSpPr>
-          <p:cNvPr id="9" name="Slide Number Placeholder 8"/>
+          <p:cNvPr id="9" name="スライド番号プレースホルダー 8"/>
           <p:cNvSpPr>
             <a:spLocks noGrp="1"/>
           </p:cNvSpPr>
@@ -2916,46 +2300,16 @@
           </a:p>
         </p:txBody>
       </p:sp>
-      <p:sp>
-        <p:nvSpPr>
-          <p:cNvPr id="10" name="Title 9"/>
-          <p:cNvSpPr>
-            <a:spLocks noGrp="1"/>
-          </p:cNvSpPr>
-          <p:nvPr>
-            <p:ph type="title"/>
-          </p:nvPr>
-        </p:nvSpPr>
-        <p:spPr/>
-        <p:txBody>
-          <a:bodyPr/>
-          <a:lstStyle/>
-          <a:p>
-            <a:r>
-              <a:rPr lang="ja-JP" altLang="en-US" smtClean="0"/>
-              <a:t>マスター タイトルの書式設定</a:t>
-            </a:r>
-            <a:endParaRPr lang="en-US" dirty="0"/>
-          </a:p>
-        </p:txBody>
-      </p:sp>
     </p:spTree>
     <p:extLst>
       <p:ext uri="{BB962C8B-B14F-4D97-AF65-F5344CB8AC3E}">
-        <p14:creationId xmlns:p14="http://schemas.microsoft.com/office/powerpoint/2010/main" val="694117666"/>
+        <p14:creationId xmlns:p14="http://schemas.microsoft.com/office/powerpoint/2010/main" val="724183227"/>
       </p:ext>
     </p:extLst>
   </p:cSld>
   <p:clrMapOvr>
     <a:masterClrMapping/>
   </p:clrMapOvr>
-  <p:timing>
-    <p:tnLst>
-      <p:par>
-        <p:cTn id="1" dur="indefinite" restart="never" nodeType="tmRoot"/>
-      </p:par>
-    </p:tnLst>
-  </p:timing>
 </p:sldLayout>
 </file>
 
@@ -2978,7 +2332,7 @@
       </p:grpSpPr>
       <p:sp>
         <p:nvSpPr>
-          <p:cNvPr id="2" name="Title 1"/>
+          <p:cNvPr id="2" name="タイトル 1"/>
           <p:cNvSpPr>
             <a:spLocks noGrp="1"/>
           </p:cNvSpPr>
@@ -2992,16 +2346,16 @@
           <a:lstStyle/>
           <a:p>
             <a:r>
-              <a:rPr lang="ja-JP" altLang="en-US" smtClean="0"/>
+              <a:rPr kumimoji="1" lang="ja-JP" altLang="en-US" smtClean="0"/>
               <a:t>マスター タイトルの書式設定</a:t>
             </a:r>
-            <a:endParaRPr lang="en-US" dirty="0"/>
+            <a:endParaRPr kumimoji="1" lang="ja-JP" altLang="en-US"/>
           </a:p>
         </p:txBody>
       </p:sp>
       <p:sp>
         <p:nvSpPr>
-          <p:cNvPr id="3" name="Date Placeholder 2"/>
+          <p:cNvPr id="3" name="日付プレースホルダー 2"/>
           <p:cNvSpPr>
             <a:spLocks noGrp="1"/>
           </p:cNvSpPr>
@@ -3024,7 +2378,7 @@
                 </a:solidFill>
               </a:rPr>
               <a:pPr/>
-              <a:t>2014/10/7</a:t>
+              <a:t>2014/10/14</a:t>
             </a:fld>
             <a:endParaRPr lang="ja-JP" altLang="en-US">
               <a:solidFill>
@@ -3039,7 +2393,7 @@
       </p:sp>
       <p:sp>
         <p:nvSpPr>
-          <p:cNvPr id="4" name="Footer Placeholder 3"/>
+          <p:cNvPr id="4" name="フッター プレースホルダー 3"/>
           <p:cNvSpPr>
             <a:spLocks noGrp="1"/>
           </p:cNvSpPr>
@@ -3065,7 +2419,7 @@
       </p:sp>
       <p:sp>
         <p:nvSpPr>
-          <p:cNvPr id="5" name="Slide Number Placeholder 4"/>
+          <p:cNvPr id="5" name="スライド番号プレースホルダー 4"/>
           <p:cNvSpPr>
             <a:spLocks noGrp="1"/>
           </p:cNvSpPr>
@@ -3104,20 +2458,13 @@
     </p:spTree>
     <p:extLst>
       <p:ext uri="{BB962C8B-B14F-4D97-AF65-F5344CB8AC3E}">
-        <p14:creationId xmlns:p14="http://schemas.microsoft.com/office/powerpoint/2010/main" val="1538787827"/>
+        <p14:creationId xmlns:p14="http://schemas.microsoft.com/office/powerpoint/2010/main" val="1127686086"/>
       </p:ext>
     </p:extLst>
   </p:cSld>
   <p:clrMapOvr>
     <a:masterClrMapping/>
   </p:clrMapOvr>
-  <p:timing>
-    <p:tnLst>
-      <p:par>
-        <p:cTn id="1" dur="indefinite" restart="never" nodeType="tmRoot"/>
-      </p:par>
-    </p:tnLst>
-  </p:timing>
 </p:sldLayout>
 </file>
 
@@ -3140,7 +2487,7 @@
       </p:grpSpPr>
       <p:sp>
         <p:nvSpPr>
-          <p:cNvPr id="2" name="Date Placeholder 1"/>
+          <p:cNvPr id="2" name="日付プレースホルダー 1"/>
           <p:cNvSpPr>
             <a:spLocks noGrp="1"/>
           </p:cNvSpPr>
@@ -3163,7 +2510,7 @@
                 </a:solidFill>
               </a:rPr>
               <a:pPr/>
-              <a:t>2014/10/7</a:t>
+              <a:t>2014/10/14</a:t>
             </a:fld>
             <a:endParaRPr lang="ja-JP" altLang="en-US">
               <a:solidFill>
@@ -3178,7 +2525,7 @@
       </p:sp>
       <p:sp>
         <p:nvSpPr>
-          <p:cNvPr id="3" name="Footer Placeholder 2"/>
+          <p:cNvPr id="3" name="フッター プレースホルダー 2"/>
           <p:cNvSpPr>
             <a:spLocks noGrp="1"/>
           </p:cNvSpPr>
@@ -3204,7 +2551,7 @@
       </p:sp>
       <p:sp>
         <p:nvSpPr>
-          <p:cNvPr id="4" name="Slide Number Placeholder 3"/>
+          <p:cNvPr id="4" name="スライド番号プレースホルダー 3"/>
           <p:cNvSpPr>
             <a:spLocks noGrp="1"/>
           </p:cNvSpPr>
@@ -3243,20 +2590,13 @@
     </p:spTree>
     <p:extLst>
       <p:ext uri="{BB962C8B-B14F-4D97-AF65-F5344CB8AC3E}">
-        <p14:creationId xmlns:p14="http://schemas.microsoft.com/office/powerpoint/2010/main" val="1342179776"/>
+        <p14:creationId xmlns:p14="http://schemas.microsoft.com/office/powerpoint/2010/main" val="3234779045"/>
       </p:ext>
     </p:extLst>
   </p:cSld>
   <p:clrMapOvr>
     <a:masterClrMapping/>
   </p:clrMapOvr>
-  <p:timing>
-    <p:tnLst>
-      <p:par>
-        <p:cTn id="1" dur="indefinite" restart="never" nodeType="tmRoot"/>
-      </p:par>
-    </p:tnLst>
-  </p:timing>
 </p:sldLayout>
 </file>
 
@@ -3279,7 +2619,7 @@
       </p:grpSpPr>
       <p:sp>
         <p:nvSpPr>
-          <p:cNvPr id="2" name="Title 1"/>
+          <p:cNvPr id="2" name="タイトル 1"/>
           <p:cNvSpPr>
             <a:spLocks noGrp="1"/>
           </p:cNvSpPr>
@@ -3289,34 +2629,29 @@
         </p:nvSpPr>
         <p:spPr>
           <a:xfrm>
-            <a:off x="1962551" y="9756883"/>
-            <a:ext cx="8504399" cy="5556596"/>
+            <a:off x="1069341" y="1205591"/>
+            <a:ext cx="7036110" cy="5130774"/>
           </a:xfrm>
-          <a:effectLst/>
         </p:spPr>
         <p:txBody>
-          <a:bodyPr anchor="b">
-            <a:noAutofit/>
-          </a:bodyPr>
+          <a:bodyPr anchor="b"/>
           <a:lstStyle>
-            <a:lvl1pPr marL="738081" indent="-738081" algn="l">
-              <a:defRPr sz="9000" b="1">
-                <a:effectLst/>
-              </a:defRPr>
+            <a:lvl1pPr algn="l">
+              <a:defRPr sz="6500" b="1"/>
             </a:lvl1pPr>
           </a:lstStyle>
           <a:p>
             <a:r>
-              <a:rPr lang="ja-JP" altLang="en-US" smtClean="0"/>
+              <a:rPr kumimoji="1" lang="ja-JP" altLang="en-US" smtClean="0"/>
               <a:t>マスター タイトルの書式設定</a:t>
             </a:r>
-            <a:endParaRPr lang="en-US" dirty="0"/>
+            <a:endParaRPr kumimoji="1" lang="ja-JP" altLang="en-US"/>
           </a:p>
         </p:txBody>
       </p:sp>
       <p:sp>
         <p:nvSpPr>
-          <p:cNvPr id="3" name="Content Placeholder 2"/>
+          <p:cNvPr id="3" name="コンテンツ プレースホルダー 2"/>
           <p:cNvSpPr>
             <a:spLocks noGrp="1"/>
           </p:cNvSpPr>
@@ -3326,27 +2661,27 @@
         </p:nvSpPr>
         <p:spPr>
           <a:xfrm>
-            <a:off x="10743723" y="3229864"/>
-            <a:ext cx="9395515" cy="21611593"/>
+            <a:off x="8361645" y="1205598"/>
+            <a:ext cx="11955815" cy="25843120"/>
           </a:xfrm>
         </p:spPr>
         <p:txBody>
-          <a:bodyPr anchor="ctr"/>
+          <a:bodyPr/>
           <a:lstStyle>
             <a:lvl1pPr>
-              <a:defRPr sz="7100"/>
+              <a:defRPr sz="10300"/>
             </a:lvl1pPr>
             <a:lvl2pPr>
-              <a:defRPr sz="6500"/>
+              <a:defRPr sz="9000"/>
             </a:lvl2pPr>
             <a:lvl3pPr>
-              <a:defRPr sz="5800"/>
+              <a:defRPr sz="7700"/>
             </a:lvl3pPr>
             <a:lvl4pPr>
-              <a:defRPr sz="5200"/>
+              <a:defRPr sz="6500"/>
             </a:lvl4pPr>
             <a:lvl5pPr>
-              <a:defRPr sz="4500"/>
+              <a:defRPr sz="6500"/>
             </a:lvl5pPr>
             <a:lvl6pPr>
               <a:defRPr sz="6500"/>
@@ -3364,76 +2699,76 @@
           <a:p>
             <a:pPr lvl="0"/>
             <a:r>
-              <a:rPr lang="ja-JP" altLang="en-US" smtClean="0"/>
+              <a:rPr kumimoji="1" lang="ja-JP" altLang="en-US" smtClean="0"/>
               <a:t>マスター テキストの書式設定</a:t>
             </a:r>
           </a:p>
           <a:p>
             <a:pPr lvl="1"/>
             <a:r>
-              <a:rPr lang="ja-JP" altLang="en-US" smtClean="0"/>
+              <a:rPr kumimoji="1" lang="ja-JP" altLang="en-US" smtClean="0"/>
               <a:t>第 </a:t>
             </a:r>
             <a:r>
-              <a:rPr lang="en-US" altLang="ja-JP" smtClean="0"/>
+              <a:rPr kumimoji="1" lang="en-US" altLang="ja-JP" smtClean="0"/>
               <a:t>2 </a:t>
             </a:r>
             <a:r>
-              <a:rPr lang="ja-JP" altLang="en-US" smtClean="0"/>
+              <a:rPr kumimoji="1" lang="ja-JP" altLang="en-US" smtClean="0"/>
               <a:t>レベル</a:t>
             </a:r>
           </a:p>
           <a:p>
             <a:pPr lvl="2"/>
             <a:r>
-              <a:rPr lang="ja-JP" altLang="en-US" smtClean="0"/>
+              <a:rPr kumimoji="1" lang="ja-JP" altLang="en-US" smtClean="0"/>
               <a:t>第 </a:t>
             </a:r>
             <a:r>
-              <a:rPr lang="en-US" altLang="ja-JP" smtClean="0"/>
+              <a:rPr kumimoji="1" lang="en-US" altLang="ja-JP" smtClean="0"/>
               <a:t>3 </a:t>
             </a:r>
             <a:r>
-              <a:rPr lang="ja-JP" altLang="en-US" smtClean="0"/>
+              <a:rPr kumimoji="1" lang="ja-JP" altLang="en-US" smtClean="0"/>
               <a:t>レベル</a:t>
             </a:r>
           </a:p>
           <a:p>
             <a:pPr lvl="3"/>
             <a:r>
-              <a:rPr lang="ja-JP" altLang="en-US" smtClean="0"/>
+              <a:rPr kumimoji="1" lang="ja-JP" altLang="en-US" smtClean="0"/>
               <a:t>第 </a:t>
             </a:r>
             <a:r>
-              <a:rPr lang="en-US" altLang="ja-JP" smtClean="0"/>
+              <a:rPr kumimoji="1" lang="en-US" altLang="ja-JP" smtClean="0"/>
               <a:t>4 </a:t>
             </a:r>
             <a:r>
-              <a:rPr lang="ja-JP" altLang="en-US" smtClean="0"/>
+              <a:rPr kumimoji="1" lang="ja-JP" altLang="en-US" smtClean="0"/>
               <a:t>レベル</a:t>
             </a:r>
           </a:p>
           <a:p>
             <a:pPr lvl="4"/>
             <a:r>
-              <a:rPr lang="ja-JP" altLang="en-US" smtClean="0"/>
+              <a:rPr kumimoji="1" lang="ja-JP" altLang="en-US" smtClean="0"/>
               <a:t>第 </a:t>
             </a:r>
             <a:r>
-              <a:rPr lang="en-US" altLang="ja-JP" smtClean="0"/>
+              <a:rPr kumimoji="1" lang="en-US" altLang="ja-JP" smtClean="0"/>
               <a:t>5 </a:t>
             </a:r>
             <a:r>
-              <a:rPr lang="ja-JP" altLang="en-US" smtClean="0"/>
+              <a:rPr kumimoji="1" lang="ja-JP" altLang="en-US" smtClean="0"/>
               <a:t>レベル</a:t>
             </a:r>
-            <a:endParaRPr lang="en-US" dirty="0"/>
+            <a:endParaRPr kumimoji="1" lang="ja-JP" altLang="en-US"/>
           </a:p>
         </p:txBody>
       </p:sp>
       <p:sp>
         <p:nvSpPr>
-          <p:cNvPr id="4" name="Text Placeholder 3"/>
+          <p:cNvPr id="4" name="テキスト プレースホルダー 3"/>
           <p:cNvSpPr>
             <a:spLocks noGrp="1"/>
           </p:cNvSpPr>
@@ -3443,8 +2778,8 @@
         </p:nvSpPr>
         <p:spPr>
           <a:xfrm>
-            <a:off x="2516095" y="15443768"/>
-            <a:ext cx="7925699" cy="9446566"/>
+            <a:off x="1069341" y="6336367"/>
+            <a:ext cx="7036110" cy="20712346"/>
           </a:xfrm>
         </p:spPr>
         <p:txBody>
@@ -3454,35 +2789,35 @@
               <a:buNone/>
               <a:defRPr sz="4500"/>
             </a:lvl1pPr>
-            <a:lvl2pPr marL="1476162" indent="0">
+            <a:lvl2pPr marL="1475416" indent="0">
               <a:buNone/>
               <a:defRPr sz="3900"/>
             </a:lvl2pPr>
-            <a:lvl3pPr marL="2952323" indent="0">
+            <a:lvl3pPr marL="2950838" indent="0">
               <a:buNone/>
               <a:defRPr sz="3200"/>
             </a:lvl3pPr>
-            <a:lvl4pPr marL="4428485" indent="0">
+            <a:lvl4pPr marL="4426270" indent="0">
               <a:buNone/>
               <a:defRPr sz="2900"/>
             </a:lvl4pPr>
-            <a:lvl5pPr marL="5904647" indent="0">
+            <a:lvl5pPr marL="5901686" indent="0">
               <a:buNone/>
               <a:defRPr sz="2900"/>
             </a:lvl5pPr>
-            <a:lvl6pPr marL="7380808" indent="0">
+            <a:lvl6pPr marL="7377102" indent="0">
               <a:buNone/>
               <a:defRPr sz="2900"/>
             </a:lvl6pPr>
-            <a:lvl7pPr marL="8856970" indent="0">
+            <a:lvl7pPr marL="8852534" indent="0">
               <a:buNone/>
               <a:defRPr sz="2900"/>
             </a:lvl7pPr>
-            <a:lvl8pPr marL="10333131" indent="0">
+            <a:lvl8pPr marL="10327956" indent="0">
               <a:buNone/>
               <a:defRPr sz="2900"/>
             </a:lvl8pPr>
-            <a:lvl9pPr marL="11809293" indent="0">
+            <a:lvl9pPr marL="11803372" indent="0">
               <a:buNone/>
               <a:defRPr sz="2900"/>
             </a:lvl9pPr>
@@ -3490,7 +2825,7 @@
           <a:p>
             <a:pPr lvl="0"/>
             <a:r>
-              <a:rPr lang="ja-JP" altLang="en-US" smtClean="0"/>
+              <a:rPr kumimoji="1" lang="ja-JP" altLang="en-US" smtClean="0"/>
               <a:t>マスター テキストの書式設定</a:t>
             </a:r>
           </a:p>
@@ -3498,7 +2833,7 @@
       </p:sp>
       <p:sp>
         <p:nvSpPr>
-          <p:cNvPr id="5" name="Date Placeholder 4"/>
+          <p:cNvPr id="5" name="日付プレースホルダー 4"/>
           <p:cNvSpPr>
             <a:spLocks noGrp="1"/>
           </p:cNvSpPr>
@@ -3521,7 +2856,7 @@
                 </a:solidFill>
               </a:rPr>
               <a:pPr/>
-              <a:t>2014/10/7</a:t>
+              <a:t>2014/10/14</a:t>
             </a:fld>
             <a:endParaRPr lang="ja-JP" altLang="en-US">
               <a:solidFill>
@@ -3536,7 +2871,7 @@
       </p:sp>
       <p:sp>
         <p:nvSpPr>
-          <p:cNvPr id="6" name="Footer Placeholder 5"/>
+          <p:cNvPr id="6" name="フッター プレースホルダー 5"/>
           <p:cNvSpPr>
             <a:spLocks noGrp="1"/>
           </p:cNvSpPr>
@@ -3562,7 +2897,7 @@
       </p:sp>
       <p:sp>
         <p:nvSpPr>
-          <p:cNvPr id="7" name="Slide Number Placeholder 6"/>
+          <p:cNvPr id="7" name="スライド番号プレースホルダー 6"/>
           <p:cNvSpPr>
             <a:spLocks noGrp="1"/>
           </p:cNvSpPr>
@@ -3601,25 +2936,18 @@
     </p:spTree>
     <p:extLst>
       <p:ext uri="{BB962C8B-B14F-4D97-AF65-F5344CB8AC3E}">
-        <p14:creationId xmlns:p14="http://schemas.microsoft.com/office/powerpoint/2010/main" val="265188929"/>
+        <p14:creationId xmlns:p14="http://schemas.microsoft.com/office/powerpoint/2010/main" val="2474698488"/>
       </p:ext>
     </p:extLst>
   </p:cSld>
   <p:clrMapOvr>
     <a:masterClrMapping/>
   </p:clrMapOvr>
-  <p:timing>
-    <p:tnLst>
-      <p:par>
-        <p:cTn id="1" dur="indefinite" restart="never" nodeType="tmRoot"/>
-      </p:par>
-    </p:tnLst>
-  </p:timing>
 </p:sldLayout>
 </file>
 
 <file path=ppt/slideLayouts/slideLayout9.xml><?xml version="1.0" encoding="utf-8"?>
-<p:sldLayout xmlns:a="http://schemas.openxmlformats.org/drawingml/2006/main" xmlns:r="http://schemas.openxmlformats.org/officeDocument/2006/relationships" xmlns:p="http://schemas.openxmlformats.org/presentationml/2006/main" showMasterSp="0" type="picTx" preserve="1">
+<p:sldLayout xmlns:a="http://schemas.openxmlformats.org/drawingml/2006/main" xmlns:r="http://schemas.openxmlformats.org/officeDocument/2006/relationships" xmlns:p="http://schemas.openxmlformats.org/presentationml/2006/main" type="picTx" preserve="1">
   <p:cSld name="タイトル付きの図">
     <p:spTree>
       <p:nvGrpSpPr>
@@ -3637,292 +2965,39 @@
       </p:grpSpPr>
       <p:sp>
         <p:nvSpPr>
-          <p:cNvPr id="8" name="Rectangle 7"/>
-          <p:cNvSpPr/>
-          <p:nvPr/>
+          <p:cNvPr id="2" name="タイトル 1"/>
+          <p:cNvSpPr>
+            <a:spLocks noGrp="1"/>
+          </p:cNvSpPr>
+          <p:nvPr>
+            <p:ph type="title"/>
+          </p:nvPr>
         </p:nvSpPr>
         <p:spPr>
           <a:xfrm>
-            <a:off x="0" y="17073526"/>
-            <a:ext cx="21386800" cy="13206449"/>
+            <a:off x="4191962" y="21195982"/>
+            <a:ext cx="12832080" cy="2502306"/>
           </a:xfrm>
-          <a:prstGeom prst="rect">
-            <a:avLst/>
-          </a:prstGeom>
-          <a:gradFill>
-            <a:gsLst>
-              <a:gs pos="0">
-                <a:schemeClr val="bg1">
-                  <a:alpha val="92000"/>
-                </a:schemeClr>
-              </a:gs>
-              <a:gs pos="37000">
-                <a:schemeClr val="bg1">
-                  <a:alpha val="77000"/>
-                </a:schemeClr>
-              </a:gs>
-              <a:gs pos="100000">
-                <a:schemeClr val="bg2">
-                  <a:alpha val="80000"/>
-                </a:schemeClr>
-              </a:gs>
-            </a:gsLst>
-            <a:path path="circle">
-              <a:fillToRect l="50000" t="50000" r="50000" b="50000"/>
-            </a:path>
-          </a:gradFill>
-          <a:ln>
-            <a:noFill/>
-          </a:ln>
         </p:spPr>
-        <p:style>
-          <a:lnRef idx="2">
-            <a:schemeClr val="accent1">
-              <a:shade val="50000"/>
-            </a:schemeClr>
-          </a:lnRef>
-          <a:fillRef idx="1">
-            <a:schemeClr val="accent1"/>
-          </a:fillRef>
-          <a:effectRef idx="0">
-            <a:schemeClr val="accent1"/>
-          </a:effectRef>
-          <a:fontRef idx="minor">
-            <a:schemeClr val="lt1"/>
-          </a:fontRef>
-        </p:style>
         <p:txBody>
-          <a:bodyPr lIns="295232" tIns="147616" rIns="295232" bIns="147616" rtlCol="0" anchor="ctr"/>
-          <a:lstStyle/>
-          <a:p>
-            <a:pPr algn="ctr" defTabSz="2951897"/>
-            <a:endParaRPr lang="en-US">
-              <a:solidFill>
-                <a:prstClr val="white"/>
-              </a:solidFill>
-            </a:endParaRPr>
+          <a:bodyPr anchor="b"/>
+          <a:lstStyle>
+            <a:lvl1pPr algn="l">
+              <a:defRPr sz="6500" b="1"/>
+            </a:lvl1pPr>
+          </a:lstStyle>
+          <a:p>
+            <a:r>
+              <a:rPr kumimoji="1" lang="ja-JP" altLang="en-US" smtClean="0"/>
+              <a:t>マスター タイトルの書式設定</a:t>
+            </a:r>
+            <a:endParaRPr kumimoji="1" lang="ja-JP" altLang="en-US"/>
           </a:p>
         </p:txBody>
       </p:sp>
       <p:sp>
         <p:nvSpPr>
-          <p:cNvPr id="9" name="Rectangle 8"/>
-          <p:cNvSpPr/>
-          <p:nvPr/>
-        </p:nvSpPr>
-        <p:spPr>
-          <a:xfrm>
-            <a:off x="0" y="0"/>
-            <a:ext cx="21386800" cy="17073526"/>
-          </a:xfrm>
-          <a:prstGeom prst="rect">
-            <a:avLst/>
-          </a:prstGeom>
-          <a:gradFill flip="none" rotWithShape="1">
-            <a:gsLst>
-              <a:gs pos="0">
-                <a:schemeClr val="bg1">
-                  <a:alpha val="90000"/>
-                </a:schemeClr>
-              </a:gs>
-              <a:gs pos="48000">
-                <a:schemeClr val="bg1">
-                  <a:alpha val="63000"/>
-                </a:schemeClr>
-              </a:gs>
-              <a:gs pos="100000">
-                <a:schemeClr val="bg2">
-                  <a:alpha val="80000"/>
-                </a:schemeClr>
-              </a:gs>
-            </a:gsLst>
-            <a:path path="circle">
-              <a:fillToRect l="50000" t="50000" r="50000" b="50000"/>
-            </a:path>
-            <a:tileRect/>
-          </a:gradFill>
-          <a:ln>
-            <a:noFill/>
-          </a:ln>
-        </p:spPr>
-        <p:style>
-          <a:lnRef idx="2">
-            <a:schemeClr val="accent1">
-              <a:shade val="50000"/>
-            </a:schemeClr>
-          </a:lnRef>
-          <a:fillRef idx="1">
-            <a:schemeClr val="accent1"/>
-          </a:fillRef>
-          <a:effectRef idx="0">
-            <a:schemeClr val="accent1"/>
-          </a:effectRef>
-          <a:fontRef idx="minor">
-            <a:schemeClr val="lt1"/>
-          </a:fontRef>
-        </p:style>
-        <p:txBody>
-          <a:bodyPr lIns="295232" tIns="147616" rIns="295232" bIns="147616" rtlCol="0" anchor="ctr"/>
-          <a:lstStyle/>
-          <a:p>
-            <a:pPr algn="ctr" defTabSz="2951897"/>
-            <a:endParaRPr lang="en-US" dirty="0">
-              <a:solidFill>
-                <a:prstClr val="white"/>
-              </a:solidFill>
-            </a:endParaRPr>
-          </a:p>
-        </p:txBody>
-      </p:sp>
-      <p:sp>
-        <p:nvSpPr>
-          <p:cNvPr id="10" name="Rectangle 9"/>
-          <p:cNvSpPr/>
-          <p:nvPr/>
-        </p:nvSpPr>
-        <p:spPr>
-          <a:xfrm>
-            <a:off x="0" y="11710690"/>
-            <a:ext cx="21386800" cy="10093325"/>
-          </a:xfrm>
-          <a:prstGeom prst="rect">
-            <a:avLst/>
-          </a:prstGeom>
-          <a:gradFill flip="none" rotWithShape="1">
-            <a:gsLst>
-              <a:gs pos="0">
-                <a:schemeClr val="bg1">
-                  <a:alpha val="0"/>
-                </a:schemeClr>
-              </a:gs>
-              <a:gs pos="29000">
-                <a:schemeClr val="bg1">
-                  <a:alpha val="30000"/>
-                </a:schemeClr>
-              </a:gs>
-              <a:gs pos="45000">
-                <a:schemeClr val="bg2">
-                  <a:alpha val="40000"/>
-                </a:schemeClr>
-              </a:gs>
-              <a:gs pos="55000">
-                <a:schemeClr val="bg1">
-                  <a:alpha val="26000"/>
-                </a:schemeClr>
-              </a:gs>
-              <a:gs pos="65000">
-                <a:schemeClr val="bg2">
-                  <a:alpha val="60000"/>
-                </a:schemeClr>
-              </a:gs>
-              <a:gs pos="100000">
-                <a:schemeClr val="bg1">
-                  <a:alpha val="0"/>
-                </a:schemeClr>
-              </a:gs>
-            </a:gsLst>
-            <a:lin ang="5400000" scaled="0"/>
-            <a:tileRect/>
-          </a:gradFill>
-          <a:ln>
-            <a:noFill/>
-          </a:ln>
-        </p:spPr>
-        <p:style>
-          <a:lnRef idx="2">
-            <a:schemeClr val="accent1">
-              <a:shade val="50000"/>
-            </a:schemeClr>
-          </a:lnRef>
-          <a:fillRef idx="1">
-            <a:schemeClr val="accent1"/>
-          </a:fillRef>
-          <a:effectRef idx="0">
-            <a:schemeClr val="accent1"/>
-          </a:effectRef>
-          <a:fontRef idx="minor">
-            <a:schemeClr val="lt1"/>
-          </a:fontRef>
-        </p:style>
-        <p:txBody>
-          <a:bodyPr lIns="295232" tIns="147616" rIns="295232" bIns="147616" rtlCol="0" anchor="ctr"/>
-          <a:lstStyle/>
-          <a:p>
-            <a:pPr algn="ctr" defTabSz="2951897"/>
-            <a:endParaRPr lang="en-US">
-              <a:solidFill>
-                <a:prstClr val="white"/>
-              </a:solidFill>
-            </a:endParaRPr>
-          </a:p>
-        </p:txBody>
-      </p:sp>
-      <p:sp>
-        <p:nvSpPr>
-          <p:cNvPr id="11" name="Oval 10"/>
-          <p:cNvSpPr/>
-          <p:nvPr/>
-        </p:nvSpPr>
-        <p:spPr>
-          <a:xfrm>
-            <a:off x="0" y="7065328"/>
-            <a:ext cx="21386800" cy="22541759"/>
-          </a:xfrm>
-          <a:prstGeom prst="ellipse">
-            <a:avLst/>
-          </a:prstGeom>
-          <a:gradFill flip="none" rotWithShape="1">
-            <a:gsLst>
-              <a:gs pos="0">
-                <a:schemeClr val="bg1"/>
-              </a:gs>
-              <a:gs pos="54000">
-                <a:schemeClr val="bg1">
-                  <a:alpha val="0"/>
-                </a:schemeClr>
-              </a:gs>
-            </a:gsLst>
-            <a:path path="circle">
-              <a:fillToRect l="50000" t="50000" r="50000" b="50000"/>
-            </a:path>
-            <a:tileRect/>
-          </a:gradFill>
-          <a:ln>
-            <a:noFill/>
-          </a:ln>
-        </p:spPr>
-        <p:style>
-          <a:lnRef idx="2">
-            <a:schemeClr val="accent1">
-              <a:shade val="50000"/>
-            </a:schemeClr>
-          </a:lnRef>
-          <a:fillRef idx="1">
-            <a:schemeClr val="accent1"/>
-          </a:fillRef>
-          <a:effectRef idx="0">
-            <a:schemeClr val="accent1"/>
-          </a:effectRef>
-          <a:fontRef idx="minor">
-            <a:schemeClr val="lt1"/>
-          </a:fontRef>
-        </p:style>
-        <p:txBody>
-          <a:bodyPr lIns="295232" tIns="147616" rIns="295232" bIns="147616" rtlCol="0" anchor="ctr"/>
-          <a:lstStyle/>
-          <a:p>
-            <a:pPr algn="ctr" defTabSz="2951897"/>
-            <a:endParaRPr lang="en-US">
-              <a:solidFill>
-                <a:prstClr val="white"/>
-              </a:solidFill>
-            </a:endParaRPr>
-          </a:p>
-        </p:txBody>
-      </p:sp>
-      <p:sp>
-        <p:nvSpPr>
-          <p:cNvPr id="3" name="Picture Placeholder 2"/>
+          <p:cNvPr id="3" name="図プレースホルダー 2"/>
           <p:cNvSpPr>
             <a:spLocks noGrp="1"/>
           </p:cNvSpPr>
@@ -3932,87 +3007,58 @@
         </p:nvSpPr>
         <p:spPr>
           <a:xfrm>
-            <a:off x="10466937" y="5046663"/>
-            <a:ext cx="9624060" cy="13810132"/>
+            <a:off x="4191962" y="2705572"/>
+            <a:ext cx="12832080" cy="18167985"/>
           </a:xfrm>
-          <a:prstGeom prst="roundRect">
-            <a:avLst>
-              <a:gd name="adj" fmla="val 4230"/>
-            </a:avLst>
-          </a:prstGeom>
-          <a:solidFill>
-            <a:schemeClr val="bg2">
-              <a:lumMod val="90000"/>
-            </a:schemeClr>
-          </a:solidFill>
-          <a:effectLst>
-            <a:reflection blurRad="4350" stA="23000" endA="300" endPos="28000" dir="5400000" sy="-100000" algn="bl" rotWithShape="0"/>
-          </a:effectLst>
-          <a:scene3d>
-            <a:camera prst="perspectiveContrastingLeftFacing" fov="1800000">
-              <a:rot lat="300000" lon="2100000" rev="0"/>
-            </a:camera>
-            <a:lightRig rig="balanced" dir="t"/>
-          </a:scene3d>
-          <a:sp3d>
-            <a:bevelT w="50800" h="50800"/>
-          </a:sp3d>
         </p:spPr>
         <p:txBody>
-          <a:bodyPr>
-            <a:normAutofit/>
-            <a:flatTx/>
-          </a:bodyPr>
+          <a:bodyPr/>
           <a:lstStyle>
-            <a:lvl1pPr marL="0" indent="0" algn="ctr">
+            <a:lvl1pPr marL="0" indent="0">
               <a:buNone/>
-              <a:defRPr sz="6500"/>
+              <a:defRPr sz="10300"/>
             </a:lvl1pPr>
-            <a:lvl2pPr marL="1476162" indent="0">
+            <a:lvl2pPr marL="1475416" indent="0">
               <a:buNone/>
               <a:defRPr sz="9000"/>
             </a:lvl2pPr>
-            <a:lvl3pPr marL="2952323" indent="0">
+            <a:lvl3pPr marL="2950838" indent="0">
               <a:buNone/>
               <a:defRPr sz="7700"/>
             </a:lvl3pPr>
-            <a:lvl4pPr marL="4428485" indent="0">
+            <a:lvl4pPr marL="4426270" indent="0">
               <a:buNone/>
               <a:defRPr sz="6500"/>
             </a:lvl4pPr>
-            <a:lvl5pPr marL="5904647" indent="0">
+            <a:lvl5pPr marL="5901686" indent="0">
               <a:buNone/>
               <a:defRPr sz="6500"/>
             </a:lvl5pPr>
-            <a:lvl6pPr marL="7380808" indent="0">
+            <a:lvl6pPr marL="7377102" indent="0">
               <a:buNone/>
               <a:defRPr sz="6500"/>
             </a:lvl6pPr>
-            <a:lvl7pPr marL="8856970" indent="0">
+            <a:lvl7pPr marL="8852534" indent="0">
               <a:buNone/>
               <a:defRPr sz="6500"/>
             </a:lvl7pPr>
-            <a:lvl8pPr marL="10333131" indent="0">
+            <a:lvl8pPr marL="10327956" indent="0">
               <a:buNone/>
               <a:defRPr sz="6500"/>
             </a:lvl8pPr>
-            <a:lvl9pPr marL="11809293" indent="0">
+            <a:lvl9pPr marL="11803372" indent="0">
               <a:buNone/>
               <a:defRPr sz="6500"/>
             </a:lvl9pPr>
           </a:lstStyle>
           <a:p>
-            <a:r>
-              <a:rPr lang="ja-JP" altLang="en-US" smtClean="0"/>
-              <a:t>アイコンをクリックして図を追加</a:t>
-            </a:r>
-            <a:endParaRPr lang="en-US" dirty="0"/>
+            <a:endParaRPr kumimoji="1" lang="ja-JP" altLang="en-US"/>
           </a:p>
         </p:txBody>
       </p:sp>
       <p:sp>
         <p:nvSpPr>
-          <p:cNvPr id="4" name="Text Placeholder 3"/>
+          <p:cNvPr id="4" name="テキスト プレースホルダー 3"/>
           <p:cNvSpPr>
             <a:spLocks noGrp="1"/>
           </p:cNvSpPr>
@@ -4022,47 +3068,46 @@
         </p:nvSpPr>
         <p:spPr>
           <a:xfrm>
-            <a:off x="2053280" y="4461576"/>
-            <a:ext cx="8640122" cy="9550334"/>
+            <a:off x="4191962" y="23698288"/>
+            <a:ext cx="12832080" cy="3553689"/>
           </a:xfrm>
         </p:spPr>
         <p:txBody>
-          <a:bodyPr anchor="b"/>
+          <a:bodyPr/>
           <a:lstStyle>
-            <a:lvl1pPr marL="590465" indent="-590465">
-              <a:buFont typeface="Georgia" pitchFamily="18" charset="0"/>
-              <a:buChar char="*"/>
-              <a:defRPr sz="5200"/>
+            <a:lvl1pPr marL="0" indent="0">
+              <a:buNone/>
+              <a:defRPr sz="4500"/>
             </a:lvl1pPr>
-            <a:lvl2pPr marL="1476162" indent="0">
+            <a:lvl2pPr marL="1475416" indent="0">
               <a:buNone/>
               <a:defRPr sz="3900"/>
             </a:lvl2pPr>
-            <a:lvl3pPr marL="2952323" indent="0">
+            <a:lvl3pPr marL="2950838" indent="0">
               <a:buNone/>
               <a:defRPr sz="3200"/>
             </a:lvl3pPr>
-            <a:lvl4pPr marL="4428485" indent="0">
+            <a:lvl4pPr marL="4426270" indent="0">
               <a:buNone/>
               <a:defRPr sz="2900"/>
             </a:lvl4pPr>
-            <a:lvl5pPr marL="5904647" indent="0">
+            <a:lvl5pPr marL="5901686" indent="0">
               <a:buNone/>
               <a:defRPr sz="2900"/>
             </a:lvl5pPr>
-            <a:lvl6pPr marL="7380808" indent="0">
+            <a:lvl6pPr marL="7377102" indent="0">
               <a:buNone/>
               <a:defRPr sz="2900"/>
             </a:lvl6pPr>
-            <a:lvl7pPr marL="8856970" indent="0">
+            <a:lvl7pPr marL="8852534" indent="0">
               <a:buNone/>
               <a:defRPr sz="2900"/>
             </a:lvl7pPr>
-            <a:lvl8pPr marL="10333131" indent="0">
+            <a:lvl8pPr marL="10327956" indent="0">
               <a:buNone/>
               <a:defRPr sz="2900"/>
             </a:lvl8pPr>
-            <a:lvl9pPr marL="11809293" indent="0">
+            <a:lvl9pPr marL="11803372" indent="0">
               <a:buNone/>
               <a:defRPr sz="2900"/>
             </a:lvl9pPr>
@@ -4070,7 +3115,7 @@
           <a:p>
             <a:pPr lvl="0"/>
             <a:r>
-              <a:rPr lang="ja-JP" altLang="en-US" smtClean="0"/>
+              <a:rPr kumimoji="1" lang="ja-JP" altLang="en-US" smtClean="0"/>
               <a:t>マスター テキストの書式設定</a:t>
             </a:r>
           </a:p>
@@ -4078,7 +3123,7 @@
       </p:sp>
       <p:sp>
         <p:nvSpPr>
-          <p:cNvPr id="5" name="Date Placeholder 4"/>
+          <p:cNvPr id="5" name="日付プレースホルダー 4"/>
           <p:cNvSpPr>
             <a:spLocks noGrp="1"/>
           </p:cNvSpPr>
@@ -4101,7 +3146,7 @@
                 </a:solidFill>
               </a:rPr>
               <a:pPr/>
-              <a:t>2014/10/7</a:t>
+              <a:t>2014/10/14</a:t>
             </a:fld>
             <a:endParaRPr lang="ja-JP" altLang="en-US">
               <a:solidFill>
@@ -4116,7 +3161,7 @@
       </p:sp>
       <p:sp>
         <p:nvSpPr>
-          <p:cNvPr id="6" name="Footer Placeholder 5"/>
+          <p:cNvPr id="6" name="フッター プレースホルダー 5"/>
           <p:cNvSpPr>
             <a:spLocks noGrp="1"/>
           </p:cNvSpPr>
@@ -4142,7 +3187,7 @@
       </p:sp>
       <p:sp>
         <p:nvSpPr>
-          <p:cNvPr id="7" name="Slide Number Placeholder 6"/>
+          <p:cNvPr id="7" name="スライド番号プレースホルダー 6"/>
           <p:cNvSpPr>
             <a:spLocks noGrp="1"/>
           </p:cNvSpPr>
@@ -4178,57 +3223,16 @@
           </a:p>
         </p:txBody>
       </p:sp>
-      <p:sp>
-        <p:nvSpPr>
-          <p:cNvPr id="2" name="Title 1"/>
-          <p:cNvSpPr>
-            <a:spLocks noGrp="1"/>
-          </p:cNvSpPr>
-          <p:nvPr>
-            <p:ph type="title"/>
-          </p:nvPr>
-        </p:nvSpPr>
-        <p:spPr>
-          <a:xfrm>
-            <a:off x="1700999" y="19711659"/>
-            <a:ext cx="14930386" cy="5046663"/>
-          </a:xfrm>
-        </p:spPr>
-        <p:txBody>
-          <a:bodyPr anchor="b">
-            <a:noAutofit/>
-          </a:bodyPr>
-          <a:lstStyle>
-            <a:lvl1pPr algn="l">
-              <a:defRPr sz="14900" b="1"/>
-            </a:lvl1pPr>
-          </a:lstStyle>
-          <a:p>
-            <a:r>
-              <a:rPr lang="ja-JP" altLang="en-US" smtClean="0"/>
-              <a:t>マスター タイトルの書式設定</a:t>
-            </a:r>
-            <a:endParaRPr lang="en-US" dirty="0"/>
-          </a:p>
-        </p:txBody>
-      </p:sp>
     </p:spTree>
     <p:extLst>
       <p:ext uri="{BB962C8B-B14F-4D97-AF65-F5344CB8AC3E}">
-        <p14:creationId xmlns:p14="http://schemas.microsoft.com/office/powerpoint/2010/main" val="1388171808"/>
+        <p14:creationId xmlns:p14="http://schemas.microsoft.com/office/powerpoint/2010/main" val="3974011143"/>
       </p:ext>
     </p:extLst>
   </p:cSld>
   <p:clrMapOvr>
     <a:masterClrMapping/>
   </p:clrMapOvr>
-  <p:timing>
-    <p:tnLst>
-      <p:par>
-        <p:cTn id="1" dur="indefinite" restart="never" nodeType="tmRoot"/>
-      </p:par>
-    </p:tnLst>
-  </p:timing>
 </p:sldLayout>
 </file>
 
@@ -4236,8 +3240,8 @@
 <p:sldMaster xmlns:a="http://schemas.openxmlformats.org/drawingml/2006/main" xmlns:r="http://schemas.openxmlformats.org/officeDocument/2006/relationships" xmlns:p="http://schemas.openxmlformats.org/presentationml/2006/main">
   <p:cSld>
     <p:bg>
-      <p:bgRef idx="1002">
-        <a:schemeClr val="bg2"/>
+      <p:bgRef idx="1001">
+        <a:schemeClr val="bg1"/>
       </p:bgRef>
     </p:bg>
     <p:spTree>
@@ -4256,292 +3260,7 @@
       </p:grpSpPr>
       <p:sp>
         <p:nvSpPr>
-          <p:cNvPr id="7" name="Rectangle 6"/>
-          <p:cNvSpPr/>
-          <p:nvPr/>
-        </p:nvSpPr>
-        <p:spPr>
-          <a:xfrm>
-            <a:off x="0" y="22541759"/>
-            <a:ext cx="21386800" cy="7738216"/>
-          </a:xfrm>
-          <a:prstGeom prst="rect">
-            <a:avLst/>
-          </a:prstGeom>
-          <a:gradFill>
-            <a:gsLst>
-              <a:gs pos="0">
-                <a:schemeClr val="bg1">
-                  <a:alpha val="91000"/>
-                </a:schemeClr>
-              </a:gs>
-              <a:gs pos="37000">
-                <a:schemeClr val="bg1">
-                  <a:alpha val="76000"/>
-                </a:schemeClr>
-              </a:gs>
-              <a:gs pos="100000">
-                <a:schemeClr val="bg2">
-                  <a:alpha val="79000"/>
-                </a:schemeClr>
-              </a:gs>
-            </a:gsLst>
-            <a:path path="circle">
-              <a:fillToRect l="50000" t="50000" r="50000" b="50000"/>
-            </a:path>
-          </a:gradFill>
-          <a:ln>
-            <a:noFill/>
-          </a:ln>
-        </p:spPr>
-        <p:style>
-          <a:lnRef idx="2">
-            <a:schemeClr val="accent1">
-              <a:shade val="50000"/>
-            </a:schemeClr>
-          </a:lnRef>
-          <a:fillRef idx="1">
-            <a:schemeClr val="accent1"/>
-          </a:fillRef>
-          <a:effectRef idx="0">
-            <a:schemeClr val="accent1"/>
-          </a:effectRef>
-          <a:fontRef idx="minor">
-            <a:schemeClr val="lt1"/>
-          </a:fontRef>
-        </p:style>
-        <p:txBody>
-          <a:bodyPr lIns="295232" tIns="147616" rIns="295232" bIns="147616" rtlCol="0" anchor="ctr"/>
-          <a:lstStyle/>
-          <a:p>
-            <a:pPr algn="ctr" defTabSz="2951897"/>
-            <a:endParaRPr lang="en-US">
-              <a:solidFill>
-                <a:prstClr val="white"/>
-              </a:solidFill>
-            </a:endParaRPr>
-          </a:p>
-        </p:txBody>
-      </p:sp>
-      <p:sp>
-        <p:nvSpPr>
-          <p:cNvPr id="8" name="Rectangle 7"/>
-          <p:cNvSpPr/>
-          <p:nvPr/>
-        </p:nvSpPr>
-        <p:spPr>
-          <a:xfrm>
-            <a:off x="0" y="0"/>
-            <a:ext cx="21386800" cy="22541759"/>
-          </a:xfrm>
-          <a:prstGeom prst="rect">
-            <a:avLst/>
-          </a:prstGeom>
-          <a:gradFill flip="none" rotWithShape="1">
-            <a:gsLst>
-              <a:gs pos="0">
-                <a:schemeClr val="bg1">
-                  <a:alpha val="89000"/>
-                </a:schemeClr>
-              </a:gs>
-              <a:gs pos="48000">
-                <a:schemeClr val="bg1">
-                  <a:alpha val="62000"/>
-                </a:schemeClr>
-              </a:gs>
-              <a:gs pos="100000">
-                <a:schemeClr val="bg2">
-                  <a:alpha val="79000"/>
-                </a:schemeClr>
-              </a:gs>
-            </a:gsLst>
-            <a:path path="circle">
-              <a:fillToRect l="50000" t="50000" r="50000" b="50000"/>
-            </a:path>
-            <a:tileRect/>
-          </a:gradFill>
-          <a:ln>
-            <a:noFill/>
-          </a:ln>
-        </p:spPr>
-        <p:style>
-          <a:lnRef idx="2">
-            <a:schemeClr val="accent1">
-              <a:shade val="50000"/>
-            </a:schemeClr>
-          </a:lnRef>
-          <a:fillRef idx="1">
-            <a:schemeClr val="accent1"/>
-          </a:fillRef>
-          <a:effectRef idx="0">
-            <a:schemeClr val="accent1"/>
-          </a:effectRef>
-          <a:fontRef idx="minor">
-            <a:schemeClr val="lt1"/>
-          </a:fontRef>
-        </p:style>
-        <p:txBody>
-          <a:bodyPr lIns="295232" tIns="147616" rIns="295232" bIns="147616" rtlCol="0" anchor="ctr"/>
-          <a:lstStyle/>
-          <a:p>
-            <a:pPr algn="ctr" defTabSz="2951897"/>
-            <a:endParaRPr lang="en-US" dirty="0">
-              <a:solidFill>
-                <a:prstClr val="white"/>
-              </a:solidFill>
-            </a:endParaRPr>
-          </a:p>
-        </p:txBody>
-      </p:sp>
-      <p:sp>
-        <p:nvSpPr>
-          <p:cNvPr id="9" name="Rectangle 8"/>
-          <p:cNvSpPr/>
-          <p:nvPr/>
-        </p:nvSpPr>
-        <p:spPr>
-          <a:xfrm>
-            <a:off x="0" y="16638109"/>
-            <a:ext cx="21386800" cy="10093325"/>
-          </a:xfrm>
-          <a:prstGeom prst="rect">
-            <a:avLst/>
-          </a:prstGeom>
-          <a:gradFill flip="none" rotWithShape="1">
-            <a:gsLst>
-              <a:gs pos="0">
-                <a:schemeClr val="bg1">
-                  <a:alpha val="0"/>
-                </a:schemeClr>
-              </a:gs>
-              <a:gs pos="29000">
-                <a:schemeClr val="bg1">
-                  <a:alpha val="30000"/>
-                </a:schemeClr>
-              </a:gs>
-              <a:gs pos="45000">
-                <a:schemeClr val="bg2">
-                  <a:alpha val="40000"/>
-                </a:schemeClr>
-              </a:gs>
-              <a:gs pos="55000">
-                <a:schemeClr val="bg1">
-                  <a:alpha val="26000"/>
-                </a:schemeClr>
-              </a:gs>
-              <a:gs pos="65000">
-                <a:schemeClr val="bg2">
-                  <a:alpha val="60000"/>
-                </a:schemeClr>
-              </a:gs>
-              <a:gs pos="100000">
-                <a:schemeClr val="bg1">
-                  <a:alpha val="0"/>
-                </a:schemeClr>
-              </a:gs>
-            </a:gsLst>
-            <a:lin ang="5400000" scaled="0"/>
-            <a:tileRect/>
-          </a:gradFill>
-          <a:ln>
-            <a:noFill/>
-          </a:ln>
-        </p:spPr>
-        <p:style>
-          <a:lnRef idx="2">
-            <a:schemeClr val="accent1">
-              <a:shade val="50000"/>
-            </a:schemeClr>
-          </a:lnRef>
-          <a:fillRef idx="1">
-            <a:schemeClr val="accent1"/>
-          </a:fillRef>
-          <a:effectRef idx="0">
-            <a:schemeClr val="accent1"/>
-          </a:effectRef>
-          <a:fontRef idx="minor">
-            <a:schemeClr val="lt1"/>
-          </a:fontRef>
-        </p:style>
-        <p:txBody>
-          <a:bodyPr lIns="295232" tIns="147616" rIns="295232" bIns="147616" rtlCol="0" anchor="ctr"/>
-          <a:lstStyle/>
-          <a:p>
-            <a:pPr algn="ctr" defTabSz="2951897"/>
-            <a:endParaRPr lang="en-US">
-              <a:solidFill>
-                <a:prstClr val="white"/>
-              </a:solidFill>
-            </a:endParaRPr>
-          </a:p>
-        </p:txBody>
-      </p:sp>
-      <p:sp>
-        <p:nvSpPr>
-          <p:cNvPr id="10" name="Oval 9"/>
-          <p:cNvSpPr/>
-          <p:nvPr/>
-        </p:nvSpPr>
-        <p:spPr>
-          <a:xfrm>
-            <a:off x="0" y="7065328"/>
-            <a:ext cx="21386800" cy="22541759"/>
-          </a:xfrm>
-          <a:prstGeom prst="ellipse">
-            <a:avLst/>
-          </a:prstGeom>
-          <a:gradFill flip="none" rotWithShape="1">
-            <a:gsLst>
-              <a:gs pos="0">
-                <a:schemeClr val="bg1"/>
-              </a:gs>
-              <a:gs pos="56000">
-                <a:schemeClr val="bg1">
-                  <a:alpha val="0"/>
-                </a:schemeClr>
-              </a:gs>
-            </a:gsLst>
-            <a:path path="circle">
-              <a:fillToRect l="50000" t="50000" r="50000" b="50000"/>
-            </a:path>
-            <a:tileRect/>
-          </a:gradFill>
-          <a:ln>
-            <a:noFill/>
-          </a:ln>
-        </p:spPr>
-        <p:style>
-          <a:lnRef idx="2">
-            <a:schemeClr val="accent1">
-              <a:shade val="50000"/>
-            </a:schemeClr>
-          </a:lnRef>
-          <a:fillRef idx="1">
-            <a:schemeClr val="accent1"/>
-          </a:fillRef>
-          <a:effectRef idx="0">
-            <a:schemeClr val="accent1"/>
-          </a:effectRef>
-          <a:fontRef idx="minor">
-            <a:schemeClr val="lt1"/>
-          </a:fontRef>
-        </p:style>
-        <p:txBody>
-          <a:bodyPr lIns="295232" tIns="147616" rIns="295232" bIns="147616" rtlCol="0" anchor="ctr"/>
-          <a:lstStyle/>
-          <a:p>
-            <a:pPr algn="ctr" defTabSz="2951897"/>
-            <a:endParaRPr lang="en-US">
-              <a:solidFill>
-                <a:prstClr val="white"/>
-              </a:solidFill>
-            </a:endParaRPr>
-          </a:p>
-        </p:txBody>
-      </p:sp>
-      <p:sp>
-        <p:nvSpPr>
-          <p:cNvPr id="2" name="Title Placeholder 1"/>
+          <p:cNvPr id="2" name="タイトル プレースホルダー 1"/>
           <p:cNvSpPr>
             <a:spLocks noGrp="1"/>
           </p:cNvSpPr>
@@ -4551,31 +3270,30 @@
         </p:nvSpPr>
         <p:spPr>
           <a:xfrm>
-            <a:off x="4194305" y="19304336"/>
-            <a:ext cx="15232040" cy="5046663"/>
+            <a:off x="1069340" y="1212603"/>
+            <a:ext cx="19248120" cy="5046663"/>
           </a:xfrm>
           <a:prstGeom prst="rect">
             <a:avLst/>
           </a:prstGeom>
-          <a:effectLst/>
         </p:spPr>
         <p:txBody>
-          <a:bodyPr vert="horz" lIns="295232" tIns="147616" rIns="295232" bIns="147616" rtlCol="0" anchor="t" anchorCtr="0">
-            <a:noAutofit/>
+          <a:bodyPr vert="horz" lIns="295084" tIns="147548" rIns="295084" bIns="147548" rtlCol="0" anchor="ctr">
+            <a:normAutofit/>
           </a:bodyPr>
           <a:lstStyle/>
           <a:p>
             <a:r>
-              <a:rPr lang="ja-JP" altLang="en-US" smtClean="0"/>
+              <a:rPr kumimoji="1" lang="ja-JP" altLang="en-US" smtClean="0"/>
               <a:t>マスター タイトルの書式設定</a:t>
             </a:r>
-            <a:endParaRPr lang="en-US" dirty="0"/>
+            <a:endParaRPr kumimoji="1" lang="ja-JP" altLang="en-US"/>
           </a:p>
         </p:txBody>
       </p:sp>
       <p:sp>
         <p:nvSpPr>
-          <p:cNvPr id="3" name="Text Placeholder 2"/>
+          <p:cNvPr id="3" name="テキスト プレースホルダー 2"/>
           <p:cNvSpPr>
             <a:spLocks noGrp="1"/>
           </p:cNvSpPr>
@@ -4585,91 +3303,91 @@
         </p:nvSpPr>
         <p:spPr>
           <a:xfrm>
-            <a:off x="2673350" y="3233131"/>
-            <a:ext cx="14970760" cy="15341854"/>
+            <a:off x="1069340" y="7065334"/>
+            <a:ext cx="19248120" cy="19983384"/>
           </a:xfrm>
           <a:prstGeom prst="rect">
             <a:avLst/>
           </a:prstGeom>
         </p:spPr>
         <p:txBody>
-          <a:bodyPr vert="horz" lIns="295232" tIns="147616" rIns="295232" bIns="147616" rtlCol="0">
+          <a:bodyPr vert="horz" lIns="295084" tIns="147548" rIns="295084" bIns="147548" rtlCol="0">
             <a:normAutofit/>
           </a:bodyPr>
           <a:lstStyle/>
           <a:p>
             <a:pPr lvl="0"/>
             <a:r>
-              <a:rPr lang="ja-JP" altLang="en-US" smtClean="0"/>
+              <a:rPr kumimoji="1" lang="ja-JP" altLang="en-US" smtClean="0"/>
               <a:t>マスター テキストの書式設定</a:t>
             </a:r>
           </a:p>
           <a:p>
             <a:pPr lvl="1"/>
             <a:r>
-              <a:rPr lang="ja-JP" altLang="en-US" smtClean="0"/>
+              <a:rPr kumimoji="1" lang="ja-JP" altLang="en-US" smtClean="0"/>
               <a:t>第 </a:t>
             </a:r>
             <a:r>
-              <a:rPr lang="en-US" altLang="ja-JP" smtClean="0"/>
+              <a:rPr kumimoji="1" lang="en-US" altLang="ja-JP" smtClean="0"/>
               <a:t>2 </a:t>
             </a:r>
             <a:r>
-              <a:rPr lang="ja-JP" altLang="en-US" smtClean="0"/>
+              <a:rPr kumimoji="1" lang="ja-JP" altLang="en-US" smtClean="0"/>
               <a:t>レベル</a:t>
             </a:r>
           </a:p>
           <a:p>
             <a:pPr lvl="2"/>
             <a:r>
-              <a:rPr lang="ja-JP" altLang="en-US" smtClean="0"/>
+              <a:rPr kumimoji="1" lang="ja-JP" altLang="en-US" smtClean="0"/>
               <a:t>第 </a:t>
             </a:r>
             <a:r>
-              <a:rPr lang="en-US" altLang="ja-JP" smtClean="0"/>
+              <a:rPr kumimoji="1" lang="en-US" altLang="ja-JP" smtClean="0"/>
               <a:t>3 </a:t>
             </a:r>
             <a:r>
-              <a:rPr lang="ja-JP" altLang="en-US" smtClean="0"/>
+              <a:rPr kumimoji="1" lang="ja-JP" altLang="en-US" smtClean="0"/>
               <a:t>レベル</a:t>
             </a:r>
           </a:p>
           <a:p>
             <a:pPr lvl="3"/>
             <a:r>
-              <a:rPr lang="ja-JP" altLang="en-US" smtClean="0"/>
+              <a:rPr kumimoji="1" lang="ja-JP" altLang="en-US" smtClean="0"/>
               <a:t>第 </a:t>
             </a:r>
             <a:r>
-              <a:rPr lang="en-US" altLang="ja-JP" smtClean="0"/>
+              <a:rPr kumimoji="1" lang="en-US" altLang="ja-JP" smtClean="0"/>
               <a:t>4 </a:t>
             </a:r>
             <a:r>
-              <a:rPr lang="ja-JP" altLang="en-US" smtClean="0"/>
+              <a:rPr kumimoji="1" lang="ja-JP" altLang="en-US" smtClean="0"/>
               <a:t>レベル</a:t>
             </a:r>
           </a:p>
           <a:p>
             <a:pPr lvl="4"/>
             <a:r>
-              <a:rPr lang="ja-JP" altLang="en-US" smtClean="0"/>
+              <a:rPr kumimoji="1" lang="ja-JP" altLang="en-US" smtClean="0"/>
               <a:t>第 </a:t>
             </a:r>
             <a:r>
-              <a:rPr lang="en-US" altLang="ja-JP" smtClean="0"/>
+              <a:rPr kumimoji="1" lang="en-US" altLang="ja-JP" smtClean="0"/>
               <a:t>5 </a:t>
             </a:r>
             <a:r>
-              <a:rPr lang="ja-JP" altLang="en-US" smtClean="0"/>
+              <a:rPr kumimoji="1" lang="ja-JP" altLang="en-US" smtClean="0"/>
               <a:t>レベル</a:t>
             </a:r>
-            <a:endParaRPr lang="en-US" dirty="0"/>
+            <a:endParaRPr kumimoji="1" lang="ja-JP" altLang="en-US"/>
           </a:p>
         </p:txBody>
       </p:sp>
       <p:sp>
         <p:nvSpPr>
-          <p:cNvPr id="4" name="Date Placeholder 3"/>
+          <p:cNvPr id="4" name="日付プレースホルダー 3"/>
           <p:cNvSpPr>
             <a:spLocks noGrp="1"/>
           </p:cNvSpPr>
@@ -4679,22 +3397,21 @@
         </p:nvSpPr>
         <p:spPr>
           <a:xfrm>
-            <a:off x="14436090" y="27251980"/>
-            <a:ext cx="5881370" cy="1612128"/>
+            <a:off x="1069340" y="28065053"/>
+            <a:ext cx="4990253" cy="1612128"/>
           </a:xfrm>
           <a:prstGeom prst="rect">
             <a:avLst/>
           </a:prstGeom>
         </p:spPr>
         <p:txBody>
-          <a:bodyPr vert="horz" lIns="295232" tIns="147616" rIns="295232" bIns="147616" rtlCol="0" anchor="ctr"/>
+          <a:bodyPr vert="horz" lIns="295084" tIns="147548" rIns="295084" bIns="147548" rtlCol="0" anchor="ctr"/>
           <a:lstStyle>
-            <a:lvl1pPr algn="r">
-              <a:defRPr sz="3600" b="1">
+            <a:lvl1pPr algn="l">
+              <a:defRPr sz="3900">
                 <a:solidFill>
                   <a:schemeClr val="tx1">
-                    <a:lumMod val="50000"/>
-                    <a:lumOff val="50000"/>
+                    <a:tint val="75000"/>
                   </a:schemeClr>
                 </a:solidFill>
               </a:defRPr>
@@ -4712,7 +3429,7 @@
                 </a:solidFill>
               </a:rPr>
               <a:pPr defTabSz="2951897"/>
-              <a:t>2014/10/7</a:t>
+              <a:t>2014/10/14</a:t>
             </a:fld>
             <a:endParaRPr lang="ja-JP" altLang="en-US">
               <a:solidFill>
@@ -4727,7 +3444,7 @@
       </p:sp>
       <p:sp>
         <p:nvSpPr>
-          <p:cNvPr id="5" name="Footer Placeholder 4"/>
+          <p:cNvPr id="5" name="フッター プレースホルダー 4"/>
           <p:cNvSpPr>
             <a:spLocks noGrp="1"/>
           </p:cNvSpPr>
@@ -4737,22 +3454,21 @@
         </p:nvSpPr>
         <p:spPr>
           <a:xfrm>
-            <a:off x="1069339" y="27251980"/>
-            <a:ext cx="7841829" cy="1612128"/>
+            <a:off x="7307157" y="28065053"/>
+            <a:ext cx="6772487" cy="1612128"/>
           </a:xfrm>
           <a:prstGeom prst="rect">
             <a:avLst/>
           </a:prstGeom>
         </p:spPr>
         <p:txBody>
-          <a:bodyPr vert="horz" lIns="295232" tIns="147616" rIns="295232" bIns="147616" rtlCol="0" anchor="ctr"/>
+          <a:bodyPr vert="horz" lIns="295084" tIns="147548" rIns="295084" bIns="147548" rtlCol="0" anchor="ctr"/>
           <a:lstStyle>
-            <a:lvl1pPr algn="l">
-              <a:defRPr sz="3600" b="1">
+            <a:lvl1pPr algn="ctr">
+              <a:defRPr sz="3900">
                 <a:solidFill>
                   <a:schemeClr val="tx1">
-                    <a:lumMod val="50000"/>
-                    <a:lumOff val="50000"/>
+                    <a:tint val="75000"/>
                   </a:schemeClr>
                 </a:solidFill>
               </a:defRPr>
@@ -4773,7 +3489,7 @@
       </p:sp>
       <p:sp>
         <p:nvSpPr>
-          <p:cNvPr id="6" name="Slide Number Placeholder 5"/>
+          <p:cNvPr id="6" name="スライド番号プレースホルダー 5"/>
           <p:cNvSpPr>
             <a:spLocks noGrp="1"/>
           </p:cNvSpPr>
@@ -4783,22 +3499,21 @@
         </p:nvSpPr>
         <p:spPr>
           <a:xfrm>
-            <a:off x="8911167" y="27251980"/>
-            <a:ext cx="4277360" cy="1612128"/>
+            <a:off x="15327207" y="28065053"/>
+            <a:ext cx="4990253" cy="1612128"/>
           </a:xfrm>
           <a:prstGeom prst="rect">
             <a:avLst/>
           </a:prstGeom>
         </p:spPr>
         <p:txBody>
-          <a:bodyPr vert="horz" lIns="295232" tIns="147616" rIns="295232" bIns="147616" rtlCol="0" anchor="ctr"/>
+          <a:bodyPr vert="horz" lIns="295084" tIns="147548" rIns="295084" bIns="147548" rtlCol="0" anchor="ctr"/>
           <a:lstStyle>
-            <a:lvl1pPr algn="ctr">
-              <a:defRPr sz="3900" b="1">
+            <a:lvl1pPr algn="r">
+              <a:defRPr sz="3900">
                 <a:solidFill>
                   <a:schemeClr val="tx1">
-                    <a:lumMod val="50000"/>
-                    <a:lumOff val="50000"/>
+                    <a:tint val="75000"/>
                   </a:schemeClr>
                 </a:solidFill>
               </a:defRPr>
@@ -4832,368 +3547,171 @@
     </p:spTree>
     <p:extLst>
       <p:ext uri="{BB962C8B-B14F-4D97-AF65-F5344CB8AC3E}">
-        <p14:creationId xmlns:p14="http://schemas.microsoft.com/office/powerpoint/2010/main" val="2651326102"/>
+        <p14:creationId xmlns:p14="http://schemas.microsoft.com/office/powerpoint/2010/main" val="3569542700"/>
       </p:ext>
     </p:extLst>
   </p:cSld>
   <p:clrMap bg1="lt1" tx1="dk1" bg2="lt2" tx2="dk2" accent1="accent1" accent2="accent2" accent3="accent3" accent4="accent4" accent5="accent5" accent6="accent6" hlink="hlink" folHlink="folHlink"/>
   <p:sldLayoutIdLst>
-    <p:sldLayoutId id="2147483661" r:id="rId1"/>
-    <p:sldLayoutId id="2147483662" r:id="rId2"/>
-    <p:sldLayoutId id="2147483663" r:id="rId3"/>
-    <p:sldLayoutId id="2147483664" r:id="rId4"/>
-    <p:sldLayoutId id="2147483665" r:id="rId5"/>
-    <p:sldLayoutId id="2147483666" r:id="rId6"/>
-    <p:sldLayoutId id="2147483667" r:id="rId7"/>
-    <p:sldLayoutId id="2147483668" r:id="rId8"/>
-    <p:sldLayoutId id="2147483669" r:id="rId9"/>
-    <p:sldLayoutId id="2147483670" r:id="rId10"/>
-    <p:sldLayoutId id="2147483671" r:id="rId11"/>
+    <p:sldLayoutId id="2147483745" r:id="rId1"/>
+    <p:sldLayoutId id="2147483746" r:id="rId2"/>
+    <p:sldLayoutId id="2147483747" r:id="rId3"/>
+    <p:sldLayoutId id="2147483748" r:id="rId4"/>
+    <p:sldLayoutId id="2147483749" r:id="rId5"/>
+    <p:sldLayoutId id="2147483750" r:id="rId6"/>
+    <p:sldLayoutId id="2147483751" r:id="rId7"/>
+    <p:sldLayoutId id="2147483752" r:id="rId8"/>
+    <p:sldLayoutId id="2147483753" r:id="rId9"/>
+    <p:sldLayoutId id="2147483754" r:id="rId10"/>
+    <p:sldLayoutId id="2147483755" r:id="rId11"/>
   </p:sldLayoutIdLst>
-  <p:timing>
-    <p:tnLst>
-      <p:par>
-        <p:cTn id="1" dur="indefinite" restart="never" nodeType="tmRoot"/>
-      </p:par>
-    </p:tnLst>
-  </p:timing>
   <p:txStyles>
     <p:titleStyle>
-      <a:lvl1pPr marL="1033313" indent="-1033313" algn="r" defTabSz="2952323" rtl="0" eaLnBrk="1" latinLnBrk="0" hangingPunct="1">
+      <a:lvl1pPr algn="ctr" defTabSz="2950838" rtl="0" eaLnBrk="1" latinLnBrk="0" hangingPunct="1">
         <a:spcBef>
           <a:spcPct val="0"/>
         </a:spcBef>
-        <a:buClr>
-          <a:schemeClr val="accent6">
-            <a:lumMod val="75000"/>
-          </a:schemeClr>
-        </a:buClr>
-        <a:buSzPct val="128000"/>
-        <a:buFont typeface="Georgia" pitchFamily="18" charset="0"/>
-        <a:buChar char="*"/>
-        <a:defRPr kumimoji="1" sz="14900" b="1" i="0" kern="1200">
-          <a:gradFill>
-            <a:gsLst>
-              <a:gs pos="0">
-                <a:schemeClr val="tx1"/>
-              </a:gs>
-              <a:gs pos="40000">
-                <a:schemeClr val="tx1">
-                  <a:lumMod val="75000"/>
-                  <a:lumOff val="25000"/>
-                </a:schemeClr>
-              </a:gs>
-              <a:gs pos="100000">
-                <a:schemeClr val="tx2">
-                  <a:alpha val="65000"/>
-                </a:schemeClr>
-              </a:gs>
-            </a:gsLst>
-            <a:lin ang="5400000" scaled="0"/>
-          </a:gradFill>
-          <a:effectLst>
-            <a:reflection blurRad="6350" stA="55000" endA="300" endPos="45500" dir="5400000" sy="-100000" algn="bl" rotWithShape="0"/>
-          </a:effectLst>
+        <a:buNone/>
+        <a:defRPr kumimoji="1" sz="14200" kern="1200">
+          <a:solidFill>
+            <a:schemeClr val="tx1"/>
+          </a:solidFill>
           <a:latin typeface="+mj-lt"/>
           <a:ea typeface="+mj-ea"/>
           <a:cs typeface="+mj-cs"/>
         </a:defRPr>
       </a:lvl1pPr>
-      <a:lvl2pPr eaLnBrk="1" hangingPunct="1">
-        <a:defRPr kumimoji="1">
-          <a:solidFill>
-            <a:schemeClr val="tx2"/>
-          </a:solidFill>
-        </a:defRPr>
-      </a:lvl2pPr>
-      <a:lvl3pPr eaLnBrk="1" hangingPunct="1">
-        <a:defRPr kumimoji="1">
-          <a:solidFill>
-            <a:schemeClr val="tx2"/>
-          </a:solidFill>
-        </a:defRPr>
-      </a:lvl3pPr>
-      <a:lvl4pPr eaLnBrk="1" hangingPunct="1">
-        <a:defRPr kumimoji="1">
-          <a:solidFill>
-            <a:schemeClr val="tx2"/>
-          </a:solidFill>
-        </a:defRPr>
-      </a:lvl4pPr>
-      <a:lvl5pPr eaLnBrk="1" hangingPunct="1">
-        <a:defRPr kumimoji="1">
-          <a:solidFill>
-            <a:schemeClr val="tx2"/>
-          </a:solidFill>
-        </a:defRPr>
-      </a:lvl5pPr>
-      <a:lvl6pPr eaLnBrk="1" hangingPunct="1">
-        <a:defRPr kumimoji="1">
-          <a:solidFill>
-            <a:schemeClr val="tx2"/>
-          </a:solidFill>
-        </a:defRPr>
-      </a:lvl6pPr>
-      <a:lvl7pPr eaLnBrk="1" hangingPunct="1">
-        <a:defRPr kumimoji="1">
-          <a:solidFill>
-            <a:schemeClr val="tx2"/>
-          </a:solidFill>
-        </a:defRPr>
-      </a:lvl7pPr>
-      <a:lvl8pPr eaLnBrk="1" hangingPunct="1">
-        <a:defRPr kumimoji="1">
-          <a:solidFill>
-            <a:schemeClr val="tx2"/>
-          </a:solidFill>
-        </a:defRPr>
-      </a:lvl8pPr>
-      <a:lvl9pPr eaLnBrk="1" hangingPunct="1">
-        <a:defRPr kumimoji="1">
-          <a:solidFill>
-            <a:schemeClr val="tx2"/>
-          </a:solidFill>
-        </a:defRPr>
-      </a:lvl9pPr>
     </p:titleStyle>
     <p:bodyStyle>
-      <a:lvl1pPr marL="738081" indent="-590465" algn="l" defTabSz="2952323" rtl="0" eaLnBrk="1" latinLnBrk="0" hangingPunct="1">
+      <a:lvl1pPr marL="1106563" indent="-1106563" algn="l" defTabSz="2950838" rtl="0" eaLnBrk="1" latinLnBrk="0" hangingPunct="1">
         <a:spcBef>
           <a:spcPct val="20000"/>
         </a:spcBef>
-        <a:spcAft>
-          <a:spcPts val="969"/>
-        </a:spcAft>
-        <a:buClr>
-          <a:schemeClr val="accent6">
-            <a:lumMod val="75000"/>
-          </a:schemeClr>
-        </a:buClr>
-        <a:buSzPct val="130000"/>
-        <a:buFont typeface="Georgia" pitchFamily="18" charset="0"/>
-        <a:buChar char="*"/>
-        <a:defRPr kumimoji="1" sz="7100" kern="1200">
+        <a:buFont typeface="Arial" panose="020B0604020202020204" pitchFamily="34" charset="0"/>
+        <a:buChar char="•"/>
+        <a:defRPr kumimoji="1" sz="10300" kern="1200">
           <a:solidFill>
-            <a:schemeClr val="tx1">
-              <a:lumMod val="75000"/>
-              <a:lumOff val="25000"/>
-            </a:schemeClr>
+            <a:schemeClr val="tx1"/>
           </a:solidFill>
           <a:latin typeface="+mn-lt"/>
           <a:ea typeface="+mn-ea"/>
           <a:cs typeface="+mn-cs"/>
         </a:defRPr>
       </a:lvl1pPr>
-      <a:lvl2pPr marL="1771394" indent="-590465" algn="l" defTabSz="2952323" rtl="0" eaLnBrk="1" latinLnBrk="0" hangingPunct="1">
+      <a:lvl2pPr marL="2397565" indent="-922143" algn="l" defTabSz="2950838" rtl="0" eaLnBrk="1" latinLnBrk="0" hangingPunct="1">
         <a:spcBef>
           <a:spcPct val="20000"/>
         </a:spcBef>
-        <a:spcAft>
-          <a:spcPts val="969"/>
-        </a:spcAft>
-        <a:buClr>
-          <a:schemeClr val="accent6">
-            <a:lumMod val="75000"/>
-          </a:schemeClr>
-        </a:buClr>
-        <a:buSzPct val="130000"/>
-        <a:buFont typeface="Georgia" pitchFamily="18" charset="0"/>
-        <a:buChar char="*"/>
-        <a:defRPr kumimoji="1" sz="6500" kern="1200">
+        <a:buFont typeface="Arial" panose="020B0604020202020204" pitchFamily="34" charset="0"/>
+        <a:buChar char="–"/>
+        <a:defRPr kumimoji="1" sz="9000" kern="1200">
           <a:solidFill>
-            <a:schemeClr val="tx1">
-              <a:lumMod val="75000"/>
-              <a:lumOff val="25000"/>
-            </a:schemeClr>
+            <a:schemeClr val="tx1"/>
           </a:solidFill>
           <a:latin typeface="+mn-lt"/>
           <a:ea typeface="+mn-ea"/>
           <a:cs typeface="+mn-cs"/>
         </a:defRPr>
       </a:lvl2pPr>
-      <a:lvl3pPr marL="2657091" indent="-590465" algn="l" defTabSz="2952323" rtl="0" eaLnBrk="1" latinLnBrk="0" hangingPunct="1">
+      <a:lvl3pPr marL="3688551" indent="-737719" algn="l" defTabSz="2950838" rtl="0" eaLnBrk="1" latinLnBrk="0" hangingPunct="1">
         <a:spcBef>
           <a:spcPct val="20000"/>
         </a:spcBef>
-        <a:spcAft>
-          <a:spcPts val="969"/>
-        </a:spcAft>
-        <a:buClr>
-          <a:schemeClr val="accent6">
-            <a:lumMod val="75000"/>
-          </a:schemeClr>
-        </a:buClr>
-        <a:buSzPct val="130000"/>
-        <a:buFont typeface="Georgia" pitchFamily="18" charset="0"/>
-        <a:buChar char="*"/>
-        <a:defRPr kumimoji="1" sz="5800" kern="1200">
+        <a:buFont typeface="Arial" panose="020B0604020202020204" pitchFamily="34" charset="0"/>
+        <a:buChar char="•"/>
+        <a:defRPr kumimoji="1" sz="7700" kern="1200">
           <a:solidFill>
-            <a:schemeClr val="tx1">
-              <a:lumMod val="75000"/>
-              <a:lumOff val="25000"/>
-            </a:schemeClr>
+            <a:schemeClr val="tx1"/>
           </a:solidFill>
           <a:latin typeface="+mn-lt"/>
           <a:ea typeface="+mn-ea"/>
           <a:cs typeface="+mn-cs"/>
         </a:defRPr>
       </a:lvl3pPr>
-      <a:lvl4pPr marL="3542788" indent="-590465" algn="l" defTabSz="2952323" rtl="0" eaLnBrk="1" latinLnBrk="0" hangingPunct="1">
+      <a:lvl4pPr marL="5163970" indent="-737719" algn="l" defTabSz="2950838" rtl="0" eaLnBrk="1" latinLnBrk="0" hangingPunct="1">
         <a:spcBef>
           <a:spcPct val="20000"/>
         </a:spcBef>
-        <a:spcAft>
-          <a:spcPts val="969"/>
-        </a:spcAft>
-        <a:buClr>
-          <a:schemeClr val="accent6">
-            <a:lumMod val="75000"/>
-          </a:schemeClr>
-        </a:buClr>
-        <a:buSzPct val="130000"/>
-        <a:buFont typeface="Georgia" pitchFamily="18" charset="0"/>
-        <a:buChar char="*"/>
-        <a:defRPr kumimoji="1" sz="5200" kern="1200">
+        <a:buFont typeface="Arial" panose="020B0604020202020204" pitchFamily="34" charset="0"/>
+        <a:buChar char="–"/>
+        <a:defRPr kumimoji="1" sz="6500" kern="1200">
           <a:solidFill>
-            <a:schemeClr val="tx1">
-              <a:lumMod val="75000"/>
-              <a:lumOff val="25000"/>
-            </a:schemeClr>
+            <a:schemeClr val="tx1"/>
           </a:solidFill>
           <a:latin typeface="+mn-lt"/>
           <a:ea typeface="+mn-ea"/>
           <a:cs typeface="+mn-cs"/>
         </a:defRPr>
       </a:lvl4pPr>
-      <a:lvl5pPr marL="4487531" indent="-590465" algn="l" defTabSz="2952323" rtl="0" eaLnBrk="1" latinLnBrk="0" hangingPunct="1">
+      <a:lvl5pPr marL="6639405" indent="-737719" algn="l" defTabSz="2950838" rtl="0" eaLnBrk="1" latinLnBrk="0" hangingPunct="1">
         <a:spcBef>
           <a:spcPct val="20000"/>
         </a:spcBef>
-        <a:spcAft>
-          <a:spcPts val="969"/>
-        </a:spcAft>
-        <a:buClr>
-          <a:schemeClr val="accent6">
-            <a:lumMod val="75000"/>
-          </a:schemeClr>
-        </a:buClr>
-        <a:buSzPct val="130000"/>
-        <a:buFont typeface="Georgia" pitchFamily="18" charset="0"/>
-        <a:buChar char="*"/>
-        <a:defRPr kumimoji="1" sz="4500" kern="1200">
+        <a:buFont typeface="Arial" panose="020B0604020202020204" pitchFamily="34" charset="0"/>
+        <a:buChar char="»"/>
+        <a:defRPr kumimoji="1" sz="6500" kern="1200">
           <a:solidFill>
-            <a:schemeClr val="tx1">
-              <a:lumMod val="75000"/>
-              <a:lumOff val="25000"/>
-            </a:schemeClr>
+            <a:schemeClr val="tx1"/>
           </a:solidFill>
           <a:latin typeface="+mn-lt"/>
           <a:ea typeface="+mn-ea"/>
           <a:cs typeface="+mn-cs"/>
         </a:defRPr>
       </a:lvl5pPr>
-      <a:lvl6pPr marL="5373228" indent="-590465" algn="l" defTabSz="2952323" rtl="0" eaLnBrk="1" latinLnBrk="0" hangingPunct="1">
+      <a:lvl6pPr marL="8114821" indent="-737719" algn="l" defTabSz="2950838" rtl="0" eaLnBrk="1" latinLnBrk="0" hangingPunct="1">
         <a:spcBef>
           <a:spcPct val="20000"/>
         </a:spcBef>
-        <a:spcAft>
-          <a:spcPts val="969"/>
-        </a:spcAft>
-        <a:buClr>
-          <a:schemeClr val="accent6">
-            <a:lumMod val="75000"/>
-          </a:schemeClr>
-        </a:buClr>
-        <a:buSzPct val="130000"/>
-        <a:buFont typeface="Georgia" pitchFamily="18" charset="0"/>
-        <a:buChar char="*"/>
-        <a:defRPr kumimoji="1" sz="4500" kern="1200">
+        <a:buFont typeface="Arial" panose="020B0604020202020204" pitchFamily="34" charset="0"/>
+        <a:buChar char="•"/>
+        <a:defRPr kumimoji="1" sz="6500" kern="1200">
           <a:solidFill>
-            <a:schemeClr val="tx1">
-              <a:lumMod val="75000"/>
-              <a:lumOff val="25000"/>
-            </a:schemeClr>
+            <a:schemeClr val="tx1"/>
           </a:solidFill>
           <a:latin typeface="+mn-lt"/>
           <a:ea typeface="+mn-ea"/>
           <a:cs typeface="+mn-cs"/>
         </a:defRPr>
       </a:lvl6pPr>
-      <a:lvl7pPr marL="6347495" indent="-590465" algn="l" defTabSz="2952323" rtl="0" eaLnBrk="1" latinLnBrk="0" hangingPunct="1">
+      <a:lvl7pPr marL="9590237" indent="-737719" algn="l" defTabSz="2950838" rtl="0" eaLnBrk="1" latinLnBrk="0" hangingPunct="1">
         <a:spcBef>
           <a:spcPct val="20000"/>
         </a:spcBef>
-        <a:spcAft>
-          <a:spcPts val="969"/>
-        </a:spcAft>
-        <a:buClr>
-          <a:schemeClr val="accent6">
-            <a:lumMod val="75000"/>
-          </a:schemeClr>
-        </a:buClr>
-        <a:buSzPct val="130000"/>
-        <a:buFont typeface="Georgia" pitchFamily="18" charset="0"/>
-        <a:buChar char="*"/>
-        <a:defRPr kumimoji="1" sz="4500" kern="1200">
+        <a:buFont typeface="Arial" panose="020B0604020202020204" pitchFamily="34" charset="0"/>
+        <a:buChar char="•"/>
+        <a:defRPr kumimoji="1" sz="6500" kern="1200">
           <a:solidFill>
-            <a:schemeClr val="tx1">
-              <a:lumMod val="75000"/>
-              <a:lumOff val="25000"/>
-            </a:schemeClr>
+            <a:schemeClr val="tx1"/>
           </a:solidFill>
           <a:latin typeface="+mn-lt"/>
           <a:ea typeface="+mn-ea"/>
           <a:cs typeface="+mn-cs"/>
         </a:defRPr>
       </a:lvl7pPr>
-      <a:lvl8pPr marL="7380808" indent="-590465" algn="l" defTabSz="2952323" rtl="0" eaLnBrk="1" latinLnBrk="0" hangingPunct="1">
+      <a:lvl8pPr marL="11065669" indent="-737719" algn="l" defTabSz="2950838" rtl="0" eaLnBrk="1" latinLnBrk="0" hangingPunct="1">
         <a:spcBef>
           <a:spcPct val="20000"/>
         </a:spcBef>
-        <a:spcAft>
-          <a:spcPts val="969"/>
-        </a:spcAft>
-        <a:buClr>
-          <a:schemeClr val="accent6">
-            <a:lumMod val="75000"/>
-          </a:schemeClr>
-        </a:buClr>
-        <a:buSzPct val="130000"/>
-        <a:buFont typeface="Georgia" pitchFamily="18" charset="0"/>
-        <a:buChar char="*"/>
-        <a:defRPr kumimoji="1" sz="4500" kern="1200">
+        <a:buFont typeface="Arial" panose="020B0604020202020204" pitchFamily="34" charset="0"/>
+        <a:buChar char="•"/>
+        <a:defRPr kumimoji="1" sz="6500" kern="1200">
           <a:solidFill>
-            <a:schemeClr val="tx1">
-              <a:lumMod val="75000"/>
-              <a:lumOff val="25000"/>
-            </a:schemeClr>
+            <a:schemeClr val="tx1"/>
           </a:solidFill>
           <a:latin typeface="+mn-lt"/>
           <a:ea typeface="+mn-ea"/>
           <a:cs typeface="+mn-cs"/>
         </a:defRPr>
       </a:lvl8pPr>
-      <a:lvl9pPr marL="8355075" indent="-590465" algn="l" defTabSz="2952323" rtl="0" eaLnBrk="1" latinLnBrk="0" hangingPunct="1">
+      <a:lvl9pPr marL="12541091" indent="-737719" algn="l" defTabSz="2950838" rtl="0" eaLnBrk="1" latinLnBrk="0" hangingPunct="1">
         <a:spcBef>
           <a:spcPct val="20000"/>
         </a:spcBef>
-        <a:spcAft>
-          <a:spcPts val="969"/>
-        </a:spcAft>
-        <a:buClr>
-          <a:schemeClr val="accent6">
-            <a:lumMod val="75000"/>
-          </a:schemeClr>
-        </a:buClr>
-        <a:buSzPct val="130000"/>
-        <a:buFont typeface="Georgia" pitchFamily="18" charset="0"/>
-        <a:buChar char="*"/>
-        <a:defRPr kumimoji="1" sz="4500" kern="1200">
+        <a:buFont typeface="Arial" panose="020B0604020202020204" pitchFamily="34" charset="0"/>
+        <a:buChar char="•"/>
+        <a:defRPr kumimoji="1" sz="6500" kern="1200">
           <a:solidFill>
-            <a:schemeClr val="tx1">
-              <a:lumMod val="75000"/>
-              <a:lumOff val="25000"/>
-            </a:schemeClr>
+            <a:schemeClr val="tx1"/>
           </a:solidFill>
           <a:latin typeface="+mn-lt"/>
           <a:ea typeface="+mn-ea"/>
@@ -5203,9 +3721,9 @@
     </p:bodyStyle>
     <p:otherStyle>
       <a:defPPr>
-        <a:defRPr lang="en-US"/>
+        <a:defRPr lang="ja-JP"/>
       </a:defPPr>
-      <a:lvl1pPr marL="0" algn="l" defTabSz="2952323" rtl="0" eaLnBrk="1" latinLnBrk="0" hangingPunct="1">
+      <a:lvl1pPr marL="0" algn="l" defTabSz="2950838" rtl="0" eaLnBrk="1" latinLnBrk="0" hangingPunct="1">
         <a:defRPr kumimoji="1" sz="5800" kern="1200">
           <a:solidFill>
             <a:schemeClr val="tx1"/>
@@ -5215,7 +3733,7 @@
           <a:cs typeface="+mn-cs"/>
         </a:defRPr>
       </a:lvl1pPr>
-      <a:lvl2pPr marL="1476162" algn="l" defTabSz="2952323" rtl="0" eaLnBrk="1" latinLnBrk="0" hangingPunct="1">
+      <a:lvl2pPr marL="1475416" algn="l" defTabSz="2950838" rtl="0" eaLnBrk="1" latinLnBrk="0" hangingPunct="1">
         <a:defRPr kumimoji="1" sz="5800" kern="1200">
           <a:solidFill>
             <a:schemeClr val="tx1"/>
@@ -5225,7 +3743,7 @@
           <a:cs typeface="+mn-cs"/>
         </a:defRPr>
       </a:lvl2pPr>
-      <a:lvl3pPr marL="2952323" algn="l" defTabSz="2952323" rtl="0" eaLnBrk="1" latinLnBrk="0" hangingPunct="1">
+      <a:lvl3pPr marL="2950838" algn="l" defTabSz="2950838" rtl="0" eaLnBrk="1" latinLnBrk="0" hangingPunct="1">
         <a:defRPr kumimoji="1" sz="5800" kern="1200">
           <a:solidFill>
             <a:schemeClr val="tx1"/>
@@ -5235,7 +3753,7 @@
           <a:cs typeface="+mn-cs"/>
         </a:defRPr>
       </a:lvl3pPr>
-      <a:lvl4pPr marL="4428485" algn="l" defTabSz="2952323" rtl="0" eaLnBrk="1" latinLnBrk="0" hangingPunct="1">
+      <a:lvl4pPr marL="4426270" algn="l" defTabSz="2950838" rtl="0" eaLnBrk="1" latinLnBrk="0" hangingPunct="1">
         <a:defRPr kumimoji="1" sz="5800" kern="1200">
           <a:solidFill>
             <a:schemeClr val="tx1"/>
@@ -5245,7 +3763,7 @@
           <a:cs typeface="+mn-cs"/>
         </a:defRPr>
       </a:lvl4pPr>
-      <a:lvl5pPr marL="5904647" algn="l" defTabSz="2952323" rtl="0" eaLnBrk="1" latinLnBrk="0" hangingPunct="1">
+      <a:lvl5pPr marL="5901686" algn="l" defTabSz="2950838" rtl="0" eaLnBrk="1" latinLnBrk="0" hangingPunct="1">
         <a:defRPr kumimoji="1" sz="5800" kern="1200">
           <a:solidFill>
             <a:schemeClr val="tx1"/>
@@ -5255,7 +3773,7 @@
           <a:cs typeface="+mn-cs"/>
         </a:defRPr>
       </a:lvl5pPr>
-      <a:lvl6pPr marL="7380808" algn="l" defTabSz="2952323" rtl="0" eaLnBrk="1" latinLnBrk="0" hangingPunct="1">
+      <a:lvl6pPr marL="7377102" algn="l" defTabSz="2950838" rtl="0" eaLnBrk="1" latinLnBrk="0" hangingPunct="1">
         <a:defRPr kumimoji="1" sz="5800" kern="1200">
           <a:solidFill>
             <a:schemeClr val="tx1"/>
@@ -5265,7 +3783,7 @@
           <a:cs typeface="+mn-cs"/>
         </a:defRPr>
       </a:lvl6pPr>
-      <a:lvl7pPr marL="8856970" algn="l" defTabSz="2952323" rtl="0" eaLnBrk="1" latinLnBrk="0" hangingPunct="1">
+      <a:lvl7pPr marL="8852534" algn="l" defTabSz="2950838" rtl="0" eaLnBrk="1" latinLnBrk="0" hangingPunct="1">
         <a:defRPr kumimoji="1" sz="5800" kern="1200">
           <a:solidFill>
             <a:schemeClr val="tx1"/>
@@ -5275,7 +3793,7 @@
           <a:cs typeface="+mn-cs"/>
         </a:defRPr>
       </a:lvl7pPr>
-      <a:lvl8pPr marL="10333131" algn="l" defTabSz="2952323" rtl="0" eaLnBrk="1" latinLnBrk="0" hangingPunct="1">
+      <a:lvl8pPr marL="10327956" algn="l" defTabSz="2950838" rtl="0" eaLnBrk="1" latinLnBrk="0" hangingPunct="1">
         <a:defRPr kumimoji="1" sz="5800" kern="1200">
           <a:solidFill>
             <a:schemeClr val="tx1"/>
@@ -5285,7 +3803,7 @@
           <a:cs typeface="+mn-cs"/>
         </a:defRPr>
       </a:lvl8pPr>
-      <a:lvl9pPr marL="11809293" algn="l" defTabSz="2952323" rtl="0" eaLnBrk="1" latinLnBrk="0" hangingPunct="1">
+      <a:lvl9pPr marL="11803372" algn="l" defTabSz="2950838" rtl="0" eaLnBrk="1" latinLnBrk="0" hangingPunct="1">
         <a:defRPr kumimoji="1" sz="5800" kern="1200">
           <a:solidFill>
             <a:schemeClr val="tx1"/>
@@ -5319,98 +3837,14 @@
       </p:grpSpPr>
       <p:sp>
         <p:nvSpPr>
-          <p:cNvPr id="93" name="角丸四角形 92"/>
-          <p:cNvSpPr/>
-          <p:nvPr/>
-        </p:nvSpPr>
-        <p:spPr>
-          <a:xfrm>
-            <a:off x="984117" y="19085802"/>
-            <a:ext cx="8716970" cy="2827067"/>
-          </a:xfrm>
-          <a:prstGeom prst="roundRect">
-            <a:avLst/>
-          </a:prstGeom>
-          <a:solidFill>
-            <a:schemeClr val="bg1"/>
-          </a:solidFill>
-          <a:ln w="76200">
-            <a:solidFill>
-              <a:srgbClr val="7030A0"/>
-            </a:solidFill>
-          </a:ln>
-        </p:spPr>
-        <p:style>
-          <a:lnRef idx="2">
-            <a:schemeClr val="accent1">
-              <a:shade val="50000"/>
-            </a:schemeClr>
-          </a:lnRef>
-          <a:fillRef idx="1">
-            <a:schemeClr val="accent1"/>
-          </a:fillRef>
-          <a:effectRef idx="0">
-            <a:schemeClr val="accent1"/>
-          </a:effectRef>
-          <a:fontRef idx="minor">
-            <a:schemeClr val="lt1"/>
-          </a:fontRef>
-        </p:style>
-        <p:txBody>
-          <a:bodyPr rtlCol="0" anchor="ctr"/>
-          <a:lstStyle/>
-          <a:p>
-            <a:pPr algn="ctr"/>
-            <a:r>
-              <a:rPr kumimoji="1" lang="en-US" altLang="ja-JP" sz="5400" b="1" dirty="0" smtClean="0">
-                <a:solidFill>
-                  <a:schemeClr val="tx1"/>
-                </a:solidFill>
-              </a:rPr>
-              <a:t>GitHub</a:t>
-            </a:r>
-            <a:r>
-              <a:rPr kumimoji="1" lang="ja-JP" altLang="en-US" sz="5400" b="1" dirty="0" smtClean="0">
-                <a:solidFill>
-                  <a:schemeClr val="tx1"/>
-                </a:solidFill>
-              </a:rPr>
-              <a:t>を用いた</a:t>
-            </a:r>
-            <a:endParaRPr kumimoji="1" lang="en-US" altLang="ja-JP" sz="5400" b="1" dirty="0" smtClean="0">
-              <a:solidFill>
-                <a:schemeClr val="tx1"/>
-              </a:solidFill>
-            </a:endParaRPr>
-          </a:p>
-          <a:p>
-            <a:pPr algn="ctr"/>
-            <a:r>
-              <a:rPr kumimoji="1" lang="ja-JP" altLang="en-US" sz="5400" b="1" dirty="0" smtClean="0">
-                <a:solidFill>
-                  <a:schemeClr val="tx1"/>
-                </a:solidFill>
-              </a:rPr>
-              <a:t>開発フロー（方法①）の調査中</a:t>
-            </a:r>
-            <a:endParaRPr kumimoji="1" lang="ja-JP" altLang="en-US" sz="5400" b="1" dirty="0">
-              <a:solidFill>
-                <a:schemeClr val="tx1"/>
-              </a:solidFill>
-            </a:endParaRPr>
-          </a:p>
-        </p:txBody>
-      </p:sp>
-      <p:sp>
-        <p:nvSpPr>
           <p:cNvPr id="110" name="正方形/長方形 109"/>
           <p:cNvSpPr/>
           <p:nvPr/>
         </p:nvSpPr>
         <p:spPr>
           <a:xfrm>
-            <a:off x="984117" y="15626500"/>
-            <a:ext cx="8730703" cy="3030269"/>
+            <a:off x="984117" y="15626501"/>
+            <a:ext cx="8730703" cy="2642329"/>
           </a:xfrm>
           <a:prstGeom prst="rect">
             <a:avLst/>
@@ -5523,7 +3957,39 @@
                   <a:prstClr val="black"/>
                 </a:solidFill>
               </a:rPr>
-              <a:t>な開発フローを選択する基準を明確に</a:t>
+              <a:t>な開発フローを選択する基準</a:t>
+            </a:r>
+            <a:r>
+              <a:rPr lang="ja-JP" altLang="en-US" sz="4000" b="1" dirty="0" smtClean="0">
+                <a:solidFill>
+                  <a:prstClr val="black"/>
+                </a:solidFill>
+              </a:rPr>
+              <a:t>を</a:t>
+            </a:r>
+            <a:endParaRPr lang="en-US" altLang="ja-JP" sz="4000" b="1" dirty="0" smtClean="0">
+              <a:solidFill>
+                <a:prstClr val="black"/>
+              </a:solidFill>
+            </a:endParaRPr>
+          </a:p>
+          <a:p>
+            <a:pPr algn="ctr" defTabSz="2951897"/>
+            <a:r>
+              <a:rPr lang="ja-JP" altLang="en-US" sz="4000" b="1" dirty="0" smtClean="0">
+                <a:solidFill>
+                  <a:prstClr val="black"/>
+                </a:solidFill>
+              </a:rPr>
+              <a:t>明確</a:t>
+            </a:r>
+            <a:r>
+              <a:rPr lang="ja-JP" altLang="en-US" sz="4000" b="1" dirty="0">
+                <a:solidFill>
+                  <a:prstClr val="black"/>
+                </a:solidFill>
+              </a:rPr>
+              <a:t>に</a:t>
             </a:r>
             <a:r>
               <a:rPr lang="ja-JP" altLang="en-US" sz="4000" b="1" dirty="0" smtClean="0">
@@ -5646,7 +4112,11 @@
           <a:solidFill>
             <a:schemeClr val="bg1"/>
           </a:solidFill>
-          <a:ln w="76200"/>
+          <a:ln w="76200">
+            <a:solidFill>
+              <a:schemeClr val="tx2"/>
+            </a:solidFill>
+          </a:ln>
         </p:spPr>
         <p:style>
           <a:lnRef idx="2">
@@ -5672,20 +4142,14 @@
             <a:r>
               <a:rPr lang="ja-JP" altLang="en-US" sz="7200" b="1" dirty="0" smtClean="0">
                 <a:solidFill>
-                  <a:srgbClr val="212745">
-                    <a:lumMod val="60000"/>
-                    <a:lumOff val="40000"/>
-                  </a:srgbClr>
+                  <a:schemeClr val="tx2"/>
                 </a:solidFill>
               </a:rPr>
               <a:t>目的</a:t>
             </a:r>
             <a:endParaRPr lang="ja-JP" altLang="en-US" sz="7200" b="1" dirty="0">
               <a:solidFill>
-                <a:srgbClr val="212745">
-                  <a:lumMod val="60000"/>
-                  <a:lumOff val="40000"/>
-                </a:srgbClr>
+                <a:schemeClr val="tx2"/>
               </a:solidFill>
             </a:endParaRPr>
           </a:p>
@@ -5693,7 +4157,7 @@
       </p:sp>
       <p:grpSp>
         <p:nvGrpSpPr>
-          <p:cNvPr id="43" name="グループ化 42"/>
+          <p:cNvPr id="7" name="グループ化 6"/>
           <p:cNvGrpSpPr/>
           <p:nvPr/>
         </p:nvGrpSpPr>
@@ -5701,7 +4165,7 @@
           <a:xfrm>
             <a:off x="1226006" y="4244011"/>
             <a:ext cx="18739120" cy="11689918"/>
-            <a:chOff x="91184" y="4244011"/>
+            <a:chOff x="1226006" y="4244011"/>
             <a:chExt cx="18739120" cy="11689918"/>
           </a:xfrm>
         </p:grpSpPr>
@@ -5713,14 +4177,14 @@
           </p:nvSpPr>
           <p:spPr>
             <a:xfrm>
-              <a:off x="1383812" y="4791679"/>
+              <a:off x="2518634" y="4791679"/>
               <a:ext cx="16654403" cy="9689180"/>
             </a:xfrm>
             <a:prstGeom prst="roundRect">
               <a:avLst/>
             </a:prstGeom>
             <a:solidFill>
-              <a:schemeClr val="accent2"/>
+              <a:srgbClr val="00B0F0"/>
             </a:solidFill>
           </p:spPr>
           <p:style>
@@ -5756,7 +4220,7 @@
           </p:nvSpPr>
           <p:spPr>
             <a:xfrm>
-              <a:off x="839694" y="4244011"/>
+              <a:off x="1974516" y="4244011"/>
               <a:ext cx="3364287" cy="1430420"/>
             </a:xfrm>
             <a:prstGeom prst="ellipse">
@@ -5818,7 +4282,7 @@
           </p:nvSpPr>
           <p:spPr>
             <a:xfrm>
-              <a:off x="10265653" y="5929127"/>
+              <a:off x="11400475" y="5929127"/>
               <a:ext cx="8564651" cy="6874974"/>
             </a:xfrm>
             <a:prstGeom prst="rect">
@@ -5868,7 +4332,7 @@
           </p:nvSpPr>
           <p:spPr>
             <a:xfrm>
-              <a:off x="13477601" y="6131174"/>
+              <a:off x="14612423" y="6131174"/>
               <a:ext cx="4342018" cy="3547271"/>
             </a:xfrm>
             <a:prstGeom prst="can">
@@ -5877,7 +4341,10 @@
               </a:avLst>
             </a:prstGeom>
             <a:solidFill>
-              <a:schemeClr val="bg2"/>
+              <a:schemeClr val="accent5">
+                <a:lumMod val="60000"/>
+                <a:lumOff val="40000"/>
+              </a:schemeClr>
             </a:solidFill>
             <a:ln>
               <a:solidFill>
@@ -5909,14 +4376,14 @@
               <a:r>
                 <a:rPr kumimoji="1" lang="ja-JP" altLang="en-US" sz="4400" b="1" dirty="0" smtClean="0">
                   <a:solidFill>
-                    <a:schemeClr val="tx2"/>
+                    <a:schemeClr val="tx1"/>
                   </a:solidFill>
                 </a:rPr>
                 <a:t>リポジトリ</a:t>
               </a:r>
               <a:endParaRPr lang="en-US" altLang="ja-JP" sz="4400" b="1" dirty="0">
                 <a:solidFill>
-                  <a:schemeClr val="tx2"/>
+                  <a:schemeClr val="tx1"/>
                 </a:solidFill>
               </a:endParaRPr>
             </a:p>
@@ -6008,7 +4475,7 @@
           </p:blipFill>
           <p:spPr bwMode="auto">
             <a:xfrm>
-              <a:off x="10716739" y="7109482"/>
+              <a:off x="11851561" y="7109482"/>
               <a:ext cx="2414426" cy="2966101"/>
             </a:xfrm>
             <a:prstGeom prst="rect">
@@ -6034,7 +4501,7 @@
           </p:nvSpPr>
           <p:spPr>
             <a:xfrm>
-              <a:off x="10597115" y="5479124"/>
+              <a:off x="11731937" y="5479124"/>
               <a:ext cx="5344272" cy="811362"/>
             </a:xfrm>
             <a:prstGeom prst="rect">
@@ -6060,12 +4527,15 @@
           </p:nvSpPr>
           <p:spPr>
             <a:xfrm>
-              <a:off x="8506031" y="4959221"/>
+              <a:off x="9640853" y="4959221"/>
               <a:ext cx="4958417" cy="1764196"/>
             </a:xfrm>
             <a:prstGeom prst="roundRect">
               <a:avLst/>
             </a:prstGeom>
+            <a:solidFill>
+              <a:schemeClr val="tx2"/>
+            </a:solidFill>
           </p:spPr>
           <p:style>
             <a:lnRef idx="2">
@@ -6110,7 +4580,7 @@
           </p:nvGrpSpPr>
           <p:grpSpPr>
             <a:xfrm>
-              <a:off x="1693116" y="7170048"/>
+              <a:off x="2827938" y="7170048"/>
               <a:ext cx="7691656" cy="5634053"/>
               <a:chOff x="1201544" y="7457772"/>
               <a:chExt cx="7691656" cy="5634053"/>
@@ -6564,7 +5034,7 @@
           </p:nvSpPr>
           <p:spPr>
             <a:xfrm>
-              <a:off x="10268530" y="10306736"/>
+              <a:off x="11403352" y="10306736"/>
               <a:ext cx="8257409" cy="2062103"/>
             </a:xfrm>
             <a:prstGeom prst="rect">
@@ -6651,7 +5121,7 @@
           </p:nvSpPr>
           <p:spPr>
             <a:xfrm rot="21434109">
-              <a:off x="91184" y="12504457"/>
+              <a:off x="1226006" y="12504457"/>
               <a:ext cx="4283591" cy="2504004"/>
             </a:xfrm>
             <a:prstGeom prst="irregularSeal1">
@@ -6706,7 +5176,7 @@
           </p:nvSpPr>
           <p:spPr>
             <a:xfrm>
-              <a:off x="4333688" y="12557439"/>
+              <a:off x="5468510" y="12557439"/>
               <a:ext cx="4559511" cy="2438531"/>
             </a:xfrm>
             <a:prstGeom prst="irregularSeal1">
@@ -6761,12 +5231,15 @@
           </p:nvSpPr>
           <p:spPr>
             <a:xfrm>
-              <a:off x="244453" y="6434604"/>
+              <a:off x="1379275" y="6434604"/>
               <a:ext cx="4958417" cy="1764196"/>
             </a:xfrm>
             <a:prstGeom prst="roundRect">
               <a:avLst/>
             </a:prstGeom>
+            <a:solidFill>
+              <a:schemeClr val="tx2"/>
+            </a:solidFill>
           </p:spPr>
           <p:style>
             <a:lnRef idx="2">
@@ -6813,12 +5286,15 @@
           </p:nvSpPr>
           <p:spPr>
             <a:xfrm>
-              <a:off x="9568138" y="8717144"/>
+              <a:off x="10702960" y="8717144"/>
               <a:ext cx="554640" cy="1740702"/>
             </a:xfrm>
             <a:prstGeom prst="rightArrow">
               <a:avLst/>
             </a:prstGeom>
+            <a:solidFill>
+              <a:schemeClr val="tx2"/>
+            </a:solidFill>
           </p:spPr>
           <p:style>
             <a:lnRef idx="2">
@@ -6853,7 +5329,7 @@
           </p:nvSpPr>
           <p:spPr>
             <a:xfrm>
-              <a:off x="10382746" y="13475411"/>
+              <a:off x="11517568" y="13475411"/>
               <a:ext cx="8028975" cy="2458518"/>
             </a:xfrm>
             <a:prstGeom prst="rect">
@@ -7001,12 +5477,15 @@
           </p:nvSpPr>
           <p:spPr>
             <a:xfrm rot="5400000">
-              <a:off x="13771839" y="12051774"/>
+              <a:off x="14906661" y="12051774"/>
               <a:ext cx="1106572" cy="1740702"/>
             </a:xfrm>
             <a:prstGeom prst="rightArrow">
               <a:avLst/>
             </a:prstGeom>
+            <a:solidFill>
+              <a:schemeClr val="tx2"/>
+            </a:solidFill>
           </p:spPr>
           <p:style>
             <a:lnRef idx="2">
@@ -7042,13 +5521,13 @@
         </p:nvSpPr>
         <p:spPr>
           <a:xfrm>
-            <a:off x="6089559" y="22762459"/>
-            <a:ext cx="5229631" cy="5336307"/>
+            <a:off x="7249784" y="22921699"/>
+            <a:ext cx="4053357" cy="5336307"/>
           </a:xfrm>
           <a:prstGeom prst="wedgeRectCallout">
             <a:avLst>
-              <a:gd name="adj1" fmla="val 72056"/>
-              <a:gd name="adj2" fmla="val 12165"/>
+              <a:gd name="adj1" fmla="val 77696"/>
+              <a:gd name="adj2" fmla="val 8952"/>
             </a:avLst>
           </a:prstGeom>
           <a:solidFill>
@@ -7056,7 +5535,7 @@
           </a:solidFill>
           <a:ln w="76200">
             <a:solidFill>
-              <a:schemeClr val="accent1"/>
+              <a:schemeClr val="tx2"/>
             </a:solidFill>
           </a:ln>
         </p:spPr>
@@ -7087,16 +5566,16 @@
       </p:sp>
       <p:grpSp>
         <p:nvGrpSpPr>
-          <p:cNvPr id="35" name="グループ化 34"/>
+          <p:cNvPr id="40" name="グループ化 39"/>
           <p:cNvGrpSpPr/>
           <p:nvPr/>
         </p:nvGrpSpPr>
         <p:grpSpPr>
           <a:xfrm>
-            <a:off x="6302060" y="23077467"/>
-            <a:ext cx="4707713" cy="4770023"/>
-            <a:chOff x="1209632" y="23276891"/>
-            <a:chExt cx="4165989" cy="4233021"/>
+            <a:off x="7407207" y="23123784"/>
+            <a:ext cx="3738509" cy="4813179"/>
+            <a:chOff x="6781087" y="23040767"/>
+            <a:chExt cx="3738509" cy="4813179"/>
           </a:xfrm>
         </p:grpSpPr>
         <p:sp>
@@ -7107,8 +5586,8 @@
           </p:nvSpPr>
           <p:spPr>
             <a:xfrm>
-              <a:off x="1209632" y="26532701"/>
-              <a:ext cx="1043976" cy="977211"/>
+              <a:off x="6781087" y="26752766"/>
+              <a:ext cx="1179729" cy="1101180"/>
             </a:xfrm>
             <a:prstGeom prst="rect">
               <a:avLst/>
@@ -7150,8 +5629,8 @@
           </p:nvSpPr>
           <p:spPr>
             <a:xfrm>
-              <a:off x="1224488" y="23276891"/>
-              <a:ext cx="1043976" cy="1872208"/>
+              <a:off x="6810757" y="23040767"/>
+              <a:ext cx="1179729" cy="2109717"/>
             </a:xfrm>
             <a:prstGeom prst="rect">
               <a:avLst/>
@@ -7193,12 +5672,15 @@
           </p:nvSpPr>
           <p:spPr>
             <a:xfrm>
-              <a:off x="1446608" y="23422682"/>
-              <a:ext cx="2227171" cy="635911"/>
+              <a:off x="7020992" y="23241753"/>
+              <a:ext cx="2065639" cy="716583"/>
             </a:xfrm>
             <a:prstGeom prst="rect">
               <a:avLst/>
             </a:prstGeom>
+            <a:solidFill>
+              <a:schemeClr val="tx2"/>
+            </a:solidFill>
           </p:spPr>
           <p:style>
             <a:lnRef idx="2">
@@ -7245,12 +5727,15 @@
           </p:nvSpPr>
           <p:spPr>
             <a:xfrm>
-              <a:off x="1446609" y="24286778"/>
-              <a:ext cx="2227171" cy="635911"/>
+              <a:off x="7020992" y="24215468"/>
+              <a:ext cx="2065641" cy="716583"/>
             </a:xfrm>
             <a:prstGeom prst="rect">
               <a:avLst/>
             </a:prstGeom>
+            <a:solidFill>
+              <a:schemeClr val="tx2"/>
+            </a:solidFill>
           </p:spPr>
           <p:style>
             <a:lnRef idx="2">
@@ -7297,12 +5782,15 @@
           </p:nvSpPr>
           <p:spPr>
             <a:xfrm>
-              <a:off x="1488114" y="26679550"/>
-              <a:ext cx="2227171" cy="635911"/>
+              <a:off x="7020992" y="26911788"/>
+              <a:ext cx="2112544" cy="716583"/>
             </a:xfrm>
             <a:prstGeom prst="rect">
               <a:avLst/>
             </a:prstGeom>
+            <a:solidFill>
+              <a:schemeClr val="tx2"/>
+            </a:solidFill>
           </p:spPr>
           <p:style>
             <a:lnRef idx="2">
@@ -7349,8 +5837,8 @@
           </p:nvSpPr>
           <p:spPr>
             <a:xfrm>
-              <a:off x="1224488" y="25365123"/>
-              <a:ext cx="1043976" cy="977211"/>
+              <a:off x="6810755" y="25417359"/>
+              <a:ext cx="1179729" cy="1101180"/>
             </a:xfrm>
             <a:prstGeom prst="rect">
               <a:avLst/>
@@ -7392,12 +5880,15 @@
           </p:nvSpPr>
           <p:spPr>
             <a:xfrm>
-              <a:off x="1468716" y="25535772"/>
-              <a:ext cx="2227171" cy="635911"/>
+              <a:off x="7020992" y="25622910"/>
+              <a:ext cx="2090624" cy="716583"/>
             </a:xfrm>
             <a:prstGeom prst="rect">
               <a:avLst/>
             </a:prstGeom>
+            <a:solidFill>
+              <a:schemeClr val="tx2"/>
+            </a:solidFill>
           </p:spPr>
           <p:style>
             <a:lnRef idx="2">
@@ -7444,10 +5935,10 @@
           </p:nvGrpSpPr>
           <p:grpSpPr>
             <a:xfrm>
-              <a:off x="3691880" y="23346759"/>
-              <a:ext cx="1660336" cy="787758"/>
+              <a:off x="9107087" y="23156198"/>
+              <a:ext cx="1412509" cy="887693"/>
               <a:chOff x="7020992" y="25863749"/>
-              <a:chExt cx="1660336" cy="787758"/>
+              <a:chExt cx="1249969" cy="787758"/>
             </a:xfrm>
           </p:grpSpPr>
           <p:sp>
@@ -7458,8 +5949,8 @@
             </p:nvSpPr>
             <p:spPr>
               <a:xfrm>
-                <a:off x="7020992" y="25863749"/>
-                <a:ext cx="1660335" cy="337216"/>
+                <a:off x="7020993" y="25863749"/>
+                <a:ext cx="1249968" cy="337216"/>
               </a:xfrm>
               <a:prstGeom prst="roundRect">
                 <a:avLst/>
@@ -7506,7 +5997,7 @@
             <p:spPr>
               <a:xfrm>
                 <a:off x="7020992" y="26314291"/>
-                <a:ext cx="1660336" cy="337216"/>
+                <a:ext cx="1249968" cy="337216"/>
               </a:xfrm>
               <a:prstGeom prst="roundRect">
                 <a:avLst/>
@@ -7553,10 +6044,10 @@
           </p:nvGrpSpPr>
           <p:grpSpPr>
             <a:xfrm>
-              <a:off x="3673780" y="24210854"/>
-              <a:ext cx="1660336" cy="787758"/>
+              <a:off x="9086634" y="24129913"/>
+              <a:ext cx="1432961" cy="887693"/>
               <a:chOff x="7020992" y="25863749"/>
-              <a:chExt cx="1660336" cy="787758"/>
+              <a:chExt cx="1268068" cy="787758"/>
             </a:xfrm>
           </p:grpSpPr>
           <p:sp>
@@ -7568,7 +6059,7 @@
             <p:spPr>
               <a:xfrm>
                 <a:off x="7020992" y="25863749"/>
-                <a:ext cx="1660335" cy="337216"/>
+                <a:ext cx="1268068" cy="337216"/>
               </a:xfrm>
               <a:prstGeom prst="roundRect">
                 <a:avLst/>
@@ -7615,7 +6106,7 @@
             <p:spPr>
               <a:xfrm>
                 <a:off x="7020992" y="26314291"/>
-                <a:ext cx="1660336" cy="337216"/>
+                <a:ext cx="1268068" cy="337216"/>
               </a:xfrm>
               <a:prstGeom prst="roundRect">
                 <a:avLst/>
@@ -7662,10 +6153,10 @@
           </p:nvGrpSpPr>
           <p:grpSpPr>
             <a:xfrm>
-              <a:off x="3715285" y="25459848"/>
-              <a:ext cx="1660336" cy="787758"/>
+              <a:off x="9133536" y="25537354"/>
+              <a:ext cx="1386059" cy="887693"/>
               <a:chOff x="7020992" y="25863749"/>
-              <a:chExt cx="1660336" cy="787758"/>
+              <a:chExt cx="1226563" cy="787758"/>
             </a:xfrm>
           </p:grpSpPr>
           <p:sp>
@@ -7677,7 +6168,7 @@
             <p:spPr>
               <a:xfrm>
                 <a:off x="7020992" y="25863749"/>
-                <a:ext cx="1660335" cy="337216"/>
+                <a:ext cx="1226563" cy="337216"/>
               </a:xfrm>
               <a:prstGeom prst="roundRect">
                 <a:avLst/>
@@ -7724,7 +6215,7 @@
             <p:spPr>
               <a:xfrm>
                 <a:off x="7020992" y="26314291"/>
-                <a:ext cx="1660336" cy="337216"/>
+                <a:ext cx="1226563" cy="337216"/>
               </a:xfrm>
               <a:prstGeom prst="roundRect">
                 <a:avLst/>
@@ -7771,10 +6262,10 @@
           </p:nvGrpSpPr>
           <p:grpSpPr>
             <a:xfrm>
-              <a:off x="3714451" y="26603626"/>
-              <a:ext cx="1660336" cy="787758"/>
+              <a:off x="9132593" y="26826232"/>
+              <a:ext cx="1387000" cy="887693"/>
               <a:chOff x="7020992" y="25863749"/>
-              <a:chExt cx="1660336" cy="787758"/>
+              <a:chExt cx="1227396" cy="787758"/>
             </a:xfrm>
           </p:grpSpPr>
           <p:sp>
@@ -7786,7 +6277,7 @@
             <p:spPr>
               <a:xfrm>
                 <a:off x="7020992" y="25863749"/>
-                <a:ext cx="1660335" cy="337216"/>
+                <a:ext cx="1227396" cy="337216"/>
               </a:xfrm>
               <a:prstGeom prst="roundRect">
                 <a:avLst/>
@@ -7833,7 +6324,7 @@
             <p:spPr>
               <a:xfrm>
                 <a:off x="7020992" y="26314291"/>
-                <a:ext cx="1660336" cy="337216"/>
+                <a:ext cx="1227396" cy="337216"/>
               </a:xfrm>
               <a:prstGeom prst="roundRect">
                 <a:avLst/>
@@ -7875,7 +6366,7 @@
       </p:grpSp>
       <p:grpSp>
         <p:nvGrpSpPr>
-          <p:cNvPr id="52" name="グループ化 51"/>
+          <p:cNvPr id="10" name="グループ化 9"/>
           <p:cNvGrpSpPr/>
           <p:nvPr/>
         </p:nvGrpSpPr>
@@ -7974,6 +6465,11 @@
                 <a:avLst/>
               </a:prstGeom>
               <a:noFill/>
+              <a:ln>
+                <a:solidFill>
+                  <a:schemeClr val="tx2"/>
+                </a:solidFill>
+              </a:ln>
               <a:extLst>
                 <a:ext uri="{909E8E84-426E-40DD-AFC4-6F175D3DCCD1}">
                   <a14:hiddenFill xmlns:a14="http://schemas.microsoft.com/office/drawing/2010/main">
@@ -8007,7 +6503,7 @@
               </a:solidFill>
               <a:ln w="76200">
                 <a:solidFill>
-                  <a:schemeClr val="accent1"/>
+                  <a:schemeClr val="tx2"/>
                 </a:solidFill>
               </a:ln>
             </p:spPr>
@@ -8053,6 +6549,11 @@
               <a:solidFill>
                 <a:srgbClr val="92D050"/>
               </a:solidFill>
+              <a:ln>
+                <a:solidFill>
+                  <a:schemeClr val="tx2"/>
+                </a:solidFill>
+              </a:ln>
             </p:spPr>
             <p:style>
               <a:lnRef idx="2">
@@ -8108,6 +6609,11 @@
               <a:solidFill>
                 <a:srgbClr val="FFFF00"/>
               </a:solidFill>
+              <a:ln>
+                <a:solidFill>
+                  <a:schemeClr val="tx2"/>
+                </a:solidFill>
+              </a:ln>
             </p:spPr>
             <p:style>
               <a:lnRef idx="2">
@@ -8163,6 +6669,11 @@
               <a:solidFill>
                 <a:srgbClr val="00B0F0"/>
               </a:solidFill>
+              <a:ln>
+                <a:solidFill>
+                  <a:schemeClr val="tx2"/>
+                </a:solidFill>
+              </a:ln>
             </p:spPr>
             <p:style>
               <a:lnRef idx="2">
@@ -8231,6 +6742,11 @@
                 <a:avLst/>
               </a:prstGeom>
               <a:noFill/>
+              <a:ln>
+                <a:solidFill>
+                  <a:schemeClr val="tx2"/>
+                </a:solidFill>
+              </a:ln>
               <a:extLst>
                 <a:ext uri="{909E8E84-426E-40DD-AFC4-6F175D3DCCD1}">
                   <a14:hiddenFill xmlns:a14="http://schemas.microsoft.com/office/drawing/2010/main">
@@ -8259,6 +6775,11 @@
               <a:solidFill>
                 <a:srgbClr val="92D050"/>
               </a:solidFill>
+              <a:ln>
+                <a:solidFill>
+                  <a:schemeClr val="tx2"/>
+                </a:solidFill>
+              </a:ln>
             </p:spPr>
             <p:style>
               <a:lnRef idx="2">
@@ -8311,6 +6832,14 @@
               <a:prstGeom prst="roundRect">
                 <a:avLst/>
               </a:prstGeom>
+              <a:solidFill>
+                <a:schemeClr val="tx2"/>
+              </a:solidFill>
+              <a:ln>
+                <a:solidFill>
+                  <a:schemeClr val="tx2"/>
+                </a:solidFill>
+              </a:ln>
             </p:spPr>
             <p:style>
               <a:lnRef idx="2">
@@ -8394,7 +6923,11 @@
             <a:solidFill>
               <a:schemeClr val="bg1"/>
             </a:solidFill>
-            <a:ln w="76200"/>
+            <a:ln w="76200">
+              <a:solidFill>
+                <a:schemeClr val="tx2"/>
+              </a:solidFill>
+            </a:ln>
           </p:spPr>
           <p:style>
             <a:lnRef idx="2">
@@ -8420,20 +6953,14 @@
               <a:r>
                 <a:rPr kumimoji="1" lang="ja-JP" altLang="en-US" sz="6000" b="1" dirty="0" smtClean="0">
                   <a:solidFill>
-                    <a:schemeClr val="tx2">
-                      <a:lumMod val="60000"/>
-                      <a:lumOff val="40000"/>
-                    </a:schemeClr>
+                    <a:schemeClr val="tx2"/>
                   </a:solidFill>
                 </a:rPr>
                 <a:t>研究方法</a:t>
               </a:r>
               <a:endParaRPr kumimoji="1" lang="ja-JP" altLang="en-US" sz="6000" b="1" dirty="0">
                 <a:solidFill>
-                  <a:schemeClr val="tx2">
-                    <a:lumMod val="60000"/>
-                    <a:lumOff val="40000"/>
-                  </a:schemeClr>
+                  <a:schemeClr val="tx2"/>
                 </a:solidFill>
               </a:endParaRPr>
             </a:p>
@@ -8494,6 +7021,9 @@
             <a:prstGeom prst="roundRect">
               <a:avLst/>
             </a:prstGeom>
+            <a:solidFill>
+              <a:schemeClr val="tx2"/>
+            </a:solidFill>
           </p:spPr>
           <p:style>
             <a:lnRef idx="2">
@@ -8935,6 +7465,9 @@
             <a:prstGeom prst="roundRect">
               <a:avLst/>
             </a:prstGeom>
+            <a:solidFill>
+              <a:schemeClr val="tx2"/>
+            </a:solidFill>
           </p:spPr>
           <p:style>
             <a:lnRef idx="2">
@@ -9016,6 +7549,9 @@
               <a:prstGeom prst="roundRect">
                 <a:avLst/>
               </a:prstGeom>
+              <a:solidFill>
+                <a:schemeClr val="tx2"/>
+              </a:solidFill>
             </p:spPr>
             <p:style>
               <a:lnRef idx="2">
@@ -9193,26 +7729,199 @@
           </p:grpSp>
         </p:grpSp>
       </p:grpSp>
+      <p:grpSp>
+        <p:nvGrpSpPr>
+          <p:cNvPr id="42" name="グループ化 41"/>
+          <p:cNvGrpSpPr/>
+          <p:nvPr/>
+        </p:nvGrpSpPr>
+        <p:grpSpPr>
+          <a:xfrm>
+            <a:off x="97388" y="18723123"/>
+            <a:ext cx="9603699" cy="2255988"/>
+            <a:chOff x="97388" y="19067505"/>
+            <a:chExt cx="9603699" cy="2255988"/>
+          </a:xfrm>
+        </p:grpSpPr>
+        <p:sp>
+          <p:nvSpPr>
+            <p:cNvPr id="93" name="角丸四角形 92"/>
+            <p:cNvSpPr/>
+            <p:nvPr/>
+          </p:nvSpPr>
+          <p:spPr>
+            <a:xfrm>
+              <a:off x="984117" y="19085802"/>
+              <a:ext cx="8716970" cy="2237691"/>
+            </a:xfrm>
+            <a:prstGeom prst="roundRect">
+              <a:avLst/>
+            </a:prstGeom>
+            <a:solidFill>
+              <a:schemeClr val="bg1"/>
+            </a:solidFill>
+            <a:ln w="76200">
+              <a:solidFill>
+                <a:srgbClr val="7030A0"/>
+              </a:solidFill>
+            </a:ln>
+          </p:spPr>
+          <p:style>
+            <a:lnRef idx="2">
+              <a:schemeClr val="accent1">
+                <a:shade val="50000"/>
+              </a:schemeClr>
+            </a:lnRef>
+            <a:fillRef idx="1">
+              <a:schemeClr val="accent1"/>
+            </a:fillRef>
+            <a:effectRef idx="0">
+              <a:schemeClr val="accent1"/>
+            </a:effectRef>
+            <a:fontRef idx="minor">
+              <a:schemeClr val="lt1"/>
+            </a:fontRef>
+          </p:style>
+          <p:txBody>
+            <a:bodyPr rtlCol="0" anchor="ctr"/>
+            <a:lstStyle/>
+            <a:p>
+              <a:pPr algn="ctr"/>
+              <a:r>
+                <a:rPr kumimoji="1" lang="en-US" altLang="ja-JP" sz="4800" b="1" dirty="0" smtClean="0">
+                  <a:solidFill>
+                    <a:schemeClr val="tx1"/>
+                  </a:solidFill>
+                </a:rPr>
+                <a:t>GitHub</a:t>
+              </a:r>
+              <a:r>
+                <a:rPr kumimoji="1" lang="ja-JP" altLang="en-US" sz="4800" b="1" dirty="0" smtClean="0">
+                  <a:solidFill>
+                    <a:schemeClr val="tx1"/>
+                  </a:solidFill>
+                </a:rPr>
+                <a:t>を用いた</a:t>
+              </a:r>
+              <a:endParaRPr kumimoji="1" lang="en-US" altLang="ja-JP" sz="4800" b="1" dirty="0" smtClean="0">
+                <a:solidFill>
+                  <a:schemeClr val="tx1"/>
+                </a:solidFill>
+              </a:endParaRPr>
+            </a:p>
+            <a:p>
+              <a:pPr algn="ctr"/>
+              <a:r>
+                <a:rPr kumimoji="1" lang="ja-JP" altLang="en-US" sz="4800" b="1" dirty="0" smtClean="0">
+                  <a:solidFill>
+                    <a:schemeClr val="tx1"/>
+                  </a:solidFill>
+                </a:rPr>
+                <a:t>開発フロー（方法①）の</a:t>
+              </a:r>
+              <a:endParaRPr kumimoji="1" lang="en-US" altLang="ja-JP" sz="4800" b="1" dirty="0" smtClean="0">
+                <a:solidFill>
+                  <a:schemeClr val="tx1"/>
+                </a:solidFill>
+              </a:endParaRPr>
+            </a:p>
+            <a:p>
+              <a:pPr algn="ctr"/>
+              <a:r>
+                <a:rPr kumimoji="1" lang="ja-JP" altLang="en-US" sz="4800" b="1" dirty="0" smtClean="0">
+                  <a:solidFill>
+                    <a:schemeClr val="tx1"/>
+                  </a:solidFill>
+                </a:rPr>
+                <a:t>調査中</a:t>
+              </a:r>
+              <a:endParaRPr kumimoji="1" lang="ja-JP" altLang="en-US" sz="4800" b="1" dirty="0">
+                <a:solidFill>
+                  <a:schemeClr val="tx1"/>
+                </a:solidFill>
+              </a:endParaRPr>
+            </a:p>
+          </p:txBody>
+        </p:sp>
+        <p:sp>
+          <p:nvSpPr>
+            <p:cNvPr id="92" name="角丸四角形 91"/>
+            <p:cNvSpPr/>
+            <p:nvPr/>
+          </p:nvSpPr>
+          <p:spPr>
+            <a:xfrm>
+              <a:off x="97388" y="19067505"/>
+              <a:ext cx="2243084" cy="1023855"/>
+            </a:xfrm>
+            <a:prstGeom prst="roundRect">
+              <a:avLst/>
+            </a:prstGeom>
+            <a:solidFill>
+              <a:schemeClr val="bg1"/>
+            </a:solidFill>
+            <a:ln w="76200">
+              <a:solidFill>
+                <a:srgbClr val="7030A0"/>
+              </a:solidFill>
+            </a:ln>
+          </p:spPr>
+          <p:style>
+            <a:lnRef idx="2">
+              <a:schemeClr val="accent1">
+                <a:shade val="50000"/>
+              </a:schemeClr>
+            </a:lnRef>
+            <a:fillRef idx="1">
+              <a:schemeClr val="accent1"/>
+            </a:fillRef>
+            <a:effectRef idx="0">
+              <a:schemeClr val="accent1"/>
+            </a:effectRef>
+            <a:fontRef idx="minor">
+              <a:schemeClr val="lt1"/>
+            </a:fontRef>
+          </p:style>
+          <p:txBody>
+            <a:bodyPr rtlCol="0" anchor="ctr"/>
+            <a:lstStyle/>
+            <a:p>
+              <a:pPr algn="ctr"/>
+              <a:r>
+                <a:rPr kumimoji="1" lang="ja-JP" altLang="en-US" sz="5400" b="1" dirty="0" smtClean="0">
+                  <a:solidFill>
+                    <a:schemeClr val="tx1"/>
+                  </a:solidFill>
+                </a:rPr>
+                <a:t>進捗</a:t>
+              </a:r>
+              <a:endParaRPr kumimoji="1" lang="ja-JP" altLang="en-US" sz="5400" b="1" dirty="0">
+                <a:solidFill>
+                  <a:schemeClr val="tx1"/>
+                </a:solidFill>
+              </a:endParaRPr>
+            </a:p>
+          </p:txBody>
+        </p:sp>
+      </p:grpSp>
       <p:sp>
         <p:nvSpPr>
-          <p:cNvPr id="92" name="角丸四角形 91"/>
+          <p:cNvPr id="43" name="正方形/長方形 42"/>
           <p:cNvSpPr/>
           <p:nvPr/>
         </p:nvSpPr>
         <p:spPr>
           <a:xfrm>
-            <a:off x="97388" y="19067505"/>
-            <a:ext cx="2563774" cy="1023855"/>
+            <a:off x="1175473" y="21705810"/>
+            <a:ext cx="5498292" cy="7979793"/>
           </a:xfrm>
-          <a:prstGeom prst="roundRect">
+          <a:prstGeom prst="rect">
             <a:avLst/>
           </a:prstGeom>
-          <a:solidFill>
-            <a:schemeClr val="bg1"/>
-          </a:solidFill>
+          <a:noFill/>
           <a:ln w="76200">
             <a:solidFill>
-              <a:srgbClr val="7030A0"/>
+              <a:schemeClr val="tx2"/>
             </a:solidFill>
           </a:ln>
         </p:spPr>
@@ -9237,15 +7946,1133 @@
           <a:lstStyle/>
           <a:p>
             <a:pPr algn="ctr"/>
-            <a:r>
-              <a:rPr kumimoji="1" lang="ja-JP" altLang="en-US" sz="5400" b="1" dirty="0" smtClean="0">
+            <a:endParaRPr kumimoji="1" lang="ja-JP" altLang="en-US"/>
+          </a:p>
+        </p:txBody>
+      </p:sp>
+      <p:sp>
+        <p:nvSpPr>
+          <p:cNvPr id="44" name="角丸四角形 43"/>
+          <p:cNvSpPr/>
+          <p:nvPr/>
+        </p:nvSpPr>
+        <p:spPr>
+          <a:xfrm>
+            <a:off x="97388" y="21433405"/>
+            <a:ext cx="2940096" cy="906395"/>
+          </a:xfrm>
+          <a:prstGeom prst="roundRect">
+            <a:avLst/>
+          </a:prstGeom>
+          <a:solidFill>
+            <a:schemeClr val="bg1"/>
+          </a:solidFill>
+          <a:ln w="76200">
+            <a:solidFill>
+              <a:schemeClr val="tx2"/>
+            </a:solidFill>
+          </a:ln>
+        </p:spPr>
+        <p:style>
+          <a:lnRef idx="2">
+            <a:schemeClr val="accent1">
+              <a:shade val="50000"/>
+            </a:schemeClr>
+          </a:lnRef>
+          <a:fillRef idx="1">
+            <a:schemeClr val="accent1"/>
+          </a:fillRef>
+          <a:effectRef idx="0">
+            <a:schemeClr val="accent1"/>
+          </a:effectRef>
+          <a:fontRef idx="minor">
+            <a:schemeClr val="lt1"/>
+          </a:fontRef>
+        </p:style>
+        <p:txBody>
+          <a:bodyPr rtlCol="0" anchor="ctr"/>
+          <a:lstStyle/>
+          <a:p>
+            <a:pPr algn="ctr"/>
+            <a:r>
+              <a:rPr kumimoji="1" lang="ja-JP" altLang="en-US" sz="3600" b="1" dirty="0" smtClean="0">
                 <a:solidFill>
                   <a:schemeClr val="tx1"/>
                 </a:solidFill>
               </a:rPr>
-              <a:t>進捗</a:t>
-            </a:r>
-            <a:endParaRPr kumimoji="1" lang="ja-JP" altLang="en-US" sz="5400" b="1" dirty="0">
+              <a:t>開発フロー例</a:t>
+            </a:r>
+            <a:endParaRPr kumimoji="1" lang="ja-JP" altLang="en-US" sz="3600" b="1" dirty="0">
+              <a:solidFill>
+                <a:schemeClr val="tx1"/>
+              </a:solidFill>
+            </a:endParaRPr>
+          </a:p>
+        </p:txBody>
+      </p:sp>
+      <p:pic>
+        <p:nvPicPr>
+          <p:cNvPr id="51" name="Picture 2" descr="C:\Users\onodera\AppData\Local\Microsoft\Windows\Temporary Internet Files\Content.IE5\316MQUAY\MC900432599[1].png"/>
+          <p:cNvPicPr>
+            <a:picLocks noChangeAspect="1" noChangeArrowheads="1"/>
+          </p:cNvPicPr>
+          <p:nvPr/>
+        </p:nvPicPr>
+        <p:blipFill>
+          <a:blip r:embed="rId6">
+            <a:extLst>
+              <a:ext uri="{28A0092B-C50C-407E-A947-70E740481C1C}">
+                <a14:useLocalDpi xmlns:a14="http://schemas.microsoft.com/office/drawing/2010/main" val="0"/>
+              </a:ext>
+            </a:extLst>
+          </a:blip>
+          <a:srcRect/>
+          <a:stretch>
+            <a:fillRect/>
+          </a:stretch>
+        </p:blipFill>
+        <p:spPr bwMode="auto">
+          <a:xfrm>
+            <a:off x="5115642" y="21918341"/>
+            <a:ext cx="1446242" cy="1446242"/>
+          </a:xfrm>
+          <a:prstGeom prst="rect">
+            <a:avLst/>
+          </a:prstGeom>
+          <a:noFill/>
+          <a:extLst>
+            <a:ext uri="{909E8E84-426E-40DD-AFC4-6F175D3DCCD1}">
+              <a14:hiddenFill xmlns:a14="http://schemas.microsoft.com/office/drawing/2010/main">
+                <a:solidFill>
+                  <a:srgbClr val="FFFFFF"/>
+                </a:solidFill>
+              </a14:hiddenFill>
+            </a:ext>
+          </a:extLst>
+        </p:spPr>
+      </p:pic>
+      <p:pic>
+        <p:nvPicPr>
+          <p:cNvPr id="52" name="Picture 3" descr="C:\Users\onodera\AppData\Local\Microsoft\Windows\Temporary Internet Files\Content.IE5\O2XNIEDN\MC900432605[1].png"/>
+          <p:cNvPicPr>
+            <a:picLocks noChangeAspect="1" noChangeArrowheads="1"/>
+          </p:cNvPicPr>
+          <p:nvPr/>
+        </p:nvPicPr>
+        <p:blipFill>
+          <a:blip r:embed="rId10">
+            <a:extLst>
+              <a:ext uri="{28A0092B-C50C-407E-A947-70E740481C1C}">
+                <a14:useLocalDpi xmlns:a14="http://schemas.microsoft.com/office/drawing/2010/main" val="0"/>
+              </a:ext>
+            </a:extLst>
+          </a:blip>
+          <a:srcRect/>
+          <a:stretch>
+            <a:fillRect/>
+          </a:stretch>
+        </p:blipFill>
+        <p:spPr bwMode="auto">
+          <a:xfrm>
+            <a:off x="5069260" y="28124549"/>
+            <a:ext cx="1561054" cy="1561054"/>
+          </a:xfrm>
+          <a:prstGeom prst="rect">
+            <a:avLst/>
+          </a:prstGeom>
+          <a:noFill/>
+          <a:extLst>
+            <a:ext uri="{909E8E84-426E-40DD-AFC4-6F175D3DCCD1}">
+              <a14:hiddenFill xmlns:a14="http://schemas.microsoft.com/office/drawing/2010/main">
+                <a:solidFill>
+                  <a:srgbClr val="FFFFFF"/>
+                </a:solidFill>
+              </a14:hiddenFill>
+            </a:ext>
+          </a:extLst>
+        </p:spPr>
+      </p:pic>
+      <p:pic>
+        <p:nvPicPr>
+          <p:cNvPr id="54" name="Picture 4"/>
+          <p:cNvPicPr>
+            <a:picLocks noChangeAspect="1" noChangeArrowheads="1"/>
+          </p:cNvPicPr>
+          <p:nvPr/>
+        </p:nvPicPr>
+        <p:blipFill>
+          <a:blip r:embed="rId11">
+            <a:extLst>
+              <a:ext uri="{28A0092B-C50C-407E-A947-70E740481C1C}">
+                <a14:useLocalDpi xmlns:a14="http://schemas.microsoft.com/office/drawing/2010/main" val="0"/>
+              </a:ext>
+            </a:extLst>
+          </a:blip>
+          <a:srcRect/>
+          <a:stretch>
+            <a:fillRect/>
+          </a:stretch>
+        </p:blipFill>
+        <p:spPr bwMode="auto">
+          <a:xfrm>
+            <a:off x="2615916" y="22737972"/>
+            <a:ext cx="1084665" cy="1084665"/>
+          </a:xfrm>
+          <a:prstGeom prst="rect">
+            <a:avLst/>
+          </a:prstGeom>
+          <a:noFill/>
+          <a:ln>
+            <a:noFill/>
+          </a:ln>
+          <a:extLst>
+            <a:ext uri="{909E8E84-426E-40DD-AFC4-6F175D3DCCD1}">
+              <a14:hiddenFill xmlns:a14="http://schemas.microsoft.com/office/drawing/2010/main">
+                <a:solidFill>
+                  <a:schemeClr val="accent1"/>
+                </a:solidFill>
+              </a14:hiddenFill>
+            </a:ext>
+            <a:ext uri="{91240B29-F687-4F45-9708-019B960494DF}">
+              <a14:hiddenLine xmlns:a14="http://schemas.microsoft.com/office/drawing/2010/main" w="9525">
+                <a:solidFill>
+                  <a:schemeClr val="tx1"/>
+                </a:solidFill>
+                <a:miter lim="800000"/>
+                <a:headEnd/>
+                <a:tailEnd/>
+              </a14:hiddenLine>
+            </a:ext>
+          </a:extLst>
+        </p:spPr>
+      </p:pic>
+      <p:pic>
+        <p:nvPicPr>
+          <p:cNvPr id="94" name="Picture 2" descr="C:\Users\onodera\AppData\Local\Microsoft\Windows\Temporary Internet Files\Content.IE5\316MQUAY\MC900432599[1].png"/>
+          <p:cNvPicPr>
+            <a:picLocks noChangeAspect="1" noChangeArrowheads="1"/>
+          </p:cNvPicPr>
+          <p:nvPr/>
+        </p:nvPicPr>
+        <p:blipFill>
+          <a:blip r:embed="rId6">
+            <a:extLst>
+              <a:ext uri="{28A0092B-C50C-407E-A947-70E740481C1C}">
+                <a14:useLocalDpi xmlns:a14="http://schemas.microsoft.com/office/drawing/2010/main" val="0"/>
+              </a:ext>
+            </a:extLst>
+          </a:blip>
+          <a:srcRect/>
+          <a:stretch>
+            <a:fillRect/>
+          </a:stretch>
+        </p:blipFill>
+        <p:spPr bwMode="auto">
+          <a:xfrm>
+            <a:off x="3465259" y="23285439"/>
+            <a:ext cx="1455254" cy="1455254"/>
+          </a:xfrm>
+          <a:prstGeom prst="rect">
+            <a:avLst/>
+          </a:prstGeom>
+          <a:noFill/>
+          <a:extLst>
+            <a:ext uri="{909E8E84-426E-40DD-AFC4-6F175D3DCCD1}">
+              <a14:hiddenFill xmlns:a14="http://schemas.microsoft.com/office/drawing/2010/main">
+                <a:solidFill>
+                  <a:srgbClr val="FFFFFF"/>
+                </a:solidFill>
+              </a14:hiddenFill>
+            </a:ext>
+          </a:extLst>
+        </p:spPr>
+      </p:pic>
+      <p:cxnSp>
+        <p:nvCxnSpPr>
+          <p:cNvPr id="100" name="直線コネクタ 99"/>
+          <p:cNvCxnSpPr>
+            <a:stCxn id="94" idx="3"/>
+            <a:endCxn id="51" idx="2"/>
+          </p:cNvCxnSpPr>
+          <p:nvPr/>
+        </p:nvCxnSpPr>
+        <p:spPr>
+          <a:xfrm flipV="1">
+            <a:off x="4920513" y="23364583"/>
+            <a:ext cx="918250" cy="648483"/>
+          </a:xfrm>
+          <a:prstGeom prst="line">
+            <a:avLst/>
+          </a:prstGeom>
+          <a:ln w="76200">
+            <a:solidFill>
+              <a:srgbClr val="FF0000"/>
+            </a:solidFill>
+          </a:ln>
+        </p:spPr>
+        <p:style>
+          <a:lnRef idx="1">
+            <a:schemeClr val="accent1"/>
+          </a:lnRef>
+          <a:fillRef idx="0">
+            <a:schemeClr val="accent1"/>
+          </a:fillRef>
+          <a:effectRef idx="0">
+            <a:schemeClr val="accent1"/>
+          </a:effectRef>
+          <a:fontRef idx="minor">
+            <a:schemeClr val="tx1"/>
+          </a:fontRef>
+        </p:style>
+      </p:cxnSp>
+      <p:pic>
+        <p:nvPicPr>
+          <p:cNvPr id="122" name="Picture 3" descr="C:\Users\onodera\AppData\Local\Microsoft\Windows\Temporary Internet Files\Content.IE5\O2XNIEDN\MC900432605[1].png"/>
+          <p:cNvPicPr>
+            <a:picLocks noChangeAspect="1" noChangeArrowheads="1"/>
+          </p:cNvPicPr>
+          <p:nvPr/>
+        </p:nvPicPr>
+        <p:blipFill>
+          <a:blip r:embed="rId10">
+            <a:extLst>
+              <a:ext uri="{28A0092B-C50C-407E-A947-70E740481C1C}">
+                <a14:useLocalDpi xmlns:a14="http://schemas.microsoft.com/office/drawing/2010/main" val="0"/>
+              </a:ext>
+            </a:extLst>
+          </a:blip>
+          <a:srcRect/>
+          <a:stretch>
+            <a:fillRect/>
+          </a:stretch>
+        </p:blipFill>
+        <p:spPr bwMode="auto">
+          <a:xfrm>
+            <a:off x="2281221" y="24911591"/>
+            <a:ext cx="1440025" cy="1440025"/>
+          </a:xfrm>
+          <a:prstGeom prst="rect">
+            <a:avLst/>
+          </a:prstGeom>
+          <a:noFill/>
+          <a:extLst>
+            <a:ext uri="{909E8E84-426E-40DD-AFC4-6F175D3DCCD1}">
+              <a14:hiddenFill xmlns:a14="http://schemas.microsoft.com/office/drawing/2010/main">
+                <a:solidFill>
+                  <a:srgbClr val="FFFFFF"/>
+                </a:solidFill>
+              </a14:hiddenFill>
+            </a:ext>
+          </a:extLst>
+        </p:spPr>
+      </p:pic>
+      <p:sp>
+        <p:nvSpPr>
+          <p:cNvPr id="132" name="角丸四角形 131"/>
+          <p:cNvSpPr/>
+          <p:nvPr/>
+        </p:nvSpPr>
+        <p:spPr>
+          <a:xfrm>
+            <a:off x="3999900" y="24034090"/>
+            <a:ext cx="1115742" cy="674600"/>
+          </a:xfrm>
+          <a:prstGeom prst="roundRect">
+            <a:avLst/>
+          </a:prstGeom>
+          <a:solidFill>
+            <a:schemeClr val="bg1"/>
+          </a:solidFill>
+          <a:ln w="76200">
+            <a:solidFill>
+              <a:schemeClr val="tx2"/>
+            </a:solidFill>
+          </a:ln>
+        </p:spPr>
+        <p:style>
+          <a:lnRef idx="2">
+            <a:schemeClr val="accent1">
+              <a:shade val="50000"/>
+            </a:schemeClr>
+          </a:lnRef>
+          <a:fillRef idx="1">
+            <a:schemeClr val="accent1"/>
+          </a:fillRef>
+          <a:effectRef idx="0">
+            <a:schemeClr val="accent1"/>
+          </a:effectRef>
+          <a:fontRef idx="minor">
+            <a:schemeClr val="lt1"/>
+          </a:fontRef>
+        </p:style>
+        <p:txBody>
+          <a:bodyPr rtlCol="0" anchor="ctr"/>
+          <a:lstStyle/>
+          <a:p>
+            <a:pPr algn="ctr"/>
+            <a:r>
+              <a:rPr lang="ja-JP" altLang="en-US" sz="3200" b="1" dirty="0">
+                <a:solidFill>
+                  <a:schemeClr val="tx1"/>
+                </a:solidFill>
+              </a:rPr>
+              <a:t>変更</a:t>
+            </a:r>
+            <a:endParaRPr kumimoji="1" lang="ja-JP" altLang="en-US" sz="3200" b="1" dirty="0">
+              <a:solidFill>
+                <a:schemeClr val="tx1"/>
+              </a:solidFill>
+            </a:endParaRPr>
+          </a:p>
+        </p:txBody>
+      </p:sp>
+      <p:cxnSp>
+        <p:nvCxnSpPr>
+          <p:cNvPr id="126" name="直線コネクタ 125"/>
+          <p:cNvCxnSpPr>
+            <a:stCxn id="122" idx="0"/>
+            <a:endCxn id="132" idx="1"/>
+          </p:cNvCxnSpPr>
+          <p:nvPr/>
+        </p:nvCxnSpPr>
+        <p:spPr>
+          <a:xfrm flipV="1">
+            <a:off x="3001234" y="24371390"/>
+            <a:ext cx="998666" cy="540201"/>
+          </a:xfrm>
+          <a:prstGeom prst="line">
+            <a:avLst/>
+          </a:prstGeom>
+          <a:ln w="76200">
+            <a:solidFill>
+              <a:srgbClr val="FF0000"/>
+            </a:solidFill>
+          </a:ln>
+        </p:spPr>
+        <p:style>
+          <a:lnRef idx="1">
+            <a:schemeClr val="accent1"/>
+          </a:lnRef>
+          <a:fillRef idx="0">
+            <a:schemeClr val="accent1"/>
+          </a:fillRef>
+          <a:effectRef idx="0">
+            <a:schemeClr val="accent1"/>
+          </a:effectRef>
+          <a:fontRef idx="minor">
+            <a:schemeClr val="tx1"/>
+          </a:fontRef>
+        </p:style>
+      </p:cxnSp>
+      <p:sp>
+        <p:nvSpPr>
+          <p:cNvPr id="139" name="角丸四角形 138"/>
+          <p:cNvSpPr/>
+          <p:nvPr/>
+        </p:nvSpPr>
+        <p:spPr>
+          <a:xfrm>
+            <a:off x="5305369" y="27177488"/>
+            <a:ext cx="1066786" cy="601440"/>
+          </a:xfrm>
+          <a:prstGeom prst="roundRect">
+            <a:avLst/>
+          </a:prstGeom>
+          <a:solidFill>
+            <a:schemeClr val="bg1"/>
+          </a:solidFill>
+          <a:ln w="76200">
+            <a:solidFill>
+              <a:schemeClr val="tx2"/>
+            </a:solidFill>
+          </a:ln>
+        </p:spPr>
+        <p:style>
+          <a:lnRef idx="2">
+            <a:schemeClr val="accent1">
+              <a:shade val="50000"/>
+            </a:schemeClr>
+          </a:lnRef>
+          <a:fillRef idx="1">
+            <a:schemeClr val="accent1"/>
+          </a:fillRef>
+          <a:effectRef idx="0">
+            <a:schemeClr val="accent1"/>
+          </a:effectRef>
+          <a:fontRef idx="minor">
+            <a:schemeClr val="lt1"/>
+          </a:fontRef>
+        </p:style>
+        <p:txBody>
+          <a:bodyPr rtlCol="0" anchor="ctr"/>
+          <a:lstStyle/>
+          <a:p>
+            <a:pPr algn="ctr"/>
+            <a:r>
+              <a:rPr lang="ja-JP" altLang="en-US" sz="3200" b="1" dirty="0">
+                <a:solidFill>
+                  <a:schemeClr val="tx1"/>
+                </a:solidFill>
+              </a:rPr>
+              <a:t>統合</a:t>
+            </a:r>
+            <a:endParaRPr kumimoji="1" lang="ja-JP" altLang="en-US" sz="3200" b="1" dirty="0">
+              <a:solidFill>
+                <a:schemeClr val="tx1"/>
+              </a:solidFill>
+            </a:endParaRPr>
+          </a:p>
+        </p:txBody>
+      </p:sp>
+      <p:pic>
+        <p:nvPicPr>
+          <p:cNvPr id="140" name="Picture 2" descr="C:\Users\onodera\AppData\Local\Microsoft\Windows\Temporary Internet Files\Content.IE5\316MQUAY\MC900432599[1].png"/>
+          <p:cNvPicPr>
+            <a:picLocks noChangeAspect="1" noChangeArrowheads="1"/>
+          </p:cNvPicPr>
+          <p:nvPr/>
+        </p:nvPicPr>
+        <p:blipFill>
+          <a:blip r:embed="rId6">
+            <a:extLst>
+              <a:ext uri="{28A0092B-C50C-407E-A947-70E740481C1C}">
+                <a14:useLocalDpi xmlns:a14="http://schemas.microsoft.com/office/drawing/2010/main" val="0"/>
+              </a:ext>
+            </a:extLst>
+          </a:blip>
+          <a:srcRect/>
+          <a:stretch>
+            <a:fillRect/>
+          </a:stretch>
+        </p:blipFill>
+        <p:spPr bwMode="auto">
+          <a:xfrm>
+            <a:off x="5059701" y="24841309"/>
+            <a:ext cx="1558123" cy="1558123"/>
+          </a:xfrm>
+          <a:prstGeom prst="rect">
+            <a:avLst/>
+          </a:prstGeom>
+          <a:noFill/>
+          <a:extLst>
+            <a:ext uri="{909E8E84-426E-40DD-AFC4-6F175D3DCCD1}">
+              <a14:hiddenFill xmlns:a14="http://schemas.microsoft.com/office/drawing/2010/main">
+                <a:solidFill>
+                  <a:srgbClr val="FFFFFF"/>
+                </a:solidFill>
+              </a14:hiddenFill>
+            </a:ext>
+          </a:extLst>
+        </p:spPr>
+      </p:pic>
+      <p:cxnSp>
+        <p:nvCxnSpPr>
+          <p:cNvPr id="1030" name="直線コネクタ 1029"/>
+          <p:cNvCxnSpPr>
+            <a:stCxn id="51" idx="2"/>
+            <a:endCxn id="140" idx="0"/>
+          </p:cNvCxnSpPr>
+          <p:nvPr/>
+        </p:nvCxnSpPr>
+        <p:spPr>
+          <a:xfrm>
+            <a:off x="5838763" y="23364583"/>
+            <a:ext cx="0" cy="1476726"/>
+          </a:xfrm>
+          <a:prstGeom prst="line">
+            <a:avLst/>
+          </a:prstGeom>
+          <a:ln w="76200">
+            <a:solidFill>
+              <a:srgbClr val="0070C0"/>
+            </a:solidFill>
+          </a:ln>
+        </p:spPr>
+        <p:style>
+          <a:lnRef idx="1">
+            <a:schemeClr val="accent1"/>
+          </a:lnRef>
+          <a:fillRef idx="0">
+            <a:schemeClr val="accent1"/>
+          </a:fillRef>
+          <a:effectRef idx="0">
+            <a:schemeClr val="accent1"/>
+          </a:effectRef>
+          <a:fontRef idx="minor">
+            <a:schemeClr val="tx1"/>
+          </a:fontRef>
+        </p:style>
+      </p:cxnSp>
+      <p:cxnSp>
+        <p:nvCxnSpPr>
+          <p:cNvPr id="1044" name="直線コネクタ 1043"/>
+          <p:cNvCxnSpPr>
+            <a:stCxn id="140" idx="2"/>
+            <a:endCxn id="139" idx="0"/>
+          </p:cNvCxnSpPr>
+          <p:nvPr/>
+        </p:nvCxnSpPr>
+        <p:spPr>
+          <a:xfrm flipH="1">
+            <a:off x="5838762" y="26399432"/>
+            <a:ext cx="1" cy="778056"/>
+          </a:xfrm>
+          <a:prstGeom prst="line">
+            <a:avLst/>
+          </a:prstGeom>
+          <a:ln w="76200">
+            <a:solidFill>
+              <a:srgbClr val="0070C0"/>
+            </a:solidFill>
+          </a:ln>
+        </p:spPr>
+        <p:style>
+          <a:lnRef idx="1">
+            <a:schemeClr val="accent1"/>
+          </a:lnRef>
+          <a:fillRef idx="0">
+            <a:schemeClr val="accent1"/>
+          </a:fillRef>
+          <a:effectRef idx="0">
+            <a:schemeClr val="accent1"/>
+          </a:effectRef>
+          <a:fontRef idx="minor">
+            <a:schemeClr val="tx1"/>
+          </a:fontRef>
+        </p:style>
+      </p:cxnSp>
+      <p:cxnSp>
+        <p:nvCxnSpPr>
+          <p:cNvPr id="174" name="直線コネクタ 173"/>
+          <p:cNvCxnSpPr>
+            <a:stCxn id="122" idx="2"/>
+            <a:endCxn id="133" idx="1"/>
+          </p:cNvCxnSpPr>
+          <p:nvPr/>
+        </p:nvCxnSpPr>
+        <p:spPr>
+          <a:xfrm>
+            <a:off x="3001234" y="26351616"/>
+            <a:ext cx="900036" cy="466790"/>
+          </a:xfrm>
+          <a:prstGeom prst="line">
+            <a:avLst/>
+          </a:prstGeom>
+          <a:ln w="76200">
+            <a:solidFill>
+              <a:srgbClr val="FF0000"/>
+            </a:solidFill>
+          </a:ln>
+        </p:spPr>
+        <p:style>
+          <a:lnRef idx="1">
+            <a:schemeClr val="accent1"/>
+          </a:lnRef>
+          <a:fillRef idx="0">
+            <a:schemeClr val="accent1"/>
+          </a:fillRef>
+          <a:effectRef idx="0">
+            <a:schemeClr val="accent1"/>
+          </a:effectRef>
+          <a:fontRef idx="minor">
+            <a:schemeClr val="tx1"/>
+          </a:fontRef>
+        </p:style>
+      </p:cxnSp>
+      <p:cxnSp>
+        <p:nvCxnSpPr>
+          <p:cNvPr id="177" name="直線コネクタ 176"/>
+          <p:cNvCxnSpPr>
+            <a:stCxn id="133" idx="2"/>
+            <a:endCxn id="139" idx="1"/>
+          </p:cNvCxnSpPr>
+          <p:nvPr/>
+        </p:nvCxnSpPr>
+        <p:spPr>
+          <a:xfrm>
+            <a:off x="4485265" y="27168408"/>
+            <a:ext cx="820104" cy="309800"/>
+          </a:xfrm>
+          <a:prstGeom prst="line">
+            <a:avLst/>
+          </a:prstGeom>
+          <a:ln w="76200">
+            <a:solidFill>
+              <a:srgbClr val="FF0000"/>
+            </a:solidFill>
+          </a:ln>
+        </p:spPr>
+        <p:style>
+          <a:lnRef idx="1">
+            <a:schemeClr val="accent1"/>
+          </a:lnRef>
+          <a:fillRef idx="0">
+            <a:schemeClr val="accent1"/>
+          </a:fillRef>
+          <a:effectRef idx="0">
+            <a:schemeClr val="accent1"/>
+          </a:effectRef>
+          <a:fontRef idx="minor">
+            <a:schemeClr val="tx1"/>
+          </a:fontRef>
+        </p:style>
+      </p:cxnSp>
+      <p:cxnSp>
+        <p:nvCxnSpPr>
+          <p:cNvPr id="253" name="直線コネクタ 252"/>
+          <p:cNvCxnSpPr>
+            <a:stCxn id="52" idx="0"/>
+            <a:endCxn id="139" idx="2"/>
+          </p:cNvCxnSpPr>
+          <p:nvPr/>
+        </p:nvCxnSpPr>
+        <p:spPr>
+          <a:xfrm flipH="1" flipV="1">
+            <a:off x="5838762" y="27778928"/>
+            <a:ext cx="11025" cy="345621"/>
+          </a:xfrm>
+          <a:prstGeom prst="line">
+            <a:avLst/>
+          </a:prstGeom>
+          <a:ln w="76200">
+            <a:solidFill>
+              <a:srgbClr val="0070C0"/>
+            </a:solidFill>
+          </a:ln>
+        </p:spPr>
+        <p:style>
+          <a:lnRef idx="1">
+            <a:schemeClr val="accent1"/>
+          </a:lnRef>
+          <a:fillRef idx="0">
+            <a:schemeClr val="accent1"/>
+          </a:fillRef>
+          <a:effectRef idx="0">
+            <a:schemeClr val="accent1"/>
+          </a:effectRef>
+          <a:fontRef idx="minor">
+            <a:schemeClr val="tx1"/>
+          </a:fontRef>
+        </p:style>
+      </p:cxnSp>
+      <p:sp>
+        <p:nvSpPr>
+          <p:cNvPr id="230" name="正方形/長方形 229"/>
+          <p:cNvSpPr/>
+          <p:nvPr/>
+        </p:nvSpPr>
+        <p:spPr>
+          <a:xfrm>
+            <a:off x="5640931" y="22916141"/>
+            <a:ext cx="920954" cy="448442"/>
+          </a:xfrm>
+          <a:prstGeom prst="rect">
+            <a:avLst/>
+          </a:prstGeom>
+          <a:solidFill>
+            <a:schemeClr val="bg1"/>
+          </a:solidFill>
+          <a:ln>
+            <a:solidFill>
+              <a:schemeClr val="tx1"/>
+            </a:solidFill>
+          </a:ln>
+        </p:spPr>
+        <p:style>
+          <a:lnRef idx="2">
+            <a:schemeClr val="accent1">
+              <a:shade val="50000"/>
+            </a:schemeClr>
+          </a:lnRef>
+          <a:fillRef idx="1">
+            <a:schemeClr val="accent1"/>
+          </a:fillRef>
+          <a:effectRef idx="0">
+            <a:schemeClr val="accent1"/>
+          </a:effectRef>
+          <a:fontRef idx="minor">
+            <a:schemeClr val="lt1"/>
+          </a:fontRef>
+        </p:style>
+        <p:txBody>
+          <a:bodyPr rtlCol="0" anchor="ctr"/>
+          <a:lstStyle/>
+          <a:p>
+            <a:pPr algn="ctr"/>
+            <a:r>
+              <a:rPr kumimoji="1" lang="en-US" altLang="ja-JP" sz="2000" b="1" dirty="0" smtClean="0">
+                <a:solidFill>
+                  <a:schemeClr val="tx1"/>
+                </a:solidFill>
+              </a:rPr>
+              <a:t>Ver0.1</a:t>
+            </a:r>
+            <a:endParaRPr kumimoji="1" lang="ja-JP" altLang="en-US" sz="2000" b="1" dirty="0">
+              <a:solidFill>
+                <a:schemeClr val="tx1"/>
+              </a:solidFill>
+            </a:endParaRPr>
+          </a:p>
+        </p:txBody>
+      </p:sp>
+      <p:sp>
+        <p:nvSpPr>
+          <p:cNvPr id="265" name="正方形/長方形 264"/>
+          <p:cNvSpPr/>
+          <p:nvPr/>
+        </p:nvSpPr>
+        <p:spPr>
+          <a:xfrm>
+            <a:off x="5673430" y="25947140"/>
+            <a:ext cx="920954" cy="448442"/>
+          </a:xfrm>
+          <a:prstGeom prst="rect">
+            <a:avLst/>
+          </a:prstGeom>
+          <a:solidFill>
+            <a:schemeClr val="bg1"/>
+          </a:solidFill>
+          <a:ln>
+            <a:solidFill>
+              <a:schemeClr val="tx1"/>
+            </a:solidFill>
+          </a:ln>
+        </p:spPr>
+        <p:style>
+          <a:lnRef idx="2">
+            <a:schemeClr val="accent1">
+              <a:shade val="50000"/>
+            </a:schemeClr>
+          </a:lnRef>
+          <a:fillRef idx="1">
+            <a:schemeClr val="accent1"/>
+          </a:fillRef>
+          <a:effectRef idx="0">
+            <a:schemeClr val="accent1"/>
+          </a:effectRef>
+          <a:fontRef idx="minor">
+            <a:schemeClr val="lt1"/>
+          </a:fontRef>
+        </p:style>
+        <p:txBody>
+          <a:bodyPr rtlCol="0" anchor="ctr"/>
+          <a:lstStyle/>
+          <a:p>
+            <a:pPr algn="ctr"/>
+            <a:r>
+              <a:rPr kumimoji="1" lang="en-US" altLang="ja-JP" sz="2000" b="1" dirty="0" smtClean="0">
+                <a:solidFill>
+                  <a:schemeClr val="tx1"/>
+                </a:solidFill>
+              </a:rPr>
+              <a:t>Ver0.1</a:t>
+            </a:r>
+            <a:endParaRPr kumimoji="1" lang="ja-JP" altLang="en-US" sz="2000" b="1" dirty="0">
+              <a:solidFill>
+                <a:schemeClr val="tx1"/>
+              </a:solidFill>
+            </a:endParaRPr>
+          </a:p>
+        </p:txBody>
+      </p:sp>
+      <p:sp>
+        <p:nvSpPr>
+          <p:cNvPr id="266" name="正方形/長方形 265"/>
+          <p:cNvSpPr/>
+          <p:nvPr/>
+        </p:nvSpPr>
+        <p:spPr>
+          <a:xfrm>
+            <a:off x="2911984" y="25974068"/>
+            <a:ext cx="920954" cy="448442"/>
+          </a:xfrm>
+          <a:prstGeom prst="rect">
+            <a:avLst/>
+          </a:prstGeom>
+          <a:solidFill>
+            <a:schemeClr val="bg1"/>
+          </a:solidFill>
+          <a:ln>
+            <a:solidFill>
+              <a:schemeClr val="tx1"/>
+            </a:solidFill>
+          </a:ln>
+        </p:spPr>
+        <p:style>
+          <a:lnRef idx="2">
+            <a:schemeClr val="accent1">
+              <a:shade val="50000"/>
+            </a:schemeClr>
+          </a:lnRef>
+          <a:fillRef idx="1">
+            <a:schemeClr val="accent1"/>
+          </a:fillRef>
+          <a:effectRef idx="0">
+            <a:schemeClr val="accent1"/>
+          </a:effectRef>
+          <a:fontRef idx="minor">
+            <a:schemeClr val="lt1"/>
+          </a:fontRef>
+        </p:style>
+        <p:txBody>
+          <a:bodyPr rtlCol="0" anchor="ctr"/>
+          <a:lstStyle/>
+          <a:p>
+            <a:pPr algn="ctr"/>
+            <a:r>
+              <a:rPr kumimoji="1" lang="en-US" altLang="ja-JP" sz="2000" b="1" dirty="0" smtClean="0">
+                <a:solidFill>
+                  <a:schemeClr val="tx1"/>
+                </a:solidFill>
+              </a:rPr>
+              <a:t>Ver0.2</a:t>
+            </a:r>
+            <a:endParaRPr kumimoji="1" lang="ja-JP" altLang="en-US" sz="2000" b="1" dirty="0">
+              <a:solidFill>
+                <a:schemeClr val="tx1"/>
+              </a:solidFill>
+            </a:endParaRPr>
+          </a:p>
+        </p:txBody>
+      </p:sp>
+      <p:sp>
+        <p:nvSpPr>
+          <p:cNvPr id="267" name="正方形/長方形 266"/>
+          <p:cNvSpPr/>
+          <p:nvPr/>
+        </p:nvSpPr>
+        <p:spPr>
+          <a:xfrm>
+            <a:off x="5673430" y="29173350"/>
+            <a:ext cx="920954" cy="448442"/>
+          </a:xfrm>
+          <a:prstGeom prst="rect">
+            <a:avLst/>
+          </a:prstGeom>
+          <a:solidFill>
+            <a:schemeClr val="bg1"/>
+          </a:solidFill>
+          <a:ln>
+            <a:solidFill>
+              <a:schemeClr val="tx1"/>
+            </a:solidFill>
+          </a:ln>
+        </p:spPr>
+        <p:style>
+          <a:lnRef idx="2">
+            <a:schemeClr val="accent1">
+              <a:shade val="50000"/>
+            </a:schemeClr>
+          </a:lnRef>
+          <a:fillRef idx="1">
+            <a:schemeClr val="accent1"/>
+          </a:fillRef>
+          <a:effectRef idx="0">
+            <a:schemeClr val="accent1"/>
+          </a:effectRef>
+          <a:fontRef idx="minor">
+            <a:schemeClr val="lt1"/>
+          </a:fontRef>
+        </p:style>
+        <p:txBody>
+          <a:bodyPr rtlCol="0" anchor="ctr"/>
+          <a:lstStyle/>
+          <a:p>
+            <a:pPr algn="ctr"/>
+            <a:r>
+              <a:rPr kumimoji="1" lang="en-US" altLang="ja-JP" sz="2000" b="1" dirty="0" smtClean="0">
+                <a:solidFill>
+                  <a:schemeClr val="tx1"/>
+                </a:solidFill>
+              </a:rPr>
+              <a:t>Ver0.2</a:t>
+            </a:r>
+            <a:endParaRPr kumimoji="1" lang="ja-JP" altLang="en-US" sz="2000" b="1" dirty="0">
+              <a:solidFill>
+                <a:schemeClr val="tx1"/>
+              </a:solidFill>
+            </a:endParaRPr>
+          </a:p>
+        </p:txBody>
+      </p:sp>
+      <p:sp>
+        <p:nvSpPr>
+          <p:cNvPr id="231" name="テキスト ボックス 230"/>
+          <p:cNvSpPr txBox="1"/>
+          <p:nvPr/>
+        </p:nvSpPr>
+        <p:spPr>
+          <a:xfrm>
+            <a:off x="1379275" y="28124549"/>
+            <a:ext cx="3919984" cy="984885"/>
+          </a:xfrm>
+          <a:prstGeom prst="rect">
+            <a:avLst/>
+          </a:prstGeom>
+          <a:noFill/>
+        </p:spPr>
+        <p:txBody>
+          <a:bodyPr wrap="none" rtlCol="0">
+            <a:spAutoFit/>
+          </a:bodyPr>
+          <a:lstStyle/>
+          <a:p>
+            <a:r>
+              <a:rPr lang="en-US" altLang="ja-JP" dirty="0"/>
+              <a:t>GitHub Flow</a:t>
+            </a:r>
+            <a:endParaRPr kumimoji="1" lang="ja-JP" altLang="en-US" dirty="0"/>
+          </a:p>
+        </p:txBody>
+      </p:sp>
+      <p:pic>
+        <p:nvPicPr>
+          <p:cNvPr id="276" name="Picture 12"/>
+          <p:cNvPicPr>
+            <a:picLocks noChangeAspect="1" noChangeArrowheads="1"/>
+          </p:cNvPicPr>
+          <p:nvPr/>
+        </p:nvPicPr>
+        <p:blipFill>
+          <a:blip r:embed="rId5">
+            <a:extLst>
+              <a:ext uri="{28A0092B-C50C-407E-A947-70E740481C1C}">
+                <a14:useLocalDpi xmlns:a14="http://schemas.microsoft.com/office/drawing/2010/main" val="0"/>
+              </a:ext>
+            </a:extLst>
+          </a:blip>
+          <a:srcRect/>
+          <a:stretch>
+            <a:fillRect/>
+          </a:stretch>
+        </p:blipFill>
+        <p:spPr bwMode="auto">
+          <a:xfrm>
+            <a:off x="3451252" y="26854138"/>
+            <a:ext cx="857250" cy="857250"/>
+          </a:xfrm>
+          <a:prstGeom prst="rect">
+            <a:avLst/>
+          </a:prstGeom>
+          <a:noFill/>
+          <a:ln>
+            <a:noFill/>
+          </a:ln>
+          <a:extLst>
+            <a:ext uri="{909E8E84-426E-40DD-AFC4-6F175D3DCCD1}">
+              <a14:hiddenFill xmlns:a14="http://schemas.microsoft.com/office/drawing/2010/main">
+                <a:solidFill>
+                  <a:schemeClr val="accent1"/>
+                </a:solidFill>
+              </a14:hiddenFill>
+            </a:ext>
+            <a:ext uri="{91240B29-F687-4F45-9708-019B960494DF}">
+              <a14:hiddenLine xmlns:a14="http://schemas.microsoft.com/office/drawing/2010/main" w="9525">
+                <a:solidFill>
+                  <a:schemeClr val="tx1"/>
+                </a:solidFill>
+                <a:miter lim="800000"/>
+                <a:headEnd/>
+                <a:tailEnd/>
+              </a14:hiddenLine>
+            </a:ext>
+          </a:extLst>
+        </p:spPr>
+      </p:pic>
+      <p:pic>
+        <p:nvPicPr>
+          <p:cNvPr id="275" name="Picture 11" descr="C:\Users\onodera\AppData\Local\Microsoft\Windows\Temporary Internet Files\Content.IE5\4GYN6BAF\MC900433943[1].png"/>
+          <p:cNvPicPr>
+            <a:picLocks noChangeAspect="1" noChangeArrowheads="1"/>
+          </p:cNvPicPr>
+          <p:nvPr/>
+        </p:nvPicPr>
+        <p:blipFill>
+          <a:blip r:embed="rId4">
+            <a:extLst>
+              <a:ext uri="{28A0092B-C50C-407E-A947-70E740481C1C}">
+                <a14:useLocalDpi xmlns:a14="http://schemas.microsoft.com/office/drawing/2010/main" val="0"/>
+              </a:ext>
+            </a:extLst>
+          </a:blip>
+          <a:srcRect/>
+          <a:stretch>
+            <a:fillRect/>
+          </a:stretch>
+        </p:blipFill>
+        <p:spPr bwMode="auto">
+          <a:xfrm>
+            <a:off x="4433356" y="25812472"/>
+            <a:ext cx="884596" cy="884596"/>
+          </a:xfrm>
+          <a:prstGeom prst="rect">
+            <a:avLst/>
+          </a:prstGeom>
+          <a:noFill/>
+          <a:extLst>
+            <a:ext uri="{909E8E84-426E-40DD-AFC4-6F175D3DCCD1}">
+              <a14:hiddenFill xmlns:a14="http://schemas.microsoft.com/office/drawing/2010/main">
+                <a:solidFill>
+                  <a:srgbClr val="FFFFFF"/>
+                </a:solidFill>
+              </a14:hiddenFill>
+            </a:ext>
+          </a:extLst>
+        </p:spPr>
+      </p:pic>
+      <p:sp>
+        <p:nvSpPr>
+          <p:cNvPr id="133" name="角丸四角形 132"/>
+          <p:cNvSpPr/>
+          <p:nvPr/>
+        </p:nvSpPr>
+        <p:spPr>
+          <a:xfrm>
+            <a:off x="3901270" y="26468404"/>
+            <a:ext cx="1167990" cy="700004"/>
+          </a:xfrm>
+          <a:prstGeom prst="roundRect">
+            <a:avLst/>
+          </a:prstGeom>
+          <a:solidFill>
+            <a:schemeClr val="bg1"/>
+          </a:solidFill>
+          <a:ln w="76200">
+            <a:solidFill>
+              <a:srgbClr val="FF0000"/>
+            </a:solidFill>
+          </a:ln>
+        </p:spPr>
+        <p:style>
+          <a:lnRef idx="2">
+            <a:schemeClr val="accent1">
+              <a:shade val="50000"/>
+            </a:schemeClr>
+          </a:lnRef>
+          <a:fillRef idx="1">
+            <a:schemeClr val="accent1"/>
+          </a:fillRef>
+          <a:effectRef idx="0">
+            <a:schemeClr val="accent1"/>
+          </a:effectRef>
+          <a:fontRef idx="minor">
+            <a:schemeClr val="lt1"/>
+          </a:fontRef>
+        </p:style>
+        <p:txBody>
+          <a:bodyPr rtlCol="0" anchor="ctr"/>
+          <a:lstStyle/>
+          <a:p>
+            <a:pPr algn="ctr"/>
+            <a:r>
+              <a:rPr kumimoji="1" lang="ja-JP" altLang="en-US" sz="3200" b="1" dirty="0" smtClean="0">
+                <a:solidFill>
+                  <a:schemeClr val="tx1"/>
+                </a:solidFill>
+              </a:rPr>
+              <a:t>許可</a:t>
+            </a:r>
+            <a:endParaRPr kumimoji="1" lang="ja-JP" altLang="en-US" sz="3200" b="1" dirty="0">
               <a:solidFill>
                 <a:schemeClr val="tx1"/>
               </a:solidFill>
@@ -9274,9 +9101,9 @@
 </file>
 
 <file path=ppt/theme/theme1.xml><?xml version="1.0" encoding="utf-8"?>
-<a:theme xmlns:a="http://schemas.openxmlformats.org/drawingml/2006/main" name="スリップストリーム">
+<a:theme xmlns:a="http://schemas.openxmlformats.org/drawingml/2006/main" name="Office ​​テーマ">
   <a:themeElements>
-    <a:clrScheme name="スリップストリーム">
+    <a:clrScheme name="Office">
       <a:dk1>
         <a:sysClr val="windowText" lastClr="000000"/>
       </a:dk1>
@@ -9284,52 +9111,52 @@
         <a:sysClr val="window" lastClr="FFFFFF"/>
       </a:lt1>
       <a:dk2>
-        <a:srgbClr val="212745"/>
+        <a:srgbClr val="1F497D"/>
       </a:dk2>
       <a:lt2>
-        <a:srgbClr val="B4DCFA"/>
+        <a:srgbClr val="EEECE1"/>
       </a:lt2>
       <a:accent1>
-        <a:srgbClr val="4E67C8"/>
+        <a:srgbClr val="4F81BD"/>
       </a:accent1>
       <a:accent2>
-        <a:srgbClr val="5ECCF3"/>
+        <a:srgbClr val="C0504D"/>
       </a:accent2>
       <a:accent3>
-        <a:srgbClr val="A7EA52"/>
+        <a:srgbClr val="9BBB59"/>
       </a:accent3>
       <a:accent4>
-        <a:srgbClr val="5DCEAF"/>
+        <a:srgbClr val="8064A2"/>
       </a:accent4>
       <a:accent5>
-        <a:srgbClr val="FF8021"/>
+        <a:srgbClr val="4BACC6"/>
       </a:accent5>
       <a:accent6>
-        <a:srgbClr val="F14124"/>
+        <a:srgbClr val="F79646"/>
       </a:accent6>
       <a:hlink>
-        <a:srgbClr val="56C7AA"/>
+        <a:srgbClr val="0000FF"/>
       </a:hlink>
       <a:folHlink>
-        <a:srgbClr val="59A8D1"/>
+        <a:srgbClr val="800080"/>
       </a:folHlink>
     </a:clrScheme>
-    <a:fontScheme name="スリップストリーム">
+    <a:fontScheme name="Office">
       <a:majorFont>
-        <a:latin typeface="Trebuchet MS"/>
+        <a:latin typeface="Calibri"/>
         <a:ea typeface=""/>
         <a:cs typeface=""/>
-        <a:font script="Jpan" typeface="HGｺﾞｼｯｸM"/>
-        <a:font script="Hang" typeface="HY그래픽B"/>
-        <a:font script="Hans" typeface="方正姚体"/>
-        <a:font script="Hant" typeface="微軟正黑體"/>
-        <a:font script="Arab" typeface="Tahoma"/>
-        <a:font script="Hebr" typeface="Gisha"/>
-        <a:font script="Thai" typeface="IrisUPC"/>
+        <a:font script="Jpan" typeface="ＭＳ Ｐゴシック"/>
+        <a:font script="Hang" typeface="맑은 고딕"/>
+        <a:font script="Hans" typeface="宋体"/>
+        <a:font script="Hant" typeface="新細明體"/>
+        <a:font script="Arab" typeface="Times New Roman"/>
+        <a:font script="Hebr" typeface="Times New Roman"/>
+        <a:font script="Thai" typeface="Angsana New"/>
         <a:font script="Ethi" typeface="Nyala"/>
         <a:font script="Beng" typeface="Vrinda"/>
         <a:font script="Gujr" typeface="Shruti"/>
-        <a:font script="Khmr" typeface="DaunPenh"/>
+        <a:font script="Khmr" typeface="MoolBoran"/>
         <a:font script="Knda" typeface="Tunga"/>
         <a:font script="Guru" typeface="Raavi"/>
         <a:font script="Cans" typeface="Euphemia"/>
@@ -9346,21 +9173,21 @@
         <a:font script="Laoo" typeface="DokChampa"/>
         <a:font script="Sinh" typeface="Iskoola Pota"/>
         <a:font script="Mong" typeface="Mongolian Baiti"/>
-        <a:font script="Viet" typeface="Tahoma"/>
+        <a:font script="Viet" typeface="Times New Roman"/>
         <a:font script="Uigh" typeface="Microsoft Uighur"/>
         <a:font script="Geor" typeface="Sylfaen"/>
       </a:majorFont>
       <a:minorFont>
-        <a:latin typeface="Trebuchet MS"/>
+        <a:latin typeface="Calibri"/>
         <a:ea typeface=""/>
         <a:cs typeface=""/>
-        <a:font script="Jpan" typeface="HGｺﾞｼｯｸM"/>
-        <a:font script="Hang" typeface="HY그래픽M"/>
-        <a:font script="Hans" typeface="方正姚体"/>
-        <a:font script="Hant" typeface="微軟正黑體"/>
-        <a:font script="Arab" typeface="Tahoma"/>
-        <a:font script="Hebr" typeface="Gisha"/>
-        <a:font script="Thai" typeface="IrisUPC"/>
+        <a:font script="Jpan" typeface="ＭＳ Ｐゴシック"/>
+        <a:font script="Hang" typeface="맑은 고딕"/>
+        <a:font script="Hans" typeface="宋体"/>
+        <a:font script="Hant" typeface="新細明體"/>
+        <a:font script="Arab" typeface="Arial"/>
+        <a:font script="Hebr" typeface="Arial"/>
+        <a:font script="Thai" typeface="Cordia New"/>
         <a:font script="Ethi" typeface="Nyala"/>
         <a:font script="Beng" typeface="Vrinda"/>
         <a:font script="Gujr" typeface="Shruti"/>
@@ -9386,61 +9213,64 @@
         <a:font script="Geor" typeface="Sylfaen"/>
       </a:minorFont>
     </a:fontScheme>
-    <a:fmtScheme name="スリップストリーム">
+    <a:fmtScheme name="Office">
       <a:fillStyleLst>
         <a:solidFill>
           <a:schemeClr val="phClr"/>
         </a:solidFill>
         <a:gradFill rotWithShape="1">
           <a:gsLst>
-            <a:gs pos="28000">
+            <a:gs pos="0">
               <a:schemeClr val="phClr">
-                <a:tint val="18000"/>
-                <a:satMod val="120000"/>
-                <a:lumMod val="88000"/>
+                <a:tint val="50000"/>
+                <a:satMod val="300000"/>
+              </a:schemeClr>
+            </a:gs>
+            <a:gs pos="35000">
+              <a:schemeClr val="phClr">
+                <a:tint val="37000"/>
+                <a:satMod val="300000"/>
               </a:schemeClr>
             </a:gs>
             <a:gs pos="100000">
               <a:schemeClr val="phClr">
-                <a:tint val="40000"/>
-                <a:satMod val="100000"/>
-                <a:lumMod val="78000"/>
+                <a:tint val="15000"/>
+                <a:satMod val="350000"/>
               </a:schemeClr>
             </a:gs>
           </a:gsLst>
-          <a:lin ang="5400000" scaled="0"/>
+          <a:lin ang="16200000" scaled="1"/>
         </a:gradFill>
         <a:gradFill rotWithShape="1">
           <a:gsLst>
             <a:gs pos="0">
               <a:schemeClr val="phClr">
-                <a:lumMod val="95000"/>
+                <a:shade val="51000"/>
+                <a:satMod val="130000"/>
+              </a:schemeClr>
+            </a:gs>
+            <a:gs pos="80000">
+              <a:schemeClr val="phClr">
+                <a:shade val="93000"/>
+                <a:satMod val="130000"/>
               </a:schemeClr>
             </a:gs>
             <a:gs pos="100000">
               <a:schemeClr val="phClr">
-                <a:shade val="82000"/>
-                <a:satMod val="125000"/>
-                <a:lumMod val="74000"/>
+                <a:shade val="94000"/>
+                <a:satMod val="135000"/>
               </a:schemeClr>
             </a:gs>
           </a:gsLst>
-          <a:lin ang="5400000" scaled="0"/>
+          <a:lin ang="16200000" scaled="0"/>
         </a:gradFill>
       </a:fillStyleLst>
       <a:lnStyleLst>
         <a:ln w="9525" cap="flat" cmpd="sng" algn="ctr">
           <a:solidFill>
-            <a:schemeClr val="phClr"/>
-          </a:solidFill>
-          <a:prstDash val="solid"/>
-        </a:ln>
-        <a:ln w="15875" cap="flat" cmpd="sng" algn="ctr">
-          <a:solidFill>
             <a:schemeClr val="phClr">
-              <a:shade val="75000"/>
-              <a:satMod val="125000"/>
-              <a:lumMod val="75000"/>
+              <a:shade val="95000"/>
+              <a:satMod val="105000"/>
             </a:schemeClr>
           </a:solidFill>
           <a:prstDash val="solid"/>
@@ -9451,22 +9281,37 @@
           </a:solidFill>
           <a:prstDash val="solid"/>
         </a:ln>
+        <a:ln w="38100" cap="flat" cmpd="sng" algn="ctr">
+          <a:solidFill>
+            <a:schemeClr val="phClr"/>
+          </a:solidFill>
+          <a:prstDash val="solid"/>
+        </a:ln>
       </a:lnStyleLst>
       <a:effectStyleLst>
         <a:effectStyle>
           <a:effectLst>
-            <a:outerShdw blurRad="63500" dist="50800" dir="5400000" sx="98000" sy="98000" rotWithShape="0">
+            <a:outerShdw blurRad="40000" dist="20000" dir="5400000" rotWithShape="0">
               <a:srgbClr val="000000">
-                <a:alpha val="20000"/>
+                <a:alpha val="38000"/>
               </a:srgbClr>
             </a:outerShdw>
           </a:effectLst>
         </a:effectStyle>
         <a:effectStyle>
           <a:effectLst>
-            <a:outerShdw blurRad="40005" dist="22984" dir="5400000" rotWithShape="0">
+            <a:outerShdw blurRad="40000" dist="23000" dir="5400000" rotWithShape="0">
               <a:srgbClr val="000000">
-                <a:alpha val="45000"/>
+                <a:alpha val="35000"/>
+              </a:srgbClr>
+            </a:outerShdw>
+          </a:effectLst>
+        </a:effectStyle>
+        <a:effectStyle>
+          <a:effectLst>
+            <a:outerShdw blurRad="40000" dist="23000" dir="5400000" rotWithShape="0">
+              <a:srgbClr val="000000">
+                <a:alpha val="35000"/>
               </a:srgbClr>
             </a:outerShdw>
           </a:effectLst>
@@ -9474,30 +9319,12 @@
             <a:camera prst="orthographicFront">
               <a:rot lat="0" lon="0" rev="0"/>
             </a:camera>
-            <a:lightRig rig="balanced" dir="tr"/>
+            <a:lightRig rig="threePt" dir="t">
+              <a:rot lat="0" lon="0" rev="1200000"/>
+            </a:lightRig>
           </a:scene3d>
-          <a:sp3d prstMaterial="matte">
-            <a:bevelT w="19050" h="38100"/>
-          </a:sp3d>
-        </a:effectStyle>
-        <a:effectStyle>
-          <a:effectLst>
-            <a:reflection blurRad="38100" stA="26000" endPos="23000" dist="25400" dir="5400000" sy="-100000" rotWithShape="0"/>
-          </a:effectLst>
-          <a:scene3d>
-            <a:camera prst="orthographicFront">
-              <a:rot lat="0" lon="0" rev="0"/>
-            </a:camera>
-            <a:lightRig rig="balanced" dir="tr"/>
-          </a:scene3d>
-          <a:sp3d contourW="14605" prstMaterial="plastic">
-            <a:bevelT w="50800"/>
-            <a:contourClr>
-              <a:schemeClr val="phClr">
-                <a:shade val="30000"/>
-                <a:satMod val="120000"/>
-              </a:schemeClr>
-            </a:contourClr>
+          <a:sp3d>
+            <a:bevelT w="63500" h="25400"/>
           </a:sp3d>
         </a:effectStyle>
       </a:effectStyleLst>
@@ -9509,62 +9336,45 @@
           <a:gsLst>
             <a:gs pos="0">
               <a:schemeClr val="phClr">
-                <a:tint val="98000"/>
-                <a:shade val="90000"/>
-                <a:satMod val="160000"/>
-                <a:lumMod val="100000"/>
+                <a:tint val="40000"/>
+                <a:satMod val="350000"/>
               </a:schemeClr>
             </a:gs>
-            <a:gs pos="60000">
+            <a:gs pos="40000">
               <a:schemeClr val="phClr">
-                <a:tint val="95000"/>
-                <a:shade val="100000"/>
-                <a:satMod val="130000"/>
-                <a:lumMod val="130000"/>
+                <a:tint val="45000"/>
+                <a:shade val="99000"/>
+                <a:satMod val="350000"/>
               </a:schemeClr>
             </a:gs>
             <a:gs pos="100000">
               <a:schemeClr val="phClr">
-                <a:tint val="97000"/>
-                <a:shade val="100000"/>
-                <a:hueMod val="100000"/>
-                <a:satMod val="140000"/>
-                <a:lumMod val="80000"/>
+                <a:shade val="20000"/>
+                <a:satMod val="255000"/>
               </a:schemeClr>
             </a:gs>
           </a:gsLst>
           <a:path path="circle">
-            <a:fillToRect l="20000" t="10000" r="20000" b="60000"/>
+            <a:fillToRect l="50000" t="-80000" r="50000" b="180000"/>
           </a:path>
         </a:gradFill>
         <a:gradFill rotWithShape="1">
           <a:gsLst>
             <a:gs pos="0">
               <a:schemeClr val="phClr">
-                <a:tint val="94000"/>
-                <a:satMod val="160000"/>
-                <a:lumMod val="160000"/>
-              </a:schemeClr>
-            </a:gs>
-            <a:gs pos="42000">
-              <a:schemeClr val="phClr">
-                <a:tint val="94000"/>
-                <a:shade val="94000"/>
-                <a:satMod val="160000"/>
-                <a:lumMod val="130000"/>
+                <a:tint val="80000"/>
+                <a:satMod val="300000"/>
               </a:schemeClr>
             </a:gs>
             <a:gs pos="100000">
               <a:schemeClr val="phClr">
-                <a:tint val="97000"/>
-                <a:shade val="94000"/>
-                <a:satMod val="180000"/>
-                <a:lumMod val="84000"/>
+                <a:shade val="30000"/>
+                <a:satMod val="200000"/>
               </a:schemeClr>
             </a:gs>
           </a:gsLst>
           <a:path path="circle">
-            <a:fillToRect l="24000" t="44000" r="24000" b="12000"/>
+            <a:fillToRect l="50000" t="50000" r="50000" b="50000"/>
           </a:path>
         </a:gradFill>
       </a:bgFillStyleLst>
